--- a/PowerPoll/PowerPoll/bin/Debug/Presentation1.pptx
+++ b/PowerPoll/PowerPoll/bin/Debug/Presentation1.pptx
@@ -2,10 +2,10 @@
 <file path=ppt/presentation.xml><?xml version="1.0" encoding="utf-8"?>
 <p:presentation xmlns:a="http://schemas.openxmlformats.org/drawingml/2006/main" xmlns:r="http://schemas.openxmlformats.org/officeDocument/2006/relationships" xmlns:p="http://schemas.openxmlformats.org/presentationml/2006/main" saveSubsetFonts="1">
   <p:sldMasterIdLst>
-    <p:sldMasterId id="2147483648" r:id="Rd373222bf03c42ba"/>
+    <p:sldMasterId id="2147483648" r:id="R072537bdf8a344e5"/>
   </p:sldMasterIdLst>
   <p:sldIdLst>
-    <p:sldId id="256" r:id="R35feb21c05eb4260"/>
+    <p:sldId id="256" r:id="Raf7aa90d2ce24cbf"/>
   </p:sldIdLst>
   <p:sldSz cx="12192000" cy="6858000"/>
   <p:notesSz cx="6858000" cy="9144000"/>
@@ -2652,17 +2652,17 @@
   </p:cSld>
   <p:clrMap bg1="lt1" tx1="dk1" bg2="lt2" tx2="dk2" accent1="accent1" accent2="accent2" accent3="accent3" accent4="accent4" accent5="accent5" accent6="accent6" hlink="hlink" folHlink="folHlink"/>
   <p:sldLayoutIdLst>
-    <p:sldLayoutId id="2147483649" r:id="Re3075c08bb1e4eb2"/>
-    <p:sldLayoutId id="2147483650" r:id="R5937e5dad64040fe"/>
-    <p:sldLayoutId id="2147483651" r:id="R70d5238fac824665"/>
-    <p:sldLayoutId id="2147483652" r:id="R655f7de063ca4ca6"/>
-    <p:sldLayoutId id="2147483653" r:id="R024916cceda742d4"/>
-    <p:sldLayoutId id="2147483654" r:id="R560b905b53f6499c"/>
-    <p:sldLayoutId id="2147483655" r:id="Rdac640e902cf491a"/>
-    <p:sldLayoutId id="2147483656" r:id="R5430e97055894703"/>
-    <p:sldLayoutId id="2147483657" r:id="R25d2554d0b044801"/>
-    <p:sldLayoutId id="2147483658" r:id="Rbc1db8f55cfe4b35"/>
-    <p:sldLayoutId id="2147483659" r:id="R799cce631ed14ae0"/>
+    <p:sldLayoutId id="2147483649" r:id="R6363ab81c94b4327"/>
+    <p:sldLayoutId id="2147483650" r:id="R41763f4e3f284929"/>
+    <p:sldLayoutId id="2147483651" r:id="Rc232226c7bf24de3"/>
+    <p:sldLayoutId id="2147483652" r:id="Rd46d65aea4364fb8"/>
+    <p:sldLayoutId id="2147483653" r:id="Rb3b66e7ac86d4c4f"/>
+    <p:sldLayoutId id="2147483654" r:id="R4550534ec0fa484f"/>
+    <p:sldLayoutId id="2147483655" r:id="R37e30c2868af410e"/>
+    <p:sldLayoutId id="2147483656" r:id="R41ad6fcee4d24ac3"/>
+    <p:sldLayoutId id="2147483657" r:id="R1c06edc5ef904b8b"/>
+    <p:sldLayoutId id="2147483658" r:id="R6a3a83fef6f84699"/>
+    <p:sldLayoutId id="2147483659" r:id="R08fae670268a4f96"/>
   </p:sldLayoutIdLst>
   <p:txStyles>
     <p:titleStyle>
@@ -3279,7 +3279,7 @@
             </p:xfrm>
             <a:graphic>
               <a:graphicData uri="http://schemas.microsoft.com/office/webextensions/webextension/2010/11">
-                <we:webextensionref xmlns:we="http://schemas.microsoft.com/office/webextensions/webextension/2010/11" xmlns:r="http://schemas.openxmlformats.org/officeDocument/2006/relationships" r:id="Rf90b019560694fd9"/>
+                <we:webextensionref xmlns:we="http://schemas.microsoft.com/office/webextensions/webextension/2010/11" xmlns:r="http://schemas.openxmlformats.org/officeDocument/2006/relationships" r:id="R46a3002b778e4863"/>
               </a:graphicData>
             </a:graphic>
           </p:graphicFrame>
@@ -3291,7 +3291,7 @@
               <p:cNvPicPr/>
             </p:nvPicPr>
             <p:blipFill>
-              <a:blip xmlns:r="http://schemas.openxmlformats.org/officeDocument/2006/relationships" r:embed="R8a18e986f5af46df"/>
+              <a:blip xmlns:r="http://schemas.openxmlformats.org/officeDocument/2006/relationships" r:embed="Rfda08da6eeba4bca"/>
               <a:stretch>
                 <a:fillRect/>
               </a:stretch>
@@ -3322,11 +3322,11 @@
 </file>
 
 <file path=ppt/slides/udata/data.xml><?xml version="1.0" encoding="utf-8"?>
-<we:webextension xmlns:r="http://schemas.openxmlformats.org/officeDocument/2006/relationships" xmlns:we="http://schemas.microsoft.com/office/webextensions/webextension/2010/11" id="{c71209ba-dc9e-4911-92b7-f5d39c6aa24d}">
+<we:webextension xmlns:r="http://schemas.openxmlformats.org/officeDocument/2006/relationships" xmlns:we="http://schemas.microsoft.com/office/webextensions/webextension/2010/11" id="{3d22325f-6379-4170-8157-125e574b8213}">
   <we:reference id="695691ef-8f6e-4dc4-b6b9-c5a5f44499f7" version="1.0.0.0" store="developer" storeType="Registry"/>
   <we:alternateReferences/>
   <we:properties/>
   <we:bindings/>
-  <we:snapshot xmlns:r="http://schemas.openxmlformats.org/officeDocument/2006/relationships" r:embed="R8a18e986f5af46df"/>
+  <we:snapshot xmlns:r="http://schemas.openxmlformats.org/officeDocument/2006/relationships" r:embed="Rfda08da6eeba4bca"/>
 </we:webextension>
 </file>
--- a/PowerPoll/PowerPoll/bin/Debug/Presentation1.pptx
+++ b/PowerPoll/PowerPoll/bin/Debug/Presentation1.pptx
@@ -2,10 +2,10 @@
 <file path=ppt/presentation.xml><?xml version="1.0" encoding="utf-8"?>
 <p:presentation xmlns:a="http://schemas.openxmlformats.org/drawingml/2006/main" xmlns:r="http://schemas.openxmlformats.org/officeDocument/2006/relationships" xmlns:p="http://schemas.openxmlformats.org/presentationml/2006/main" saveSubsetFonts="1">
   <p:sldMasterIdLst>
-    <p:sldMasterId id="2147483648" r:id="R072537bdf8a344e5"/>
+    <p:sldMasterId id="2147483648" r:id="R0f58918c8fc44e1a"/>
   </p:sldMasterIdLst>
   <p:sldIdLst>
-    <p:sldId id="256" r:id="Raf7aa90d2ce24cbf"/>
+    <p:sldId id="256" r:id="R0a9f913265664a09"/>
   </p:sldIdLst>
   <p:sldSz cx="12192000" cy="6858000"/>
   <p:notesSz cx="6858000" cy="9144000"/>
@@ -2652,17 +2652,17 @@
   </p:cSld>
   <p:clrMap bg1="lt1" tx1="dk1" bg2="lt2" tx2="dk2" accent1="accent1" accent2="accent2" accent3="accent3" accent4="accent4" accent5="accent5" accent6="accent6" hlink="hlink" folHlink="folHlink"/>
   <p:sldLayoutIdLst>
-    <p:sldLayoutId id="2147483649" r:id="R6363ab81c94b4327"/>
-    <p:sldLayoutId id="2147483650" r:id="R41763f4e3f284929"/>
-    <p:sldLayoutId id="2147483651" r:id="Rc232226c7bf24de3"/>
-    <p:sldLayoutId id="2147483652" r:id="Rd46d65aea4364fb8"/>
-    <p:sldLayoutId id="2147483653" r:id="Rb3b66e7ac86d4c4f"/>
-    <p:sldLayoutId id="2147483654" r:id="R4550534ec0fa484f"/>
-    <p:sldLayoutId id="2147483655" r:id="R37e30c2868af410e"/>
-    <p:sldLayoutId id="2147483656" r:id="R41ad6fcee4d24ac3"/>
-    <p:sldLayoutId id="2147483657" r:id="R1c06edc5ef904b8b"/>
-    <p:sldLayoutId id="2147483658" r:id="R6a3a83fef6f84699"/>
-    <p:sldLayoutId id="2147483659" r:id="R08fae670268a4f96"/>
+    <p:sldLayoutId id="2147483649" r:id="Rdf98b197939746a0"/>
+    <p:sldLayoutId id="2147483650" r:id="Re44bf7fb9f6e45e9"/>
+    <p:sldLayoutId id="2147483651" r:id="Rdcfb8bdc1cfd4acc"/>
+    <p:sldLayoutId id="2147483652" r:id="R79eced0b1ef64596"/>
+    <p:sldLayoutId id="2147483653" r:id="R8c2df1147e5947f7"/>
+    <p:sldLayoutId id="2147483654" r:id="R05e3b9613e4544c4"/>
+    <p:sldLayoutId id="2147483655" r:id="R1e243e8cd41d4d34"/>
+    <p:sldLayoutId id="2147483656" r:id="R5872bb0e97414e4b"/>
+    <p:sldLayoutId id="2147483657" r:id="R4e02618fb83b4401"/>
+    <p:sldLayoutId id="2147483658" r:id="Re028ed3337ac459a"/>
+    <p:sldLayoutId id="2147483659" r:id="R31d0382028cb4efb"/>
   </p:sldLayoutIdLst>
   <p:txStyles>
     <p:titleStyle>
@@ -3279,7 +3279,7 @@
             </p:xfrm>
             <a:graphic>
               <a:graphicData uri="http://schemas.microsoft.com/office/webextensions/webextension/2010/11">
-                <we:webextensionref xmlns:we="http://schemas.microsoft.com/office/webextensions/webextension/2010/11" xmlns:r="http://schemas.openxmlformats.org/officeDocument/2006/relationships" r:id="R46a3002b778e4863"/>
+                <we:webextensionref xmlns:we="http://schemas.microsoft.com/office/webextensions/webextension/2010/11" xmlns:r="http://schemas.openxmlformats.org/officeDocument/2006/relationships" r:id="R7327bfc185614681"/>
               </a:graphicData>
             </a:graphic>
           </p:graphicFrame>
@@ -3291,7 +3291,7 @@
               <p:cNvPicPr/>
             </p:nvPicPr>
             <p:blipFill>
-              <a:blip xmlns:r="http://schemas.openxmlformats.org/officeDocument/2006/relationships" r:embed="Rfda08da6eeba4bca"/>
+              <a:blip xmlns:r="http://schemas.openxmlformats.org/officeDocument/2006/relationships" r:embed="Ra65f9be3d4154337"/>
               <a:stretch>
                 <a:fillRect/>
               </a:stretch>
@@ -3322,11 +3322,11 @@
 </file>
 
 <file path=ppt/slides/udata/data.xml><?xml version="1.0" encoding="utf-8"?>
-<we:webextension xmlns:r="http://schemas.openxmlformats.org/officeDocument/2006/relationships" xmlns:we="http://schemas.microsoft.com/office/webextensions/webextension/2010/11" id="{3d22325f-6379-4170-8157-125e574b8213}">
+<we:webextension xmlns:r="http://schemas.openxmlformats.org/officeDocument/2006/relationships" xmlns:we="http://schemas.microsoft.com/office/webextensions/webextension/2010/11" id="{77f30025-0611-42c5-96bf-0b8e01abc9e2}">
   <we:reference id="695691ef-8f6e-4dc4-b6b9-c5a5f44499f7" version="1.0.0.0" store="developer" storeType="Registry"/>
   <we:alternateReferences/>
   <we:properties/>
   <we:bindings/>
-  <we:snapshot xmlns:r="http://schemas.openxmlformats.org/officeDocument/2006/relationships" r:embed="Rfda08da6eeba4bca"/>
+  <we:snapshot xmlns:r="http://schemas.openxmlformats.org/officeDocument/2006/relationships" r:embed="Ra65f9be3d4154337"/>
 </we:webextension>
 </file>
--- a/PowerPoll/PowerPoll/bin/Debug/Presentation1.pptx
+++ b/PowerPoll/PowerPoll/bin/Debug/Presentation1.pptx
@@ -2,10 +2,10 @@
 <file path=ppt/presentation.xml><?xml version="1.0" encoding="utf-8"?>
 <p:presentation xmlns:a="http://schemas.openxmlformats.org/drawingml/2006/main" xmlns:r="http://schemas.openxmlformats.org/officeDocument/2006/relationships" xmlns:p="http://schemas.openxmlformats.org/presentationml/2006/main" saveSubsetFonts="1">
   <p:sldMasterIdLst>
-    <p:sldMasterId id="2147483648" r:id="R072537bdf8a344e5"/>
+    <p:sldMasterId id="2147483648" r:id="Rfb973b1d03f14c23"/>
   </p:sldMasterIdLst>
   <p:sldIdLst>
-    <p:sldId id="256" r:id="Raf7aa90d2ce24cbf"/>
+    <p:sldId id="256" r:id="R1daa29b97b624631"/>
   </p:sldIdLst>
   <p:sldSz cx="12192000" cy="6858000"/>
   <p:notesSz cx="6858000" cy="9144000"/>
@@ -2652,17 +2652,17 @@
   </p:cSld>
   <p:clrMap bg1="lt1" tx1="dk1" bg2="lt2" tx2="dk2" accent1="accent1" accent2="accent2" accent3="accent3" accent4="accent4" accent5="accent5" accent6="accent6" hlink="hlink" folHlink="folHlink"/>
   <p:sldLayoutIdLst>
-    <p:sldLayoutId id="2147483649" r:id="R6363ab81c94b4327"/>
-    <p:sldLayoutId id="2147483650" r:id="R41763f4e3f284929"/>
-    <p:sldLayoutId id="2147483651" r:id="Rc232226c7bf24de3"/>
-    <p:sldLayoutId id="2147483652" r:id="Rd46d65aea4364fb8"/>
-    <p:sldLayoutId id="2147483653" r:id="Rb3b66e7ac86d4c4f"/>
-    <p:sldLayoutId id="2147483654" r:id="R4550534ec0fa484f"/>
-    <p:sldLayoutId id="2147483655" r:id="R37e30c2868af410e"/>
-    <p:sldLayoutId id="2147483656" r:id="R41ad6fcee4d24ac3"/>
-    <p:sldLayoutId id="2147483657" r:id="R1c06edc5ef904b8b"/>
-    <p:sldLayoutId id="2147483658" r:id="R6a3a83fef6f84699"/>
-    <p:sldLayoutId id="2147483659" r:id="R08fae670268a4f96"/>
+    <p:sldLayoutId id="2147483649" r:id="Raf04cfa35b0e4af7"/>
+    <p:sldLayoutId id="2147483650" r:id="R8d70e08ae9934cce"/>
+    <p:sldLayoutId id="2147483651" r:id="R16a3427a9e764b28"/>
+    <p:sldLayoutId id="2147483652" r:id="R21f60783a1f4479a"/>
+    <p:sldLayoutId id="2147483653" r:id="Ra4ff72865cc3473c"/>
+    <p:sldLayoutId id="2147483654" r:id="R54650fbcc8e24f04"/>
+    <p:sldLayoutId id="2147483655" r:id="R5c905a1ef78b4838"/>
+    <p:sldLayoutId id="2147483656" r:id="Rfa463f55712a4099"/>
+    <p:sldLayoutId id="2147483657" r:id="Re3e01d6a6df74a31"/>
+    <p:sldLayoutId id="2147483658" r:id="R816a5ef8c89a45c4"/>
+    <p:sldLayoutId id="2147483659" r:id="Rff09e57bb4b04848"/>
   </p:sldLayoutIdLst>
   <p:txStyles>
     <p:titleStyle>
@@ -3279,7 +3279,7 @@
             </p:xfrm>
             <a:graphic>
               <a:graphicData uri="http://schemas.microsoft.com/office/webextensions/webextension/2010/11">
-                <we:webextensionref xmlns:we="http://schemas.microsoft.com/office/webextensions/webextension/2010/11" xmlns:r="http://schemas.openxmlformats.org/officeDocument/2006/relationships" r:id="R46a3002b778e4863"/>
+                <we:webextensionref xmlns:we="http://schemas.microsoft.com/office/webextensions/webextension/2010/11" xmlns:r="http://schemas.openxmlformats.org/officeDocument/2006/relationships" r:id="R751cbb4ea84c4fbb"/>
               </a:graphicData>
             </a:graphic>
           </p:graphicFrame>
@@ -3291,7 +3291,7 @@
               <p:cNvPicPr/>
             </p:nvPicPr>
             <p:blipFill>
-              <a:blip xmlns:r="http://schemas.openxmlformats.org/officeDocument/2006/relationships" r:embed="Rfda08da6eeba4bca"/>
+              <a:blip xmlns:r="http://schemas.openxmlformats.org/officeDocument/2006/relationships" r:embed="R50d66b900f4a47cc"/>
               <a:stretch>
                 <a:fillRect/>
               </a:stretch>
@@ -3322,11 +3322,11 @@
 </file>
 
 <file path=ppt/slides/udata/data.xml><?xml version="1.0" encoding="utf-8"?>
-<we:webextension xmlns:r="http://schemas.openxmlformats.org/officeDocument/2006/relationships" xmlns:we="http://schemas.microsoft.com/office/webextensions/webextension/2010/11" id="{3d22325f-6379-4170-8157-125e574b8213}">
+<we:webextension xmlns:r="http://schemas.openxmlformats.org/officeDocument/2006/relationships" xmlns:we="http://schemas.microsoft.com/office/webextensions/webextension/2010/11" id="{b4e4f3f3-ec8a-4768-a310-2deac5eded51}">
   <we:reference id="695691ef-8f6e-4dc4-b6b9-c5a5f44499f7" version="1.0.0.0" store="developer" storeType="Registry"/>
   <we:alternateReferences/>
   <we:properties/>
   <we:bindings/>
-  <we:snapshot xmlns:r="http://schemas.openxmlformats.org/officeDocument/2006/relationships" r:embed="Rfda08da6eeba4bca"/>
+  <we:snapshot xmlns:r="http://schemas.openxmlformats.org/officeDocument/2006/relationships" r:embed="R50d66b900f4a47cc"/>
 </we:webextension>
 </file>
--- a/PowerPoll/PowerPoll/bin/Debug/Presentation1.pptx
+++ b/PowerPoll/PowerPoll/bin/Debug/Presentation1.pptx
@@ -2,10 +2,10 @@
 <file path=ppt/presentation.xml><?xml version="1.0" encoding="utf-8"?>
 <p:presentation xmlns:a="http://schemas.openxmlformats.org/drawingml/2006/main" xmlns:r="http://schemas.openxmlformats.org/officeDocument/2006/relationships" xmlns:p="http://schemas.openxmlformats.org/presentationml/2006/main" saveSubsetFonts="1">
   <p:sldMasterIdLst>
-    <p:sldMasterId id="2147483648" r:id="Rfb973b1d03f14c23"/>
+    <p:sldMasterId id="2147483648" r:id="R319edc5ab1d748fc"/>
   </p:sldMasterIdLst>
   <p:sldIdLst>
-    <p:sldId id="256" r:id="R1daa29b97b624631"/>
+    <p:sldId id="256" r:id="R5f8d21d4e7b5475d"/>
   </p:sldIdLst>
   <p:sldSz cx="12192000" cy="6858000"/>
   <p:notesSz cx="6858000" cy="9144000"/>
@@ -2652,17 +2652,17 @@
   </p:cSld>
   <p:clrMap bg1="lt1" tx1="dk1" bg2="lt2" tx2="dk2" accent1="accent1" accent2="accent2" accent3="accent3" accent4="accent4" accent5="accent5" accent6="accent6" hlink="hlink" folHlink="folHlink"/>
   <p:sldLayoutIdLst>
-    <p:sldLayoutId id="2147483649" r:id="Raf04cfa35b0e4af7"/>
-    <p:sldLayoutId id="2147483650" r:id="R8d70e08ae9934cce"/>
-    <p:sldLayoutId id="2147483651" r:id="R16a3427a9e764b28"/>
-    <p:sldLayoutId id="2147483652" r:id="R21f60783a1f4479a"/>
-    <p:sldLayoutId id="2147483653" r:id="Ra4ff72865cc3473c"/>
-    <p:sldLayoutId id="2147483654" r:id="R54650fbcc8e24f04"/>
-    <p:sldLayoutId id="2147483655" r:id="R5c905a1ef78b4838"/>
-    <p:sldLayoutId id="2147483656" r:id="Rfa463f55712a4099"/>
-    <p:sldLayoutId id="2147483657" r:id="Re3e01d6a6df74a31"/>
-    <p:sldLayoutId id="2147483658" r:id="R816a5ef8c89a45c4"/>
-    <p:sldLayoutId id="2147483659" r:id="Rff09e57bb4b04848"/>
+    <p:sldLayoutId id="2147483649" r:id="R80eee216f2e94340"/>
+    <p:sldLayoutId id="2147483650" r:id="R36ca74366de14cb0"/>
+    <p:sldLayoutId id="2147483651" r:id="Rf1fa14b6df054ec7"/>
+    <p:sldLayoutId id="2147483652" r:id="R5ae48dab3c18443f"/>
+    <p:sldLayoutId id="2147483653" r:id="Rc29ee6ddd5a941cb"/>
+    <p:sldLayoutId id="2147483654" r:id="R093a28da77be4742"/>
+    <p:sldLayoutId id="2147483655" r:id="R8145215b02244652"/>
+    <p:sldLayoutId id="2147483656" r:id="Rb002aee4d62e48e1"/>
+    <p:sldLayoutId id="2147483657" r:id="Ra3f56149e86e4018"/>
+    <p:sldLayoutId id="2147483658" r:id="R707d81243bf847be"/>
+    <p:sldLayoutId id="2147483659" r:id="R8543b6cfff1a4785"/>
   </p:sldLayoutIdLst>
   <p:txStyles>
     <p:titleStyle>
@@ -3279,7 +3279,7 @@
             </p:xfrm>
             <a:graphic>
               <a:graphicData uri="http://schemas.microsoft.com/office/webextensions/webextension/2010/11">
-                <we:webextensionref xmlns:we="http://schemas.microsoft.com/office/webextensions/webextension/2010/11" xmlns:r="http://schemas.openxmlformats.org/officeDocument/2006/relationships" r:id="R751cbb4ea84c4fbb"/>
+                <we:webextensionref xmlns:we="http://schemas.microsoft.com/office/webextensions/webextension/2010/11" xmlns:r="http://schemas.openxmlformats.org/officeDocument/2006/relationships" r:id="Rf7ee69ee277c4d37"/>
               </a:graphicData>
             </a:graphic>
           </p:graphicFrame>
@@ -3291,7 +3291,7 @@
               <p:cNvPicPr/>
             </p:nvPicPr>
             <p:blipFill>
-              <a:blip xmlns:r="http://schemas.openxmlformats.org/officeDocument/2006/relationships" r:embed="R50d66b900f4a47cc"/>
+              <a:blip xmlns:r="http://schemas.openxmlformats.org/officeDocument/2006/relationships" r:embed="R65dbf94ad7c84191"/>
               <a:stretch>
                 <a:fillRect/>
               </a:stretch>
@@ -3322,11 +3322,11 @@
 </file>
 
 <file path=ppt/slides/udata/data.xml><?xml version="1.0" encoding="utf-8"?>
-<we:webextension xmlns:r="http://schemas.openxmlformats.org/officeDocument/2006/relationships" xmlns:we="http://schemas.microsoft.com/office/webextensions/webextension/2010/11" id="{b4e4f3f3-ec8a-4768-a310-2deac5eded51}">
+<we:webextension xmlns:r="http://schemas.openxmlformats.org/officeDocument/2006/relationships" xmlns:we="http://schemas.microsoft.com/office/webextensions/webextension/2010/11" id="{c76d4a0f-2345-4a60-8a19-f2e3c52dc79c}">
   <we:reference id="695691ef-8f6e-4dc4-b6b9-c5a5f44499f7" version="1.0.0.0" store="developer" storeType="Registry"/>
   <we:alternateReferences/>
   <we:properties/>
   <we:bindings/>
-  <we:snapshot xmlns:r="http://schemas.openxmlformats.org/officeDocument/2006/relationships" r:embed="R50d66b900f4a47cc"/>
+  <we:snapshot xmlns:r="http://schemas.openxmlformats.org/officeDocument/2006/relationships" r:embed="R65dbf94ad7c84191"/>
 </we:webextension>
 </file>
--- a/PowerPoll/PowerPoll/bin/Debug/Presentation1.pptx
+++ b/PowerPoll/PowerPoll/bin/Debug/Presentation1.pptx
@@ -2,10 +2,10 @@
 <file path=ppt/presentation.xml><?xml version="1.0" encoding="utf-8"?>
 <p:presentation xmlns:a="http://schemas.openxmlformats.org/drawingml/2006/main" xmlns:r="http://schemas.openxmlformats.org/officeDocument/2006/relationships" xmlns:p="http://schemas.openxmlformats.org/presentationml/2006/main" saveSubsetFonts="1">
   <p:sldMasterIdLst>
-    <p:sldMasterId id="2147483648" r:id="R319edc5ab1d748fc"/>
+    <p:sldMasterId id="2147483648" r:id="R18010c220349401d"/>
   </p:sldMasterIdLst>
   <p:sldIdLst>
-    <p:sldId id="256" r:id="R5f8d21d4e7b5475d"/>
+    <p:sldId id="256" r:id="Red41c35e94184d79"/>
   </p:sldIdLst>
   <p:sldSz cx="12192000" cy="6858000"/>
   <p:notesSz cx="6858000" cy="9144000"/>
@@ -2652,17 +2652,17 @@
   </p:cSld>
   <p:clrMap bg1="lt1" tx1="dk1" bg2="lt2" tx2="dk2" accent1="accent1" accent2="accent2" accent3="accent3" accent4="accent4" accent5="accent5" accent6="accent6" hlink="hlink" folHlink="folHlink"/>
   <p:sldLayoutIdLst>
-    <p:sldLayoutId id="2147483649" r:id="R80eee216f2e94340"/>
-    <p:sldLayoutId id="2147483650" r:id="R36ca74366de14cb0"/>
-    <p:sldLayoutId id="2147483651" r:id="Rf1fa14b6df054ec7"/>
-    <p:sldLayoutId id="2147483652" r:id="R5ae48dab3c18443f"/>
-    <p:sldLayoutId id="2147483653" r:id="Rc29ee6ddd5a941cb"/>
-    <p:sldLayoutId id="2147483654" r:id="R093a28da77be4742"/>
-    <p:sldLayoutId id="2147483655" r:id="R8145215b02244652"/>
-    <p:sldLayoutId id="2147483656" r:id="Rb002aee4d62e48e1"/>
-    <p:sldLayoutId id="2147483657" r:id="Ra3f56149e86e4018"/>
-    <p:sldLayoutId id="2147483658" r:id="R707d81243bf847be"/>
-    <p:sldLayoutId id="2147483659" r:id="R8543b6cfff1a4785"/>
+    <p:sldLayoutId id="2147483649" r:id="R448a71d8920d4abf"/>
+    <p:sldLayoutId id="2147483650" r:id="Rae416e41e88c4b9e"/>
+    <p:sldLayoutId id="2147483651" r:id="R798dfd73b3b4440c"/>
+    <p:sldLayoutId id="2147483652" r:id="R907b7499ec474545"/>
+    <p:sldLayoutId id="2147483653" r:id="R774f5077ed6c4b4f"/>
+    <p:sldLayoutId id="2147483654" r:id="Rc6be15804b774fb7"/>
+    <p:sldLayoutId id="2147483655" r:id="R482a2ae9e166450e"/>
+    <p:sldLayoutId id="2147483656" r:id="R0aa7dc5418214237"/>
+    <p:sldLayoutId id="2147483657" r:id="R7865bf43d27e40a1"/>
+    <p:sldLayoutId id="2147483658" r:id="Ref3089519ceb4e39"/>
+    <p:sldLayoutId id="2147483659" r:id="R2f65761aab2548ae"/>
   </p:sldLayoutIdLst>
   <p:txStyles>
     <p:titleStyle>
@@ -3279,7 +3279,7 @@
             </p:xfrm>
             <a:graphic>
               <a:graphicData uri="http://schemas.microsoft.com/office/webextensions/webextension/2010/11">
-                <we:webextensionref xmlns:we="http://schemas.microsoft.com/office/webextensions/webextension/2010/11" xmlns:r="http://schemas.openxmlformats.org/officeDocument/2006/relationships" r:id="Rf7ee69ee277c4d37"/>
+                <we:webextensionref xmlns:we="http://schemas.microsoft.com/office/webextensions/webextension/2010/11" xmlns:r="http://schemas.openxmlformats.org/officeDocument/2006/relationships" r:id="Rfd24aabea6634747"/>
               </a:graphicData>
             </a:graphic>
           </p:graphicFrame>
@@ -3291,7 +3291,7 @@
               <p:cNvPicPr/>
             </p:nvPicPr>
             <p:blipFill>
-              <a:blip xmlns:r="http://schemas.openxmlformats.org/officeDocument/2006/relationships" r:embed="R65dbf94ad7c84191"/>
+              <a:blip xmlns:r="http://schemas.openxmlformats.org/officeDocument/2006/relationships" r:embed="R49fc3857fa884cdf"/>
               <a:stretch>
                 <a:fillRect/>
               </a:stretch>
@@ -3322,11 +3322,11 @@
 </file>
 
 <file path=ppt/slides/udata/data.xml><?xml version="1.0" encoding="utf-8"?>
-<we:webextension xmlns:r="http://schemas.openxmlformats.org/officeDocument/2006/relationships" xmlns:we="http://schemas.microsoft.com/office/webextensions/webextension/2010/11" id="{c76d4a0f-2345-4a60-8a19-f2e3c52dc79c}">
+<we:webextension xmlns:r="http://schemas.openxmlformats.org/officeDocument/2006/relationships" xmlns:we="http://schemas.microsoft.com/office/webextensions/webextension/2010/11" id="{2797215d-9e8f-44d9-8af2-b52d9562ce64}">
   <we:reference id="695691ef-8f6e-4dc4-b6b9-c5a5f44499f7" version="1.0.0.0" store="developer" storeType="Registry"/>
   <we:alternateReferences/>
   <we:properties/>
   <we:bindings/>
-  <we:snapshot xmlns:r="http://schemas.openxmlformats.org/officeDocument/2006/relationships" r:embed="R65dbf94ad7c84191"/>
+  <we:snapshot xmlns:r="http://schemas.openxmlformats.org/officeDocument/2006/relationships" r:embed="R49fc3857fa884cdf"/>
 </we:webextension>
 </file>
--- a/PowerPoll/PowerPoll/bin/Debug/Presentation1.pptx
+++ b/PowerPoll/PowerPoll/bin/Debug/Presentation1.pptx
@@ -2,10 +2,10 @@
 <file path=ppt/presentation.xml><?xml version="1.0" encoding="utf-8"?>
 <p:presentation xmlns:a="http://schemas.openxmlformats.org/drawingml/2006/main" xmlns:r="http://schemas.openxmlformats.org/officeDocument/2006/relationships" xmlns:p="http://schemas.openxmlformats.org/presentationml/2006/main" saveSubsetFonts="1">
   <p:sldMasterIdLst>
-    <p:sldMasterId id="2147483648" r:id="R18010c220349401d"/>
+    <p:sldMasterId id="2147483648" r:id="R3a09c5fa2bab47e7"/>
   </p:sldMasterIdLst>
   <p:sldIdLst>
-    <p:sldId id="256" r:id="Red41c35e94184d79"/>
+    <p:sldId id="256" r:id="R059f192688234b72"/>
   </p:sldIdLst>
   <p:sldSz cx="12192000" cy="6858000"/>
   <p:notesSz cx="6858000" cy="9144000"/>
@@ -2652,17 +2652,17 @@
   </p:cSld>
   <p:clrMap bg1="lt1" tx1="dk1" bg2="lt2" tx2="dk2" accent1="accent1" accent2="accent2" accent3="accent3" accent4="accent4" accent5="accent5" accent6="accent6" hlink="hlink" folHlink="folHlink"/>
   <p:sldLayoutIdLst>
-    <p:sldLayoutId id="2147483649" r:id="R448a71d8920d4abf"/>
-    <p:sldLayoutId id="2147483650" r:id="Rae416e41e88c4b9e"/>
-    <p:sldLayoutId id="2147483651" r:id="R798dfd73b3b4440c"/>
-    <p:sldLayoutId id="2147483652" r:id="R907b7499ec474545"/>
-    <p:sldLayoutId id="2147483653" r:id="R774f5077ed6c4b4f"/>
-    <p:sldLayoutId id="2147483654" r:id="Rc6be15804b774fb7"/>
-    <p:sldLayoutId id="2147483655" r:id="R482a2ae9e166450e"/>
-    <p:sldLayoutId id="2147483656" r:id="R0aa7dc5418214237"/>
-    <p:sldLayoutId id="2147483657" r:id="R7865bf43d27e40a1"/>
-    <p:sldLayoutId id="2147483658" r:id="Ref3089519ceb4e39"/>
-    <p:sldLayoutId id="2147483659" r:id="R2f65761aab2548ae"/>
+    <p:sldLayoutId id="2147483649" r:id="R2aa9eb074edd4352"/>
+    <p:sldLayoutId id="2147483650" r:id="Rce553e06bc8d4271"/>
+    <p:sldLayoutId id="2147483651" r:id="Re610881890ae4fad"/>
+    <p:sldLayoutId id="2147483652" r:id="R4b1f5cc4bbb44c6a"/>
+    <p:sldLayoutId id="2147483653" r:id="R054857dc51de4817"/>
+    <p:sldLayoutId id="2147483654" r:id="R59fa363d6ece40f8"/>
+    <p:sldLayoutId id="2147483655" r:id="R38acdad1f2ff4c2f"/>
+    <p:sldLayoutId id="2147483656" r:id="Rf0eae95a591b4adb"/>
+    <p:sldLayoutId id="2147483657" r:id="Rffe67b44c399480c"/>
+    <p:sldLayoutId id="2147483658" r:id="R672b8032a0c64342"/>
+    <p:sldLayoutId id="2147483659" r:id="R15e7cdd3aa4c4a00"/>
   </p:sldLayoutIdLst>
   <p:txStyles>
     <p:titleStyle>
@@ -3275,11 +3275,11 @@
             </p:nvGraphicFramePr>
             <p:xfrm>
               <a:off x="0" y="0"/>
-              <a:ext cx="3810000" cy="3810000"/>
+              <a:ext cx="9144000" cy="6858000"/>
             </p:xfrm>
             <a:graphic>
               <a:graphicData uri="http://schemas.microsoft.com/office/webextensions/webextension/2010/11">
-                <we:webextensionref xmlns:we="http://schemas.microsoft.com/office/webextensions/webextension/2010/11" xmlns:r="http://schemas.openxmlformats.org/officeDocument/2006/relationships" r:id="Rfd24aabea6634747"/>
+                <we:webextensionref xmlns:we="http://schemas.microsoft.com/office/webextensions/webextension/2010/11" xmlns:r="http://schemas.openxmlformats.org/officeDocument/2006/relationships" r:id="Re194a66178774350"/>
               </a:graphicData>
             </a:graphic>
           </p:graphicFrame>
@@ -3291,7 +3291,7 @@
               <p:cNvPicPr/>
             </p:nvPicPr>
             <p:blipFill>
-              <a:blip xmlns:r="http://schemas.openxmlformats.org/officeDocument/2006/relationships" r:embed="R49fc3857fa884cdf"/>
+              <a:blip xmlns:r="http://schemas.openxmlformats.org/officeDocument/2006/relationships" r:embed="Rae7fc81708d24a25"/>
               <a:stretch>
                 <a:fillRect/>
               </a:stretch>
@@ -3299,7 +3299,7 @@
             <p:spPr>
               <a:xfrm>
                 <a:off x="0" y="0"/>
-                <a:ext cx="3810000" cy="3810000"/>
+                <a:ext cx="9144000" cy="6858000"/>
               </a:xfrm>
               <a:prstGeom prst="rect">
                 <a:avLst/>
@@ -3322,11 +3322,11 @@
 </file>
 
 <file path=ppt/slides/udata/data.xml><?xml version="1.0" encoding="utf-8"?>
-<we:webextension xmlns:r="http://schemas.openxmlformats.org/officeDocument/2006/relationships" xmlns:we="http://schemas.microsoft.com/office/webextensions/webextension/2010/11" id="{2797215d-9e8f-44d9-8af2-b52d9562ce64}">
+<we:webextension xmlns:r="http://schemas.openxmlformats.org/officeDocument/2006/relationships" xmlns:we="http://schemas.microsoft.com/office/webextensions/webextension/2010/11" id="{3ca126ea-8e5d-416e-94a3-989da39bc968}">
   <we:reference id="695691ef-8f6e-4dc4-b6b9-c5a5f44499f7" version="1.0.0.0" store="developer" storeType="Registry"/>
   <we:alternateReferences/>
   <we:properties/>
   <we:bindings/>
-  <we:snapshot xmlns:r="http://schemas.openxmlformats.org/officeDocument/2006/relationships" r:embed="R49fc3857fa884cdf"/>
+  <we:snapshot xmlns:r="http://schemas.openxmlformats.org/officeDocument/2006/relationships" r:embed="Rae7fc81708d24a25"/>
 </we:webextension>
 </file>
--- a/PowerPoll/PowerPoll/bin/Debug/Presentation1.pptx
+++ b/PowerPoll/PowerPoll/bin/Debug/Presentation1.pptx
@@ -2,10 +2,10 @@
 <file path=ppt/presentation.xml><?xml version="1.0" encoding="utf-8"?>
 <p:presentation xmlns:a="http://schemas.openxmlformats.org/drawingml/2006/main" xmlns:r="http://schemas.openxmlformats.org/officeDocument/2006/relationships" xmlns:p="http://schemas.openxmlformats.org/presentationml/2006/main" saveSubsetFonts="1">
   <p:sldMasterIdLst>
-    <p:sldMasterId id="2147483648" r:id="R3a09c5fa2bab47e7"/>
+    <p:sldMasterId id="2147483648" r:id="R300fb0dce9ff40fe"/>
   </p:sldMasterIdLst>
   <p:sldIdLst>
-    <p:sldId id="256" r:id="R059f192688234b72"/>
+    <p:sldId id="256" r:id="R2d1777c2e6254ff2"/>
   </p:sldIdLst>
   <p:sldSz cx="12192000" cy="6858000"/>
   <p:notesSz cx="6858000" cy="9144000"/>
@@ -2652,17 +2652,17 @@
   </p:cSld>
   <p:clrMap bg1="lt1" tx1="dk1" bg2="lt2" tx2="dk2" accent1="accent1" accent2="accent2" accent3="accent3" accent4="accent4" accent5="accent5" accent6="accent6" hlink="hlink" folHlink="folHlink"/>
   <p:sldLayoutIdLst>
-    <p:sldLayoutId id="2147483649" r:id="R2aa9eb074edd4352"/>
-    <p:sldLayoutId id="2147483650" r:id="Rce553e06bc8d4271"/>
-    <p:sldLayoutId id="2147483651" r:id="Re610881890ae4fad"/>
-    <p:sldLayoutId id="2147483652" r:id="R4b1f5cc4bbb44c6a"/>
-    <p:sldLayoutId id="2147483653" r:id="R054857dc51de4817"/>
-    <p:sldLayoutId id="2147483654" r:id="R59fa363d6ece40f8"/>
-    <p:sldLayoutId id="2147483655" r:id="R38acdad1f2ff4c2f"/>
-    <p:sldLayoutId id="2147483656" r:id="Rf0eae95a591b4adb"/>
-    <p:sldLayoutId id="2147483657" r:id="Rffe67b44c399480c"/>
-    <p:sldLayoutId id="2147483658" r:id="R672b8032a0c64342"/>
-    <p:sldLayoutId id="2147483659" r:id="R15e7cdd3aa4c4a00"/>
+    <p:sldLayoutId id="2147483649" r:id="Rb7052a091e3b449d"/>
+    <p:sldLayoutId id="2147483650" r:id="Rd1f853615dfa46cb"/>
+    <p:sldLayoutId id="2147483651" r:id="R4102c78a77384457"/>
+    <p:sldLayoutId id="2147483652" r:id="R37bae52ebc0249fc"/>
+    <p:sldLayoutId id="2147483653" r:id="R5e8a2cbe4e1d4d8d"/>
+    <p:sldLayoutId id="2147483654" r:id="R334199a5594845ee"/>
+    <p:sldLayoutId id="2147483655" r:id="R4fe9e6f086e84f61"/>
+    <p:sldLayoutId id="2147483656" r:id="R815ce2561f0d4a34"/>
+    <p:sldLayoutId id="2147483657" r:id="Rd1a3c38ac3d5483d"/>
+    <p:sldLayoutId id="2147483658" r:id="R565eeac85c2649eb"/>
+    <p:sldLayoutId id="2147483659" r:id="Rde99a317c20c4a65"/>
   </p:sldLayoutIdLst>
   <p:txStyles>
     <p:titleStyle>
@@ -3279,7 +3279,7 @@
             </p:xfrm>
             <a:graphic>
               <a:graphicData uri="http://schemas.microsoft.com/office/webextensions/webextension/2010/11">
-                <we:webextensionref xmlns:we="http://schemas.microsoft.com/office/webextensions/webextension/2010/11" xmlns:r="http://schemas.openxmlformats.org/officeDocument/2006/relationships" r:id="Re194a66178774350"/>
+                <we:webextensionref xmlns:we="http://schemas.microsoft.com/office/webextensions/webextension/2010/11" xmlns:r="http://schemas.openxmlformats.org/officeDocument/2006/relationships" r:id="R0ba3fa3eac1440a4"/>
               </a:graphicData>
             </a:graphic>
           </p:graphicFrame>
@@ -3291,7 +3291,7 @@
               <p:cNvPicPr/>
             </p:nvPicPr>
             <p:blipFill>
-              <a:blip xmlns:r="http://schemas.openxmlformats.org/officeDocument/2006/relationships" r:embed="Rae7fc81708d24a25"/>
+              <a:blip xmlns:r="http://schemas.openxmlformats.org/officeDocument/2006/relationships" r:embed="Rf484042c2df24d1b"/>
               <a:stretch>
                 <a:fillRect/>
               </a:stretch>
@@ -3322,11 +3322,11 @@
 </file>
 
 <file path=ppt/slides/udata/data.xml><?xml version="1.0" encoding="utf-8"?>
-<we:webextension xmlns:r="http://schemas.openxmlformats.org/officeDocument/2006/relationships" xmlns:we="http://schemas.microsoft.com/office/webextensions/webextension/2010/11" id="{3ca126ea-8e5d-416e-94a3-989da39bc968}">
+<we:webextension xmlns:r="http://schemas.openxmlformats.org/officeDocument/2006/relationships" xmlns:we="http://schemas.microsoft.com/office/webextensions/webextension/2010/11" id="{87e6e383-264c-4eb2-9536-dd99281c1e70}">
   <we:reference id="695691ef-8f6e-4dc4-b6b9-c5a5f44499f7" version="1.0.0.0" store="developer" storeType="Registry"/>
   <we:alternateReferences/>
   <we:properties/>
   <we:bindings/>
-  <we:snapshot xmlns:r="http://schemas.openxmlformats.org/officeDocument/2006/relationships" r:embed="Rae7fc81708d24a25"/>
+  <we:snapshot xmlns:r="http://schemas.openxmlformats.org/officeDocument/2006/relationships" r:embed="Rf484042c2df24d1b"/>
 </we:webextension>
 </file>
--- a/PowerPoll/PowerPoll/bin/Debug/Presentation1.pptx
+++ b/PowerPoll/PowerPoll/bin/Debug/Presentation1.pptx
@@ -2,10 +2,10 @@
 <file path=ppt/presentation.xml><?xml version="1.0" encoding="utf-8"?>
 <p:presentation xmlns:a="http://schemas.openxmlformats.org/drawingml/2006/main" xmlns:r="http://schemas.openxmlformats.org/officeDocument/2006/relationships" xmlns:p="http://schemas.openxmlformats.org/presentationml/2006/main" saveSubsetFonts="1">
   <p:sldMasterIdLst>
-    <p:sldMasterId id="2147483648" r:id="R300fb0dce9ff40fe"/>
+    <p:sldMasterId id="2147483648" r:id="R6eff4b8c90804ab3"/>
   </p:sldMasterIdLst>
   <p:sldIdLst>
-    <p:sldId id="256" r:id="R2d1777c2e6254ff2"/>
+    <p:sldId id="256" r:id="Ra33187b001104fe1"/>
   </p:sldIdLst>
   <p:sldSz cx="12192000" cy="6858000"/>
   <p:notesSz cx="6858000" cy="9144000"/>
@@ -2652,17 +2652,17 @@
   </p:cSld>
   <p:clrMap bg1="lt1" tx1="dk1" bg2="lt2" tx2="dk2" accent1="accent1" accent2="accent2" accent3="accent3" accent4="accent4" accent5="accent5" accent6="accent6" hlink="hlink" folHlink="folHlink"/>
   <p:sldLayoutIdLst>
-    <p:sldLayoutId id="2147483649" r:id="Rb7052a091e3b449d"/>
-    <p:sldLayoutId id="2147483650" r:id="Rd1f853615dfa46cb"/>
-    <p:sldLayoutId id="2147483651" r:id="R4102c78a77384457"/>
-    <p:sldLayoutId id="2147483652" r:id="R37bae52ebc0249fc"/>
-    <p:sldLayoutId id="2147483653" r:id="R5e8a2cbe4e1d4d8d"/>
-    <p:sldLayoutId id="2147483654" r:id="R334199a5594845ee"/>
-    <p:sldLayoutId id="2147483655" r:id="R4fe9e6f086e84f61"/>
-    <p:sldLayoutId id="2147483656" r:id="R815ce2561f0d4a34"/>
-    <p:sldLayoutId id="2147483657" r:id="Rd1a3c38ac3d5483d"/>
-    <p:sldLayoutId id="2147483658" r:id="R565eeac85c2649eb"/>
-    <p:sldLayoutId id="2147483659" r:id="Rde99a317c20c4a65"/>
+    <p:sldLayoutId id="2147483649" r:id="Rb4204f9f3e9c42b3"/>
+    <p:sldLayoutId id="2147483650" r:id="Rde2a623f8fec4ad8"/>
+    <p:sldLayoutId id="2147483651" r:id="R7b6b85295ccd44db"/>
+    <p:sldLayoutId id="2147483652" r:id="R4d86233eedeb439d"/>
+    <p:sldLayoutId id="2147483653" r:id="R14a8380442604f1c"/>
+    <p:sldLayoutId id="2147483654" r:id="R9a66ed2c44974be5"/>
+    <p:sldLayoutId id="2147483655" r:id="Rf0c43047c9e7471e"/>
+    <p:sldLayoutId id="2147483656" r:id="R2225757d48c44809"/>
+    <p:sldLayoutId id="2147483657" r:id="R5c19f14556f9490a"/>
+    <p:sldLayoutId id="2147483658" r:id="R2859386ef69b4967"/>
+    <p:sldLayoutId id="2147483659" r:id="Rd566867608124fcb"/>
   </p:sldLayoutIdLst>
   <p:txStyles>
     <p:titleStyle>
@@ -3279,7 +3279,7 @@
             </p:xfrm>
             <a:graphic>
               <a:graphicData uri="http://schemas.microsoft.com/office/webextensions/webextension/2010/11">
-                <we:webextensionref xmlns:we="http://schemas.microsoft.com/office/webextensions/webextension/2010/11" xmlns:r="http://schemas.openxmlformats.org/officeDocument/2006/relationships" r:id="R0ba3fa3eac1440a4"/>
+                <we:webextensionref xmlns:we="http://schemas.microsoft.com/office/webextensions/webextension/2010/11" xmlns:r="http://schemas.openxmlformats.org/officeDocument/2006/relationships" r:id="R8b099005579944a2"/>
               </a:graphicData>
             </a:graphic>
           </p:graphicFrame>
@@ -3291,7 +3291,7 @@
               <p:cNvPicPr/>
             </p:nvPicPr>
             <p:blipFill>
-              <a:blip xmlns:r="http://schemas.openxmlformats.org/officeDocument/2006/relationships" r:embed="Rf484042c2df24d1b"/>
+              <a:blip xmlns:r="http://schemas.openxmlformats.org/officeDocument/2006/relationships" r:embed="R151b7fc8d1f84e49"/>
               <a:stretch>
                 <a:fillRect/>
               </a:stretch>
@@ -3322,11 +3322,11 @@
 </file>
 
 <file path=ppt/slides/udata/data.xml><?xml version="1.0" encoding="utf-8"?>
-<we:webextension xmlns:r="http://schemas.openxmlformats.org/officeDocument/2006/relationships" xmlns:we="http://schemas.microsoft.com/office/webextensions/webextension/2010/11" id="{87e6e383-264c-4eb2-9536-dd99281c1e70}">
+<we:webextension xmlns:r="http://schemas.openxmlformats.org/officeDocument/2006/relationships" xmlns:we="http://schemas.microsoft.com/office/webextensions/webextension/2010/11" id="{7dc3bd83-358b-4002-b142-8ab4cc21447e}">
   <we:reference id="695691ef-8f6e-4dc4-b6b9-c5a5f44499f7" version="1.0.0.0" store="developer" storeType="Registry"/>
   <we:alternateReferences/>
   <we:properties/>
   <we:bindings/>
-  <we:snapshot xmlns:r="http://schemas.openxmlformats.org/officeDocument/2006/relationships" r:embed="Rf484042c2df24d1b"/>
+  <we:snapshot xmlns:r="http://schemas.openxmlformats.org/officeDocument/2006/relationships" r:embed="R151b7fc8d1f84e49"/>
 </we:webextension>
 </file>
--- a/PowerPoll/PowerPoll/bin/Debug/Presentation1.pptx
+++ b/PowerPoll/PowerPoll/bin/Debug/Presentation1.pptx
@@ -2,10 +2,10 @@
 <file path=ppt/presentation.xml><?xml version="1.0" encoding="utf-8"?>
 <p:presentation xmlns:a="http://schemas.openxmlformats.org/drawingml/2006/main" xmlns:r="http://schemas.openxmlformats.org/officeDocument/2006/relationships" xmlns:p="http://schemas.openxmlformats.org/presentationml/2006/main" saveSubsetFonts="1">
   <p:sldMasterIdLst>
-    <p:sldMasterId id="2147483648" r:id="R6eff4b8c90804ab3"/>
+    <p:sldMasterId id="2147483648" r:id="R1e5fbfd430564416"/>
   </p:sldMasterIdLst>
   <p:sldIdLst>
-    <p:sldId id="256" r:id="Ra33187b001104fe1"/>
+    <p:sldId id="256" r:id="R06232df0e57246e2"/>
   </p:sldIdLst>
   <p:sldSz cx="12192000" cy="6858000"/>
   <p:notesSz cx="6858000" cy="9144000"/>
@@ -2652,17 +2652,17 @@
   </p:cSld>
   <p:clrMap bg1="lt1" tx1="dk1" bg2="lt2" tx2="dk2" accent1="accent1" accent2="accent2" accent3="accent3" accent4="accent4" accent5="accent5" accent6="accent6" hlink="hlink" folHlink="folHlink"/>
   <p:sldLayoutIdLst>
-    <p:sldLayoutId id="2147483649" r:id="Rb4204f9f3e9c42b3"/>
-    <p:sldLayoutId id="2147483650" r:id="Rde2a623f8fec4ad8"/>
-    <p:sldLayoutId id="2147483651" r:id="R7b6b85295ccd44db"/>
-    <p:sldLayoutId id="2147483652" r:id="R4d86233eedeb439d"/>
-    <p:sldLayoutId id="2147483653" r:id="R14a8380442604f1c"/>
-    <p:sldLayoutId id="2147483654" r:id="R9a66ed2c44974be5"/>
-    <p:sldLayoutId id="2147483655" r:id="Rf0c43047c9e7471e"/>
-    <p:sldLayoutId id="2147483656" r:id="R2225757d48c44809"/>
-    <p:sldLayoutId id="2147483657" r:id="R5c19f14556f9490a"/>
-    <p:sldLayoutId id="2147483658" r:id="R2859386ef69b4967"/>
-    <p:sldLayoutId id="2147483659" r:id="Rd566867608124fcb"/>
+    <p:sldLayoutId id="2147483649" r:id="R34501fd4711b45f4"/>
+    <p:sldLayoutId id="2147483650" r:id="Rdfdd616a78784d1d"/>
+    <p:sldLayoutId id="2147483651" r:id="Rdb0576d6588c4aa8"/>
+    <p:sldLayoutId id="2147483652" r:id="Rfde7633abb894e1f"/>
+    <p:sldLayoutId id="2147483653" r:id="R2aee3ea8659e406e"/>
+    <p:sldLayoutId id="2147483654" r:id="R57b82678169f4b0f"/>
+    <p:sldLayoutId id="2147483655" r:id="R8180e12e252745a1"/>
+    <p:sldLayoutId id="2147483656" r:id="R35669f4acd9b4eef"/>
+    <p:sldLayoutId id="2147483657" r:id="Rb187621815b8455a"/>
+    <p:sldLayoutId id="2147483658" r:id="R34828379a9384035"/>
+    <p:sldLayoutId id="2147483659" r:id="R678995fa45194e0d"/>
   </p:sldLayoutIdLst>
   <p:txStyles>
     <p:titleStyle>
@@ -3279,7 +3279,7 @@
             </p:xfrm>
             <a:graphic>
               <a:graphicData uri="http://schemas.microsoft.com/office/webextensions/webextension/2010/11">
-                <we:webextensionref xmlns:we="http://schemas.microsoft.com/office/webextensions/webextension/2010/11" xmlns:r="http://schemas.openxmlformats.org/officeDocument/2006/relationships" r:id="R8b099005579944a2"/>
+                <we:webextensionref xmlns:we="http://schemas.microsoft.com/office/webextensions/webextension/2010/11" xmlns:r="http://schemas.openxmlformats.org/officeDocument/2006/relationships" r:id="R0829578d455e4e9e"/>
               </a:graphicData>
             </a:graphic>
           </p:graphicFrame>
@@ -3291,7 +3291,7 @@
               <p:cNvPicPr/>
             </p:nvPicPr>
             <p:blipFill>
-              <a:blip xmlns:r="http://schemas.openxmlformats.org/officeDocument/2006/relationships" r:embed="R151b7fc8d1f84e49"/>
+              <a:blip xmlns:r="http://schemas.openxmlformats.org/officeDocument/2006/relationships" r:embed="R5b8a035eca0c4c30"/>
               <a:stretch>
                 <a:fillRect/>
               </a:stretch>
@@ -3322,11 +3322,11 @@
 </file>
 
 <file path=ppt/slides/udata/data.xml><?xml version="1.0" encoding="utf-8"?>
-<we:webextension xmlns:r="http://schemas.openxmlformats.org/officeDocument/2006/relationships" xmlns:we="http://schemas.microsoft.com/office/webextensions/webextension/2010/11" id="{7dc3bd83-358b-4002-b142-8ab4cc21447e}">
+<we:webextension xmlns:r="http://schemas.openxmlformats.org/officeDocument/2006/relationships" xmlns:we="http://schemas.microsoft.com/office/webextensions/webextension/2010/11" id="{21c80d30-cfb0-4678-80f9-759d81a4b089}">
   <we:reference id="695691ef-8f6e-4dc4-b6b9-c5a5f44499f7" version="1.0.0.0" store="developer" storeType="Registry"/>
   <we:alternateReferences/>
   <we:properties/>
   <we:bindings/>
-  <we:snapshot xmlns:r="http://schemas.openxmlformats.org/officeDocument/2006/relationships" r:embed="R151b7fc8d1f84e49"/>
+  <we:snapshot xmlns:r="http://schemas.openxmlformats.org/officeDocument/2006/relationships" r:embed="R5b8a035eca0c4c30"/>
 </we:webextension>
 </file>
--- a/PowerPoll/PowerPoll/bin/Debug/Presentation1.pptx
+++ b/PowerPoll/PowerPoll/bin/Debug/Presentation1.pptx
@@ -2,10 +2,10 @@
 <file path=ppt/presentation.xml><?xml version="1.0" encoding="utf-8"?>
 <p:presentation xmlns:a="http://schemas.openxmlformats.org/drawingml/2006/main" xmlns:r="http://schemas.openxmlformats.org/officeDocument/2006/relationships" xmlns:p="http://schemas.openxmlformats.org/presentationml/2006/main" saveSubsetFonts="1">
   <p:sldMasterIdLst>
-    <p:sldMasterId id="2147483648" r:id="R1e5fbfd430564416"/>
+    <p:sldMasterId id="2147483648" r:id="R0ad7f427ff9647a3"/>
   </p:sldMasterIdLst>
   <p:sldIdLst>
-    <p:sldId id="256" r:id="R06232df0e57246e2"/>
+    <p:sldId id="256" r:id="R6456828b60294189"/>
   </p:sldIdLst>
   <p:sldSz cx="12192000" cy="6858000"/>
   <p:notesSz cx="6858000" cy="9144000"/>
@@ -2652,17 +2652,17 @@
   </p:cSld>
   <p:clrMap bg1="lt1" tx1="dk1" bg2="lt2" tx2="dk2" accent1="accent1" accent2="accent2" accent3="accent3" accent4="accent4" accent5="accent5" accent6="accent6" hlink="hlink" folHlink="folHlink"/>
   <p:sldLayoutIdLst>
-    <p:sldLayoutId id="2147483649" r:id="R34501fd4711b45f4"/>
-    <p:sldLayoutId id="2147483650" r:id="Rdfdd616a78784d1d"/>
-    <p:sldLayoutId id="2147483651" r:id="Rdb0576d6588c4aa8"/>
-    <p:sldLayoutId id="2147483652" r:id="Rfde7633abb894e1f"/>
-    <p:sldLayoutId id="2147483653" r:id="R2aee3ea8659e406e"/>
-    <p:sldLayoutId id="2147483654" r:id="R57b82678169f4b0f"/>
-    <p:sldLayoutId id="2147483655" r:id="R8180e12e252745a1"/>
-    <p:sldLayoutId id="2147483656" r:id="R35669f4acd9b4eef"/>
-    <p:sldLayoutId id="2147483657" r:id="Rb187621815b8455a"/>
-    <p:sldLayoutId id="2147483658" r:id="R34828379a9384035"/>
-    <p:sldLayoutId id="2147483659" r:id="R678995fa45194e0d"/>
+    <p:sldLayoutId id="2147483649" r:id="R80708854fd9a4cb5"/>
+    <p:sldLayoutId id="2147483650" r:id="Rf4d0a36c4b244f26"/>
+    <p:sldLayoutId id="2147483651" r:id="R81f0fe23f6ba4d7b"/>
+    <p:sldLayoutId id="2147483652" r:id="R189247d6a5654fdd"/>
+    <p:sldLayoutId id="2147483653" r:id="Re4c4dc0d9f3e44c8"/>
+    <p:sldLayoutId id="2147483654" r:id="Rd91f7875c4514b8d"/>
+    <p:sldLayoutId id="2147483655" r:id="R2d7b948170ae4aca"/>
+    <p:sldLayoutId id="2147483656" r:id="R7b3bdbec6d654511"/>
+    <p:sldLayoutId id="2147483657" r:id="Rdfe3772a10f846fe"/>
+    <p:sldLayoutId id="2147483658" r:id="Rb4cfabd9965c4651"/>
+    <p:sldLayoutId id="2147483659" r:id="Rf06c3905a91c455e"/>
   </p:sldLayoutIdLst>
   <p:txStyles>
     <p:titleStyle>
@@ -3279,7 +3279,7 @@
             </p:xfrm>
             <a:graphic>
               <a:graphicData uri="http://schemas.microsoft.com/office/webextensions/webextension/2010/11">
-                <we:webextensionref xmlns:we="http://schemas.microsoft.com/office/webextensions/webextension/2010/11" xmlns:r="http://schemas.openxmlformats.org/officeDocument/2006/relationships" r:id="R0829578d455e4e9e"/>
+                <we:webextensionref xmlns:we="http://schemas.microsoft.com/office/webextensions/webextension/2010/11" xmlns:r="http://schemas.openxmlformats.org/officeDocument/2006/relationships" r:id="Red8741fc15434781"/>
               </a:graphicData>
             </a:graphic>
           </p:graphicFrame>
@@ -3291,7 +3291,7 @@
               <p:cNvPicPr/>
             </p:nvPicPr>
             <p:blipFill>
-              <a:blip xmlns:r="http://schemas.openxmlformats.org/officeDocument/2006/relationships" r:embed="R5b8a035eca0c4c30"/>
+              <a:blip xmlns:r="http://schemas.openxmlformats.org/officeDocument/2006/relationships" r:embed="R7af72d8e780d44b1"/>
               <a:stretch>
                 <a:fillRect/>
               </a:stretch>
@@ -3322,11 +3322,11 @@
 </file>
 
 <file path=ppt/slides/udata/data.xml><?xml version="1.0" encoding="utf-8"?>
-<we:webextension xmlns:r="http://schemas.openxmlformats.org/officeDocument/2006/relationships" xmlns:we="http://schemas.microsoft.com/office/webextensions/webextension/2010/11" id="{21c80d30-cfb0-4678-80f9-759d81a4b089}">
+<we:webextension xmlns:r="http://schemas.openxmlformats.org/officeDocument/2006/relationships" xmlns:we="http://schemas.microsoft.com/office/webextensions/webextension/2010/11" id="{b7bb0736-ab70-4934-8ed2-a0863aa84c1b}">
   <we:reference id="695691ef-8f6e-4dc4-b6b9-c5a5f44499f7" version="1.0.0.0" store="developer" storeType="Registry"/>
   <we:alternateReferences/>
   <we:properties/>
   <we:bindings/>
-  <we:snapshot xmlns:r="http://schemas.openxmlformats.org/officeDocument/2006/relationships" r:embed="R5b8a035eca0c4c30"/>
+  <we:snapshot xmlns:r="http://schemas.openxmlformats.org/officeDocument/2006/relationships" r:embed="R7af72d8e780d44b1"/>
 </we:webextension>
 </file>
--- a/PowerPoll/PowerPoll/bin/Debug/Presentation1.pptx
+++ b/PowerPoll/PowerPoll/bin/Debug/Presentation1.pptx
@@ -2,10 +2,10 @@
 <file path=ppt/presentation.xml><?xml version="1.0" encoding="utf-8"?>
 <p:presentation xmlns:a="http://schemas.openxmlformats.org/drawingml/2006/main" xmlns:r="http://schemas.openxmlformats.org/officeDocument/2006/relationships" xmlns:p="http://schemas.openxmlformats.org/presentationml/2006/main" saveSubsetFonts="1">
   <p:sldMasterIdLst>
-    <p:sldMasterId id="2147483648" r:id="R0ad7f427ff9647a3"/>
+    <p:sldMasterId id="2147483648" r:id="Rd38b4af0e791414a"/>
   </p:sldMasterIdLst>
   <p:sldIdLst>
-    <p:sldId id="256" r:id="R6456828b60294189"/>
+    <p:sldId id="256" r:id="Rb16338df304b40a8"/>
   </p:sldIdLst>
   <p:sldSz cx="12192000" cy="6858000"/>
   <p:notesSz cx="6858000" cy="9144000"/>
@@ -2652,17 +2652,17 @@
   </p:cSld>
   <p:clrMap bg1="lt1" tx1="dk1" bg2="lt2" tx2="dk2" accent1="accent1" accent2="accent2" accent3="accent3" accent4="accent4" accent5="accent5" accent6="accent6" hlink="hlink" folHlink="folHlink"/>
   <p:sldLayoutIdLst>
-    <p:sldLayoutId id="2147483649" r:id="R80708854fd9a4cb5"/>
-    <p:sldLayoutId id="2147483650" r:id="Rf4d0a36c4b244f26"/>
-    <p:sldLayoutId id="2147483651" r:id="R81f0fe23f6ba4d7b"/>
-    <p:sldLayoutId id="2147483652" r:id="R189247d6a5654fdd"/>
-    <p:sldLayoutId id="2147483653" r:id="Re4c4dc0d9f3e44c8"/>
-    <p:sldLayoutId id="2147483654" r:id="Rd91f7875c4514b8d"/>
-    <p:sldLayoutId id="2147483655" r:id="R2d7b948170ae4aca"/>
-    <p:sldLayoutId id="2147483656" r:id="R7b3bdbec6d654511"/>
-    <p:sldLayoutId id="2147483657" r:id="Rdfe3772a10f846fe"/>
-    <p:sldLayoutId id="2147483658" r:id="Rb4cfabd9965c4651"/>
-    <p:sldLayoutId id="2147483659" r:id="Rf06c3905a91c455e"/>
+    <p:sldLayoutId id="2147483649" r:id="R6a291a7c9db94b85"/>
+    <p:sldLayoutId id="2147483650" r:id="R791d998a128f4de2"/>
+    <p:sldLayoutId id="2147483651" r:id="R83c326b561734ecf"/>
+    <p:sldLayoutId id="2147483652" r:id="Rdab85da570504c0f"/>
+    <p:sldLayoutId id="2147483653" r:id="R0330206ceb524b0c"/>
+    <p:sldLayoutId id="2147483654" r:id="R7f6cccafe8904c6b"/>
+    <p:sldLayoutId id="2147483655" r:id="R28de055b3f7c4674"/>
+    <p:sldLayoutId id="2147483656" r:id="Rcee93117d7904afa"/>
+    <p:sldLayoutId id="2147483657" r:id="Ra53f22d601284c9a"/>
+    <p:sldLayoutId id="2147483658" r:id="R99cef4a2e2df4e4c"/>
+    <p:sldLayoutId id="2147483659" r:id="Rf1a12d9b1ecb4cf7"/>
   </p:sldLayoutIdLst>
   <p:txStyles>
     <p:titleStyle>
@@ -3279,7 +3279,7 @@
             </p:xfrm>
             <a:graphic>
               <a:graphicData uri="http://schemas.microsoft.com/office/webextensions/webextension/2010/11">
-                <we:webextensionref xmlns:we="http://schemas.microsoft.com/office/webextensions/webextension/2010/11" xmlns:r="http://schemas.openxmlformats.org/officeDocument/2006/relationships" r:id="Red8741fc15434781"/>
+                <we:webextensionref xmlns:we="http://schemas.microsoft.com/office/webextensions/webextension/2010/11" xmlns:r="http://schemas.openxmlformats.org/officeDocument/2006/relationships" r:id="R20def8695da2442a"/>
               </a:graphicData>
             </a:graphic>
           </p:graphicFrame>
@@ -3291,7 +3291,7 @@
               <p:cNvPicPr/>
             </p:nvPicPr>
             <p:blipFill>
-              <a:blip xmlns:r="http://schemas.openxmlformats.org/officeDocument/2006/relationships" r:embed="R7af72d8e780d44b1"/>
+              <a:blip xmlns:r="http://schemas.openxmlformats.org/officeDocument/2006/relationships" r:embed="R1a8e503e63b44fed"/>
               <a:stretch>
                 <a:fillRect/>
               </a:stretch>
@@ -3322,11 +3322,11 @@
 </file>
 
 <file path=ppt/slides/udata/data.xml><?xml version="1.0" encoding="utf-8"?>
-<we:webextension xmlns:r="http://schemas.openxmlformats.org/officeDocument/2006/relationships" xmlns:we="http://schemas.microsoft.com/office/webextensions/webextension/2010/11" id="{b7bb0736-ab70-4934-8ed2-a0863aa84c1b}">
+<we:webextension xmlns:r="http://schemas.openxmlformats.org/officeDocument/2006/relationships" xmlns:we="http://schemas.microsoft.com/office/webextensions/webextension/2010/11" id="{fb110507-842f-40e1-93dc-77bbc20b8a99}">
   <we:reference id="695691ef-8f6e-4dc4-b6b9-c5a5f44499f7" version="1.0.0.0" store="developer" storeType="Registry"/>
   <we:alternateReferences/>
   <we:properties/>
   <we:bindings/>
-  <we:snapshot xmlns:r="http://schemas.openxmlformats.org/officeDocument/2006/relationships" r:embed="R7af72d8e780d44b1"/>
+  <we:snapshot xmlns:r="http://schemas.openxmlformats.org/officeDocument/2006/relationships" r:embed="R1a8e503e63b44fed"/>
 </we:webextension>
 </file>
--- a/PowerPoll/PowerPoll/bin/Debug/Presentation1.pptx
+++ b/PowerPoll/PowerPoll/bin/Debug/Presentation1.pptx
@@ -2,10 +2,10 @@
 <file path=ppt/presentation.xml><?xml version="1.0" encoding="utf-8"?>
 <p:presentation xmlns:a="http://schemas.openxmlformats.org/drawingml/2006/main" xmlns:r="http://schemas.openxmlformats.org/officeDocument/2006/relationships" xmlns:p="http://schemas.openxmlformats.org/presentationml/2006/main" saveSubsetFonts="1">
   <p:sldMasterIdLst>
-    <p:sldMasterId id="2147483648" r:id="Rd38b4af0e791414a"/>
+    <p:sldMasterId id="2147483648" r:id="Rfb02d0bff9a2402b"/>
   </p:sldMasterIdLst>
   <p:sldIdLst>
-    <p:sldId id="256" r:id="Rb16338df304b40a8"/>
+    <p:sldId id="256" r:id="R4f8c2d036d9b44a5"/>
   </p:sldIdLst>
   <p:sldSz cx="12192000" cy="6858000"/>
   <p:notesSz cx="6858000" cy="9144000"/>
@@ -2652,17 +2652,17 @@
   </p:cSld>
   <p:clrMap bg1="lt1" tx1="dk1" bg2="lt2" tx2="dk2" accent1="accent1" accent2="accent2" accent3="accent3" accent4="accent4" accent5="accent5" accent6="accent6" hlink="hlink" folHlink="folHlink"/>
   <p:sldLayoutIdLst>
-    <p:sldLayoutId id="2147483649" r:id="R6a291a7c9db94b85"/>
-    <p:sldLayoutId id="2147483650" r:id="R791d998a128f4de2"/>
-    <p:sldLayoutId id="2147483651" r:id="R83c326b561734ecf"/>
-    <p:sldLayoutId id="2147483652" r:id="Rdab85da570504c0f"/>
-    <p:sldLayoutId id="2147483653" r:id="R0330206ceb524b0c"/>
-    <p:sldLayoutId id="2147483654" r:id="R7f6cccafe8904c6b"/>
-    <p:sldLayoutId id="2147483655" r:id="R28de055b3f7c4674"/>
-    <p:sldLayoutId id="2147483656" r:id="Rcee93117d7904afa"/>
-    <p:sldLayoutId id="2147483657" r:id="Ra53f22d601284c9a"/>
-    <p:sldLayoutId id="2147483658" r:id="R99cef4a2e2df4e4c"/>
-    <p:sldLayoutId id="2147483659" r:id="Rf1a12d9b1ecb4cf7"/>
+    <p:sldLayoutId id="2147483649" r:id="R76a39a2aaa1542cf"/>
+    <p:sldLayoutId id="2147483650" r:id="R38806800ec834465"/>
+    <p:sldLayoutId id="2147483651" r:id="R31fb3f38fc694ba4"/>
+    <p:sldLayoutId id="2147483652" r:id="R54c1b3f955924dec"/>
+    <p:sldLayoutId id="2147483653" r:id="R572ad6553756445a"/>
+    <p:sldLayoutId id="2147483654" r:id="R2a8ac732fe8b46bf"/>
+    <p:sldLayoutId id="2147483655" r:id="R79f9b0b5e6db4a78"/>
+    <p:sldLayoutId id="2147483656" r:id="R22b9592f816049b3"/>
+    <p:sldLayoutId id="2147483657" r:id="Rc2c83acde4b340e9"/>
+    <p:sldLayoutId id="2147483658" r:id="Ra2f563f59eab4258"/>
+    <p:sldLayoutId id="2147483659" r:id="R40805ae5e458486d"/>
   </p:sldLayoutIdLst>
   <p:txStyles>
     <p:titleStyle>
@@ -3279,7 +3279,7 @@
             </p:xfrm>
             <a:graphic>
               <a:graphicData uri="http://schemas.microsoft.com/office/webextensions/webextension/2010/11">
-                <we:webextensionref xmlns:we="http://schemas.microsoft.com/office/webextensions/webextension/2010/11" xmlns:r="http://schemas.openxmlformats.org/officeDocument/2006/relationships" r:id="R20def8695da2442a"/>
+                <we:webextensionref xmlns:we="http://schemas.microsoft.com/office/webextensions/webextension/2010/11" xmlns:r="http://schemas.openxmlformats.org/officeDocument/2006/relationships" r:id="Rdb80a8a3433f4bf4"/>
               </a:graphicData>
             </a:graphic>
           </p:graphicFrame>
@@ -3291,7 +3291,7 @@
               <p:cNvPicPr/>
             </p:nvPicPr>
             <p:blipFill>
-              <a:blip xmlns:r="http://schemas.openxmlformats.org/officeDocument/2006/relationships" r:embed="R1a8e503e63b44fed"/>
+              <a:blip xmlns:r="http://schemas.openxmlformats.org/officeDocument/2006/relationships" r:embed="Rb5a5f20d06ec4c5d"/>
               <a:stretch>
                 <a:fillRect/>
               </a:stretch>
@@ -3322,11 +3322,11 @@
 </file>
 
 <file path=ppt/slides/udata/data.xml><?xml version="1.0" encoding="utf-8"?>
-<we:webextension xmlns:r="http://schemas.openxmlformats.org/officeDocument/2006/relationships" xmlns:we="http://schemas.microsoft.com/office/webextensions/webextension/2010/11" id="{fb110507-842f-40e1-93dc-77bbc20b8a99}">
+<we:webextension xmlns:r="http://schemas.openxmlformats.org/officeDocument/2006/relationships" xmlns:we="http://schemas.microsoft.com/office/webextensions/webextension/2010/11" id="{aef3a2f1-0b90-49c5-a190-44017f11c9eb}">
   <we:reference id="695691ef-8f6e-4dc4-b6b9-c5a5f44499f7" version="1.0.0.0" store="developer" storeType="Registry"/>
   <we:alternateReferences/>
   <we:properties/>
   <we:bindings/>
-  <we:snapshot xmlns:r="http://schemas.openxmlformats.org/officeDocument/2006/relationships" r:embed="R1a8e503e63b44fed"/>
+  <we:snapshot xmlns:r="http://schemas.openxmlformats.org/officeDocument/2006/relationships" r:embed="Rb5a5f20d06ec4c5d"/>
 </we:webextension>
 </file>
--- a/PowerPoll/PowerPoll/bin/Debug/Presentation1.pptx
+++ b/PowerPoll/PowerPoll/bin/Debug/Presentation1.pptx
@@ -2,10 +2,10 @@
 <file path=ppt/presentation.xml><?xml version="1.0" encoding="utf-8"?>
 <p:presentation xmlns:a="http://schemas.openxmlformats.org/drawingml/2006/main" xmlns:r="http://schemas.openxmlformats.org/officeDocument/2006/relationships" xmlns:p="http://schemas.openxmlformats.org/presentationml/2006/main" saveSubsetFonts="1">
   <p:sldMasterIdLst>
-    <p:sldMasterId id="2147483648" r:id="Rfb02d0bff9a2402b"/>
+    <p:sldMasterId id="2147483648" r:id="Rf55de7e1f28c4978"/>
   </p:sldMasterIdLst>
   <p:sldIdLst>
-    <p:sldId id="256" r:id="R4f8c2d036d9b44a5"/>
+    <p:sldId id="256" r:id="Re03462fcf8c4474a"/>
   </p:sldIdLst>
   <p:sldSz cx="12192000" cy="6858000"/>
   <p:notesSz cx="6858000" cy="9144000"/>
@@ -2652,17 +2652,17 @@
   </p:cSld>
   <p:clrMap bg1="lt1" tx1="dk1" bg2="lt2" tx2="dk2" accent1="accent1" accent2="accent2" accent3="accent3" accent4="accent4" accent5="accent5" accent6="accent6" hlink="hlink" folHlink="folHlink"/>
   <p:sldLayoutIdLst>
-    <p:sldLayoutId id="2147483649" r:id="R76a39a2aaa1542cf"/>
-    <p:sldLayoutId id="2147483650" r:id="R38806800ec834465"/>
-    <p:sldLayoutId id="2147483651" r:id="R31fb3f38fc694ba4"/>
-    <p:sldLayoutId id="2147483652" r:id="R54c1b3f955924dec"/>
-    <p:sldLayoutId id="2147483653" r:id="R572ad6553756445a"/>
-    <p:sldLayoutId id="2147483654" r:id="R2a8ac732fe8b46bf"/>
-    <p:sldLayoutId id="2147483655" r:id="R79f9b0b5e6db4a78"/>
-    <p:sldLayoutId id="2147483656" r:id="R22b9592f816049b3"/>
-    <p:sldLayoutId id="2147483657" r:id="Rc2c83acde4b340e9"/>
-    <p:sldLayoutId id="2147483658" r:id="Ra2f563f59eab4258"/>
-    <p:sldLayoutId id="2147483659" r:id="R40805ae5e458486d"/>
+    <p:sldLayoutId id="2147483649" r:id="R0093f17cb71f4ab7"/>
+    <p:sldLayoutId id="2147483650" r:id="Rffd0fef6e4674aa6"/>
+    <p:sldLayoutId id="2147483651" r:id="R247e0e42f8c54253"/>
+    <p:sldLayoutId id="2147483652" r:id="Rd993ce3f844947b1"/>
+    <p:sldLayoutId id="2147483653" r:id="Rf13447ac71c6408c"/>
+    <p:sldLayoutId id="2147483654" r:id="R17ccb25111ca4c0e"/>
+    <p:sldLayoutId id="2147483655" r:id="R741f6a984d794e3e"/>
+    <p:sldLayoutId id="2147483656" r:id="R0773455262f54204"/>
+    <p:sldLayoutId id="2147483657" r:id="R353ee330095f4557"/>
+    <p:sldLayoutId id="2147483658" r:id="Re96a21813da14a34"/>
+    <p:sldLayoutId id="2147483659" r:id="R3efeee456d8f4625"/>
   </p:sldLayoutIdLst>
   <p:txStyles>
     <p:titleStyle>
@@ -3279,7 +3279,7 @@
             </p:xfrm>
             <a:graphic>
               <a:graphicData uri="http://schemas.microsoft.com/office/webextensions/webextension/2010/11">
-                <we:webextensionref xmlns:we="http://schemas.microsoft.com/office/webextensions/webextension/2010/11" xmlns:r="http://schemas.openxmlformats.org/officeDocument/2006/relationships" r:id="Rdb80a8a3433f4bf4"/>
+                <we:webextensionref xmlns:we="http://schemas.microsoft.com/office/webextensions/webextension/2010/11" xmlns:r="http://schemas.openxmlformats.org/officeDocument/2006/relationships" r:id="R5fc6b2c5724448c6"/>
               </a:graphicData>
             </a:graphic>
           </p:graphicFrame>
@@ -3291,7 +3291,7 @@
               <p:cNvPicPr/>
             </p:nvPicPr>
             <p:blipFill>
-              <a:blip xmlns:r="http://schemas.openxmlformats.org/officeDocument/2006/relationships" r:embed="Rb5a5f20d06ec4c5d"/>
+              <a:blip xmlns:r="http://schemas.openxmlformats.org/officeDocument/2006/relationships" r:embed="R31eaf0bb8ee24ea5"/>
               <a:stretch>
                 <a:fillRect/>
               </a:stretch>
@@ -3322,11 +3322,11 @@
 </file>
 
 <file path=ppt/slides/udata/data.xml><?xml version="1.0" encoding="utf-8"?>
-<we:webextension xmlns:r="http://schemas.openxmlformats.org/officeDocument/2006/relationships" xmlns:we="http://schemas.microsoft.com/office/webextensions/webextension/2010/11" id="{aef3a2f1-0b90-49c5-a190-44017f11c9eb}">
+<we:webextension xmlns:r="http://schemas.openxmlformats.org/officeDocument/2006/relationships" xmlns:we="http://schemas.microsoft.com/office/webextensions/webextension/2010/11" id="{839e7278-d00a-45fb-9933-830e53375a76}">
   <we:reference id="695691ef-8f6e-4dc4-b6b9-c5a5f44499f7" version="1.0.0.0" store="developer" storeType="Registry"/>
   <we:alternateReferences/>
   <we:properties/>
   <we:bindings/>
-  <we:snapshot xmlns:r="http://schemas.openxmlformats.org/officeDocument/2006/relationships" r:embed="Rb5a5f20d06ec4c5d"/>
+  <we:snapshot xmlns:r="http://schemas.openxmlformats.org/officeDocument/2006/relationships" r:embed="R31eaf0bb8ee24ea5"/>
 </we:webextension>
 </file>
--- a/PowerPoll/PowerPoll/bin/Debug/Presentation1.pptx
+++ b/PowerPoll/PowerPoll/bin/Debug/Presentation1.pptx
@@ -2,10 +2,10 @@
 <file path=ppt/presentation.xml><?xml version="1.0" encoding="utf-8"?>
 <p:presentation xmlns:a="http://schemas.openxmlformats.org/drawingml/2006/main" xmlns:r="http://schemas.openxmlformats.org/officeDocument/2006/relationships" xmlns:p="http://schemas.openxmlformats.org/presentationml/2006/main" saveSubsetFonts="1">
   <p:sldMasterIdLst>
-    <p:sldMasterId id="2147483648" r:id="Rf55de7e1f28c4978"/>
+    <p:sldMasterId id="2147483648" r:id="R0d7475039003401d"/>
   </p:sldMasterIdLst>
   <p:sldIdLst>
-    <p:sldId id="256" r:id="Re03462fcf8c4474a"/>
+    <p:sldId id="256" r:id="R6dfb9204737549ed"/>
   </p:sldIdLst>
   <p:sldSz cx="12192000" cy="6858000"/>
   <p:notesSz cx="6858000" cy="9144000"/>
@@ -2652,17 +2652,17 @@
   </p:cSld>
   <p:clrMap bg1="lt1" tx1="dk1" bg2="lt2" tx2="dk2" accent1="accent1" accent2="accent2" accent3="accent3" accent4="accent4" accent5="accent5" accent6="accent6" hlink="hlink" folHlink="folHlink"/>
   <p:sldLayoutIdLst>
-    <p:sldLayoutId id="2147483649" r:id="R0093f17cb71f4ab7"/>
-    <p:sldLayoutId id="2147483650" r:id="Rffd0fef6e4674aa6"/>
-    <p:sldLayoutId id="2147483651" r:id="R247e0e42f8c54253"/>
-    <p:sldLayoutId id="2147483652" r:id="Rd993ce3f844947b1"/>
-    <p:sldLayoutId id="2147483653" r:id="Rf13447ac71c6408c"/>
-    <p:sldLayoutId id="2147483654" r:id="R17ccb25111ca4c0e"/>
-    <p:sldLayoutId id="2147483655" r:id="R741f6a984d794e3e"/>
-    <p:sldLayoutId id="2147483656" r:id="R0773455262f54204"/>
-    <p:sldLayoutId id="2147483657" r:id="R353ee330095f4557"/>
-    <p:sldLayoutId id="2147483658" r:id="Re96a21813da14a34"/>
-    <p:sldLayoutId id="2147483659" r:id="R3efeee456d8f4625"/>
+    <p:sldLayoutId id="2147483649" r:id="R9bd7b901ea2b49d5"/>
+    <p:sldLayoutId id="2147483650" r:id="R6b9a56fe1fc94f27"/>
+    <p:sldLayoutId id="2147483651" r:id="Rcb92e03896b24537"/>
+    <p:sldLayoutId id="2147483652" r:id="R9925c3f1f3234af3"/>
+    <p:sldLayoutId id="2147483653" r:id="Rf5808d1b46d24d9a"/>
+    <p:sldLayoutId id="2147483654" r:id="Rf207ad13f6874d80"/>
+    <p:sldLayoutId id="2147483655" r:id="Rd6b5f347e2084e96"/>
+    <p:sldLayoutId id="2147483656" r:id="R23332f7559dd4e32"/>
+    <p:sldLayoutId id="2147483657" r:id="Rd63e97d226264833"/>
+    <p:sldLayoutId id="2147483658" r:id="Rfb46a967b5b6458a"/>
+    <p:sldLayoutId id="2147483659" r:id="R72c9f2746a384ebe"/>
   </p:sldLayoutIdLst>
   <p:txStyles>
     <p:titleStyle>
@@ -3279,7 +3279,7 @@
             </p:xfrm>
             <a:graphic>
               <a:graphicData uri="http://schemas.microsoft.com/office/webextensions/webextension/2010/11">
-                <we:webextensionref xmlns:we="http://schemas.microsoft.com/office/webextensions/webextension/2010/11" xmlns:r="http://schemas.openxmlformats.org/officeDocument/2006/relationships" r:id="R5fc6b2c5724448c6"/>
+                <we:webextensionref xmlns:we="http://schemas.microsoft.com/office/webextensions/webextension/2010/11" xmlns:r="http://schemas.openxmlformats.org/officeDocument/2006/relationships" r:id="Rcb630a9a878e423d"/>
               </a:graphicData>
             </a:graphic>
           </p:graphicFrame>
@@ -3291,7 +3291,7 @@
               <p:cNvPicPr/>
             </p:nvPicPr>
             <p:blipFill>
-              <a:blip xmlns:r="http://schemas.openxmlformats.org/officeDocument/2006/relationships" r:embed="R31eaf0bb8ee24ea5"/>
+              <a:blip xmlns:r="http://schemas.openxmlformats.org/officeDocument/2006/relationships" r:embed="R1e436540e1e34e49"/>
               <a:stretch>
                 <a:fillRect/>
               </a:stretch>
@@ -3322,11 +3322,11 @@
 </file>
 
 <file path=ppt/slides/udata/data.xml><?xml version="1.0" encoding="utf-8"?>
-<we:webextension xmlns:r="http://schemas.openxmlformats.org/officeDocument/2006/relationships" xmlns:we="http://schemas.microsoft.com/office/webextensions/webextension/2010/11" id="{839e7278-d00a-45fb-9933-830e53375a76}">
+<we:webextension xmlns:r="http://schemas.openxmlformats.org/officeDocument/2006/relationships" xmlns:we="http://schemas.microsoft.com/office/webextensions/webextension/2010/11" id="{7e2ea991-9603-4ca4-bdd0-b46cfbc30157}">
   <we:reference id="695691ef-8f6e-4dc4-b6b9-c5a5f44499f7" version="1.0.0.0" store="developer" storeType="Registry"/>
   <we:alternateReferences/>
   <we:properties/>
   <we:bindings/>
-  <we:snapshot xmlns:r="http://schemas.openxmlformats.org/officeDocument/2006/relationships" r:embed="R31eaf0bb8ee24ea5"/>
+  <we:snapshot xmlns:r="http://schemas.openxmlformats.org/officeDocument/2006/relationships" r:embed="R1e436540e1e34e49"/>
 </we:webextension>
 </file>
--- a/PowerPoll/PowerPoll/bin/Debug/Presentation1.pptx
+++ b/PowerPoll/PowerPoll/bin/Debug/Presentation1.pptx
@@ -2,10 +2,10 @@
 <file path=ppt/presentation.xml><?xml version="1.0" encoding="utf-8"?>
 <p:presentation xmlns:a="http://schemas.openxmlformats.org/drawingml/2006/main" xmlns:r="http://schemas.openxmlformats.org/officeDocument/2006/relationships" xmlns:p="http://schemas.openxmlformats.org/presentationml/2006/main" saveSubsetFonts="1">
   <p:sldMasterIdLst>
-    <p:sldMasterId id="2147483648" r:id="R0d7475039003401d"/>
+    <p:sldMasterId id="2147483648" r:id="R0abae5be86d5497a"/>
   </p:sldMasterIdLst>
   <p:sldIdLst>
-    <p:sldId id="256" r:id="R6dfb9204737549ed"/>
+    <p:sldId id="256" r:id="R952b5ed0cee94797"/>
   </p:sldIdLst>
   <p:sldSz cx="12192000" cy="6858000"/>
   <p:notesSz cx="6858000" cy="9144000"/>
@@ -2652,17 +2652,17 @@
   </p:cSld>
   <p:clrMap bg1="lt1" tx1="dk1" bg2="lt2" tx2="dk2" accent1="accent1" accent2="accent2" accent3="accent3" accent4="accent4" accent5="accent5" accent6="accent6" hlink="hlink" folHlink="folHlink"/>
   <p:sldLayoutIdLst>
-    <p:sldLayoutId id="2147483649" r:id="R9bd7b901ea2b49d5"/>
-    <p:sldLayoutId id="2147483650" r:id="R6b9a56fe1fc94f27"/>
-    <p:sldLayoutId id="2147483651" r:id="Rcb92e03896b24537"/>
-    <p:sldLayoutId id="2147483652" r:id="R9925c3f1f3234af3"/>
-    <p:sldLayoutId id="2147483653" r:id="Rf5808d1b46d24d9a"/>
-    <p:sldLayoutId id="2147483654" r:id="Rf207ad13f6874d80"/>
-    <p:sldLayoutId id="2147483655" r:id="Rd6b5f347e2084e96"/>
-    <p:sldLayoutId id="2147483656" r:id="R23332f7559dd4e32"/>
-    <p:sldLayoutId id="2147483657" r:id="Rd63e97d226264833"/>
-    <p:sldLayoutId id="2147483658" r:id="Rfb46a967b5b6458a"/>
-    <p:sldLayoutId id="2147483659" r:id="R72c9f2746a384ebe"/>
+    <p:sldLayoutId id="2147483649" r:id="Rdbd4bc70a13a43b4"/>
+    <p:sldLayoutId id="2147483650" r:id="R6e17529e5bb641a7"/>
+    <p:sldLayoutId id="2147483651" r:id="Rfba1f41744704417"/>
+    <p:sldLayoutId id="2147483652" r:id="Ra86d95724be54b8f"/>
+    <p:sldLayoutId id="2147483653" r:id="R00c9cc6ca665430c"/>
+    <p:sldLayoutId id="2147483654" r:id="Rd810e655511f429c"/>
+    <p:sldLayoutId id="2147483655" r:id="R4860e0e5493746af"/>
+    <p:sldLayoutId id="2147483656" r:id="R7ac26fb5d78b4a96"/>
+    <p:sldLayoutId id="2147483657" r:id="R2053b7159cdb4c05"/>
+    <p:sldLayoutId id="2147483658" r:id="R57c3e187a38b4d5a"/>
+    <p:sldLayoutId id="2147483659" r:id="R3868b00ee96b459c"/>
   </p:sldLayoutIdLst>
   <p:txStyles>
     <p:titleStyle>
@@ -3279,7 +3279,7 @@
             </p:xfrm>
             <a:graphic>
               <a:graphicData uri="http://schemas.microsoft.com/office/webextensions/webextension/2010/11">
-                <we:webextensionref xmlns:we="http://schemas.microsoft.com/office/webextensions/webextension/2010/11" xmlns:r="http://schemas.openxmlformats.org/officeDocument/2006/relationships" r:id="Rcb630a9a878e423d"/>
+                <we:webextensionref xmlns:we="http://schemas.microsoft.com/office/webextensions/webextension/2010/11" xmlns:r="http://schemas.openxmlformats.org/officeDocument/2006/relationships" r:id="R1b3dc85351394964"/>
               </a:graphicData>
             </a:graphic>
           </p:graphicFrame>
@@ -3291,7 +3291,7 @@
               <p:cNvPicPr/>
             </p:nvPicPr>
             <p:blipFill>
-              <a:blip xmlns:r="http://schemas.openxmlformats.org/officeDocument/2006/relationships" r:embed="R1e436540e1e34e49"/>
+              <a:blip xmlns:r="http://schemas.openxmlformats.org/officeDocument/2006/relationships" r:embed="R5d13ffe4d38c4ce5"/>
               <a:stretch>
                 <a:fillRect/>
               </a:stretch>
@@ -3322,11 +3322,11 @@
 </file>
 
 <file path=ppt/slides/udata/data.xml><?xml version="1.0" encoding="utf-8"?>
-<we:webextension xmlns:r="http://schemas.openxmlformats.org/officeDocument/2006/relationships" xmlns:we="http://schemas.microsoft.com/office/webextensions/webextension/2010/11" id="{7e2ea991-9603-4ca4-bdd0-b46cfbc30157}">
+<we:webextension xmlns:r="http://schemas.openxmlformats.org/officeDocument/2006/relationships" xmlns:we="http://schemas.microsoft.com/office/webextensions/webextension/2010/11" id="{21cc42f3-ebf5-48cb-a64d-ab12e7437263}">
   <we:reference id="695691ef-8f6e-4dc4-b6b9-c5a5f44499f7" version="1.0.0.0" store="developer" storeType="Registry"/>
   <we:alternateReferences/>
   <we:properties/>
   <we:bindings/>
-  <we:snapshot xmlns:r="http://schemas.openxmlformats.org/officeDocument/2006/relationships" r:embed="R1e436540e1e34e49"/>
+  <we:snapshot xmlns:r="http://schemas.openxmlformats.org/officeDocument/2006/relationships" r:embed="R5d13ffe4d38c4ce5"/>
 </we:webextension>
 </file>
--- a/PowerPoll/PowerPoll/bin/Debug/Presentation1.pptx
+++ b/PowerPoll/PowerPoll/bin/Debug/Presentation1.pptx
@@ -2,10 +2,10 @@
 <file path=ppt/presentation.xml><?xml version="1.0" encoding="utf-8"?>
 <p:presentation xmlns:a="http://schemas.openxmlformats.org/drawingml/2006/main" xmlns:r="http://schemas.openxmlformats.org/officeDocument/2006/relationships" xmlns:p="http://schemas.openxmlformats.org/presentationml/2006/main" saveSubsetFonts="1">
   <p:sldMasterIdLst>
-    <p:sldMasterId id="2147483648" r:id="R0abae5be86d5497a"/>
+    <p:sldMasterId id="2147483648" r:id="Ra731bb85eddc42ba"/>
   </p:sldMasterIdLst>
   <p:sldIdLst>
-    <p:sldId id="256" r:id="R952b5ed0cee94797"/>
+    <p:sldId id="256" r:id="Rf302fa515d3348fb"/>
   </p:sldIdLst>
   <p:sldSz cx="12192000" cy="6858000"/>
   <p:notesSz cx="6858000" cy="9144000"/>
@@ -2652,17 +2652,17 @@
   </p:cSld>
   <p:clrMap bg1="lt1" tx1="dk1" bg2="lt2" tx2="dk2" accent1="accent1" accent2="accent2" accent3="accent3" accent4="accent4" accent5="accent5" accent6="accent6" hlink="hlink" folHlink="folHlink"/>
   <p:sldLayoutIdLst>
-    <p:sldLayoutId id="2147483649" r:id="Rdbd4bc70a13a43b4"/>
-    <p:sldLayoutId id="2147483650" r:id="R6e17529e5bb641a7"/>
-    <p:sldLayoutId id="2147483651" r:id="Rfba1f41744704417"/>
-    <p:sldLayoutId id="2147483652" r:id="Ra86d95724be54b8f"/>
-    <p:sldLayoutId id="2147483653" r:id="R00c9cc6ca665430c"/>
-    <p:sldLayoutId id="2147483654" r:id="Rd810e655511f429c"/>
-    <p:sldLayoutId id="2147483655" r:id="R4860e0e5493746af"/>
-    <p:sldLayoutId id="2147483656" r:id="R7ac26fb5d78b4a96"/>
-    <p:sldLayoutId id="2147483657" r:id="R2053b7159cdb4c05"/>
-    <p:sldLayoutId id="2147483658" r:id="R57c3e187a38b4d5a"/>
-    <p:sldLayoutId id="2147483659" r:id="R3868b00ee96b459c"/>
+    <p:sldLayoutId id="2147483649" r:id="Re1d2e98985814a54"/>
+    <p:sldLayoutId id="2147483650" r:id="Rb99b0e8cf7b746da"/>
+    <p:sldLayoutId id="2147483651" r:id="Rb94782a30a044059"/>
+    <p:sldLayoutId id="2147483652" r:id="Rd71ce50cb73a41fb"/>
+    <p:sldLayoutId id="2147483653" r:id="R61e7d8a66f2943e0"/>
+    <p:sldLayoutId id="2147483654" r:id="Re8e08f1194054768"/>
+    <p:sldLayoutId id="2147483655" r:id="R4da1d89b811d4267"/>
+    <p:sldLayoutId id="2147483656" r:id="R38a5da60aa114e01"/>
+    <p:sldLayoutId id="2147483657" r:id="R345040168123452d"/>
+    <p:sldLayoutId id="2147483658" r:id="Rca3d4401165f4f5f"/>
+    <p:sldLayoutId id="2147483659" r:id="Rccff8de1113b4887"/>
   </p:sldLayoutIdLst>
   <p:txStyles>
     <p:titleStyle>
@@ -3279,7 +3279,7 @@
             </p:xfrm>
             <a:graphic>
               <a:graphicData uri="http://schemas.microsoft.com/office/webextensions/webextension/2010/11">
-                <we:webextensionref xmlns:we="http://schemas.microsoft.com/office/webextensions/webextension/2010/11" xmlns:r="http://schemas.openxmlformats.org/officeDocument/2006/relationships" r:id="R1b3dc85351394964"/>
+                <we:webextensionref xmlns:we="http://schemas.microsoft.com/office/webextensions/webextension/2010/11" xmlns:r="http://schemas.openxmlformats.org/officeDocument/2006/relationships" r:id="R13e84812b44d4d14"/>
               </a:graphicData>
             </a:graphic>
           </p:graphicFrame>
@@ -3291,7 +3291,7 @@
               <p:cNvPicPr/>
             </p:nvPicPr>
             <p:blipFill>
-              <a:blip xmlns:r="http://schemas.openxmlformats.org/officeDocument/2006/relationships" r:embed="R5d13ffe4d38c4ce5"/>
+              <a:blip xmlns:r="http://schemas.openxmlformats.org/officeDocument/2006/relationships" r:embed="Rb331bfccdfe04cc5"/>
               <a:stretch>
                 <a:fillRect/>
               </a:stretch>
@@ -3322,11 +3322,11 @@
 </file>
 
 <file path=ppt/slides/udata/data.xml><?xml version="1.0" encoding="utf-8"?>
-<we:webextension xmlns:r="http://schemas.openxmlformats.org/officeDocument/2006/relationships" xmlns:we="http://schemas.microsoft.com/office/webextensions/webextension/2010/11" id="{21cc42f3-ebf5-48cb-a64d-ab12e7437263}">
+<we:webextension xmlns:r="http://schemas.openxmlformats.org/officeDocument/2006/relationships" xmlns:we="http://schemas.microsoft.com/office/webextensions/webextension/2010/11" id="{be83c9a9-c4c8-4be3-9464-f5324e911b08}">
   <we:reference id="695691ef-8f6e-4dc4-b6b9-c5a5f44499f7" version="1.0.0.0" store="developer" storeType="Registry"/>
   <we:alternateReferences/>
   <we:properties/>
   <we:bindings/>
-  <we:snapshot xmlns:r="http://schemas.openxmlformats.org/officeDocument/2006/relationships" r:embed="R5d13ffe4d38c4ce5"/>
+  <we:snapshot xmlns:r="http://schemas.openxmlformats.org/officeDocument/2006/relationships" r:embed="Rb331bfccdfe04cc5"/>
 </we:webextension>
 </file>
--- a/PowerPoll/PowerPoll/bin/Debug/Presentation1.pptx
+++ b/PowerPoll/PowerPoll/bin/Debug/Presentation1.pptx
@@ -2,10 +2,10 @@
 <file path=ppt/presentation.xml><?xml version="1.0" encoding="utf-8"?>
 <p:presentation xmlns:a="http://schemas.openxmlformats.org/drawingml/2006/main" xmlns:r="http://schemas.openxmlformats.org/officeDocument/2006/relationships" xmlns:p="http://schemas.openxmlformats.org/presentationml/2006/main" saveSubsetFonts="1">
   <p:sldMasterIdLst>
-    <p:sldMasterId id="2147483648" r:id="Ra731bb85eddc42ba"/>
+    <p:sldMasterId id="2147483648" r:id="Rc58d34e0b48d41d3"/>
   </p:sldMasterIdLst>
   <p:sldIdLst>
-    <p:sldId id="256" r:id="Rf302fa515d3348fb"/>
+    <p:sldId id="256" r:id="R97ddb613c08a4b67"/>
   </p:sldIdLst>
   <p:sldSz cx="12192000" cy="6858000"/>
   <p:notesSz cx="6858000" cy="9144000"/>
@@ -2652,17 +2652,17 @@
   </p:cSld>
   <p:clrMap bg1="lt1" tx1="dk1" bg2="lt2" tx2="dk2" accent1="accent1" accent2="accent2" accent3="accent3" accent4="accent4" accent5="accent5" accent6="accent6" hlink="hlink" folHlink="folHlink"/>
   <p:sldLayoutIdLst>
-    <p:sldLayoutId id="2147483649" r:id="Re1d2e98985814a54"/>
-    <p:sldLayoutId id="2147483650" r:id="Rb99b0e8cf7b746da"/>
-    <p:sldLayoutId id="2147483651" r:id="Rb94782a30a044059"/>
-    <p:sldLayoutId id="2147483652" r:id="Rd71ce50cb73a41fb"/>
-    <p:sldLayoutId id="2147483653" r:id="R61e7d8a66f2943e0"/>
-    <p:sldLayoutId id="2147483654" r:id="Re8e08f1194054768"/>
-    <p:sldLayoutId id="2147483655" r:id="R4da1d89b811d4267"/>
-    <p:sldLayoutId id="2147483656" r:id="R38a5da60aa114e01"/>
-    <p:sldLayoutId id="2147483657" r:id="R345040168123452d"/>
-    <p:sldLayoutId id="2147483658" r:id="Rca3d4401165f4f5f"/>
-    <p:sldLayoutId id="2147483659" r:id="Rccff8de1113b4887"/>
+    <p:sldLayoutId id="2147483649" r:id="R2cb4cae0999b4117"/>
+    <p:sldLayoutId id="2147483650" r:id="R71071e9fe8e940a6"/>
+    <p:sldLayoutId id="2147483651" r:id="R2c7957becd5245b3"/>
+    <p:sldLayoutId id="2147483652" r:id="Rd9a812bba50442e5"/>
+    <p:sldLayoutId id="2147483653" r:id="R69094e3590f54e23"/>
+    <p:sldLayoutId id="2147483654" r:id="R5cdbc78bbca043f0"/>
+    <p:sldLayoutId id="2147483655" r:id="R1ae382714abd40e8"/>
+    <p:sldLayoutId id="2147483656" r:id="Ra61370f5eb204545"/>
+    <p:sldLayoutId id="2147483657" r:id="R65801dbdcf8a4556"/>
+    <p:sldLayoutId id="2147483658" r:id="R2ce5af44daf24150"/>
+    <p:sldLayoutId id="2147483659" r:id="R1d8b8a4f0afe4e67"/>
   </p:sldLayoutIdLst>
   <p:txStyles>
     <p:titleStyle>
@@ -3279,7 +3279,7 @@
             </p:xfrm>
             <a:graphic>
               <a:graphicData uri="http://schemas.microsoft.com/office/webextensions/webextension/2010/11">
-                <we:webextensionref xmlns:we="http://schemas.microsoft.com/office/webextensions/webextension/2010/11" xmlns:r="http://schemas.openxmlformats.org/officeDocument/2006/relationships" r:id="R13e84812b44d4d14"/>
+                <we:webextensionref xmlns:we="http://schemas.microsoft.com/office/webextensions/webextension/2010/11" xmlns:r="http://schemas.openxmlformats.org/officeDocument/2006/relationships" r:id="R82f4514125024aeb"/>
               </a:graphicData>
             </a:graphic>
           </p:graphicFrame>
@@ -3291,7 +3291,7 @@
               <p:cNvPicPr/>
             </p:nvPicPr>
             <p:blipFill>
-              <a:blip xmlns:r="http://schemas.openxmlformats.org/officeDocument/2006/relationships" r:embed="Rb331bfccdfe04cc5"/>
+              <a:blip xmlns:r="http://schemas.openxmlformats.org/officeDocument/2006/relationships" r:embed="R85c560dad7124084"/>
               <a:stretch>
                 <a:fillRect/>
               </a:stretch>
@@ -3322,11 +3322,11 @@
 </file>
 
 <file path=ppt/slides/udata/data.xml><?xml version="1.0" encoding="utf-8"?>
-<we:webextension xmlns:r="http://schemas.openxmlformats.org/officeDocument/2006/relationships" xmlns:we="http://schemas.microsoft.com/office/webextensions/webextension/2010/11" id="{be83c9a9-c4c8-4be3-9464-f5324e911b08}">
+<we:webextension xmlns:r="http://schemas.openxmlformats.org/officeDocument/2006/relationships" xmlns:we="http://schemas.microsoft.com/office/webextensions/webextension/2010/11" id="{fb7077eb-5ab9-43c2-a569-bd496edf3aca}">
   <we:reference id="695691ef-8f6e-4dc4-b6b9-c5a5f44499f7" version="1.0.0.0" store="developer" storeType="Registry"/>
   <we:alternateReferences/>
   <we:properties/>
   <we:bindings/>
-  <we:snapshot xmlns:r="http://schemas.openxmlformats.org/officeDocument/2006/relationships" r:embed="Rb331bfccdfe04cc5"/>
+  <we:snapshot xmlns:r="http://schemas.openxmlformats.org/officeDocument/2006/relationships" r:embed="R85c560dad7124084"/>
 </we:webextension>
 </file>
--- a/PowerPoll/PowerPoll/bin/Debug/Presentation1.pptx
+++ b/PowerPoll/PowerPoll/bin/Debug/Presentation1.pptx
@@ -2,10 +2,10 @@
 <file path=ppt/presentation.xml><?xml version="1.0" encoding="utf-8"?>
 <p:presentation xmlns:a="http://schemas.openxmlformats.org/drawingml/2006/main" xmlns:r="http://schemas.openxmlformats.org/officeDocument/2006/relationships" xmlns:p="http://schemas.openxmlformats.org/presentationml/2006/main" saveSubsetFonts="1">
   <p:sldMasterIdLst>
-    <p:sldMasterId id="2147483648" r:id="Rc58d34e0b48d41d3"/>
+    <p:sldMasterId id="2147483648" r:id="Re1639c6bb4b64720"/>
   </p:sldMasterIdLst>
   <p:sldIdLst>
-    <p:sldId id="256" r:id="R97ddb613c08a4b67"/>
+    <p:sldId id="256" r:id="Rfe366568af7b4224"/>
   </p:sldIdLst>
   <p:sldSz cx="12192000" cy="6858000"/>
   <p:notesSz cx="6858000" cy="9144000"/>
@@ -2652,17 +2652,17 @@
   </p:cSld>
   <p:clrMap bg1="lt1" tx1="dk1" bg2="lt2" tx2="dk2" accent1="accent1" accent2="accent2" accent3="accent3" accent4="accent4" accent5="accent5" accent6="accent6" hlink="hlink" folHlink="folHlink"/>
   <p:sldLayoutIdLst>
-    <p:sldLayoutId id="2147483649" r:id="R2cb4cae0999b4117"/>
-    <p:sldLayoutId id="2147483650" r:id="R71071e9fe8e940a6"/>
-    <p:sldLayoutId id="2147483651" r:id="R2c7957becd5245b3"/>
-    <p:sldLayoutId id="2147483652" r:id="Rd9a812bba50442e5"/>
-    <p:sldLayoutId id="2147483653" r:id="R69094e3590f54e23"/>
-    <p:sldLayoutId id="2147483654" r:id="R5cdbc78bbca043f0"/>
-    <p:sldLayoutId id="2147483655" r:id="R1ae382714abd40e8"/>
-    <p:sldLayoutId id="2147483656" r:id="Ra61370f5eb204545"/>
-    <p:sldLayoutId id="2147483657" r:id="R65801dbdcf8a4556"/>
-    <p:sldLayoutId id="2147483658" r:id="R2ce5af44daf24150"/>
-    <p:sldLayoutId id="2147483659" r:id="R1d8b8a4f0afe4e67"/>
+    <p:sldLayoutId id="2147483649" r:id="Rf9a33f2ed0544f30"/>
+    <p:sldLayoutId id="2147483650" r:id="R0e07c156e7b14069"/>
+    <p:sldLayoutId id="2147483651" r:id="R75c154f485664c9a"/>
+    <p:sldLayoutId id="2147483652" r:id="R9512873bef734da5"/>
+    <p:sldLayoutId id="2147483653" r:id="R9cd5e0026f844f40"/>
+    <p:sldLayoutId id="2147483654" r:id="R9a12ee8f2c61458d"/>
+    <p:sldLayoutId id="2147483655" r:id="Rdb8047e9fa124704"/>
+    <p:sldLayoutId id="2147483656" r:id="R70afd1a86cf24568"/>
+    <p:sldLayoutId id="2147483657" r:id="R4c2e5dbea6e1404e"/>
+    <p:sldLayoutId id="2147483658" r:id="R2d327c925acb4a7e"/>
+    <p:sldLayoutId id="2147483659" r:id="R5942a453d9634429"/>
   </p:sldLayoutIdLst>
   <p:txStyles>
     <p:titleStyle>
@@ -3279,7 +3279,7 @@
             </p:xfrm>
             <a:graphic>
               <a:graphicData uri="http://schemas.microsoft.com/office/webextensions/webextension/2010/11">
-                <we:webextensionref xmlns:we="http://schemas.microsoft.com/office/webextensions/webextension/2010/11" xmlns:r="http://schemas.openxmlformats.org/officeDocument/2006/relationships" r:id="R82f4514125024aeb"/>
+                <we:webextensionref xmlns:we="http://schemas.microsoft.com/office/webextensions/webextension/2010/11" xmlns:r="http://schemas.openxmlformats.org/officeDocument/2006/relationships" r:id="R813e728f3e5b4ba5"/>
               </a:graphicData>
             </a:graphic>
           </p:graphicFrame>
@@ -3291,7 +3291,7 @@
               <p:cNvPicPr/>
             </p:nvPicPr>
             <p:blipFill>
-              <a:blip xmlns:r="http://schemas.openxmlformats.org/officeDocument/2006/relationships" r:embed="R85c560dad7124084"/>
+              <a:blip xmlns:r="http://schemas.openxmlformats.org/officeDocument/2006/relationships" r:embed="Rd46d9b4e2ab147e9"/>
               <a:stretch>
                 <a:fillRect/>
               </a:stretch>
@@ -3322,11 +3322,11 @@
 </file>
 
 <file path=ppt/slides/udata/data.xml><?xml version="1.0" encoding="utf-8"?>
-<we:webextension xmlns:r="http://schemas.openxmlformats.org/officeDocument/2006/relationships" xmlns:we="http://schemas.microsoft.com/office/webextensions/webextension/2010/11" id="{fb7077eb-5ab9-43c2-a569-bd496edf3aca}">
+<we:webextension xmlns:r="http://schemas.openxmlformats.org/officeDocument/2006/relationships" xmlns:we="http://schemas.microsoft.com/office/webextensions/webextension/2010/11" id="{2e4f462f-1cc3-4b7f-895a-8e60ef96a2a2}">
   <we:reference id="695691ef-8f6e-4dc4-b6b9-c5a5f44499f7" version="1.0.0.0" store="developer" storeType="Registry"/>
   <we:alternateReferences/>
   <we:properties/>
   <we:bindings/>
-  <we:snapshot xmlns:r="http://schemas.openxmlformats.org/officeDocument/2006/relationships" r:embed="R85c560dad7124084"/>
+  <we:snapshot xmlns:r="http://schemas.openxmlformats.org/officeDocument/2006/relationships" r:embed="Rd46d9b4e2ab147e9"/>
 </we:webextension>
 </file>
--- a/PowerPoll/PowerPoll/bin/Debug/Presentation1.pptx
+++ b/PowerPoll/PowerPoll/bin/Debug/Presentation1.pptx
@@ -2,10 +2,10 @@
 <file path=ppt/presentation.xml><?xml version="1.0" encoding="utf-8"?>
 <p:presentation xmlns:a="http://schemas.openxmlformats.org/drawingml/2006/main" xmlns:r="http://schemas.openxmlformats.org/officeDocument/2006/relationships" xmlns:p="http://schemas.openxmlformats.org/presentationml/2006/main" saveSubsetFonts="1">
   <p:sldMasterIdLst>
-    <p:sldMasterId id="2147483648" r:id="Re1639c6bb4b64720"/>
+    <p:sldMasterId id="2147483648" r:id="R7447aa20c83f4f54"/>
   </p:sldMasterIdLst>
   <p:sldIdLst>
-    <p:sldId id="256" r:id="Rfe366568af7b4224"/>
+    <p:sldId id="256" r:id="Re094ff5d9fc54b41"/>
   </p:sldIdLst>
   <p:sldSz cx="12192000" cy="6858000"/>
   <p:notesSz cx="6858000" cy="9144000"/>
@@ -2652,17 +2652,17 @@
   </p:cSld>
   <p:clrMap bg1="lt1" tx1="dk1" bg2="lt2" tx2="dk2" accent1="accent1" accent2="accent2" accent3="accent3" accent4="accent4" accent5="accent5" accent6="accent6" hlink="hlink" folHlink="folHlink"/>
   <p:sldLayoutIdLst>
-    <p:sldLayoutId id="2147483649" r:id="Rf9a33f2ed0544f30"/>
-    <p:sldLayoutId id="2147483650" r:id="R0e07c156e7b14069"/>
-    <p:sldLayoutId id="2147483651" r:id="R75c154f485664c9a"/>
-    <p:sldLayoutId id="2147483652" r:id="R9512873bef734da5"/>
-    <p:sldLayoutId id="2147483653" r:id="R9cd5e0026f844f40"/>
-    <p:sldLayoutId id="2147483654" r:id="R9a12ee8f2c61458d"/>
-    <p:sldLayoutId id="2147483655" r:id="Rdb8047e9fa124704"/>
-    <p:sldLayoutId id="2147483656" r:id="R70afd1a86cf24568"/>
-    <p:sldLayoutId id="2147483657" r:id="R4c2e5dbea6e1404e"/>
-    <p:sldLayoutId id="2147483658" r:id="R2d327c925acb4a7e"/>
-    <p:sldLayoutId id="2147483659" r:id="R5942a453d9634429"/>
+    <p:sldLayoutId id="2147483649" r:id="Rc521d358884a449c"/>
+    <p:sldLayoutId id="2147483650" r:id="R6fcf0ef4b0264fe5"/>
+    <p:sldLayoutId id="2147483651" r:id="R164a2c51751a44d6"/>
+    <p:sldLayoutId id="2147483652" r:id="Re4dd7bd21d254de5"/>
+    <p:sldLayoutId id="2147483653" r:id="Rd4fe3230de4b4a72"/>
+    <p:sldLayoutId id="2147483654" r:id="R2e1a6f2acf614686"/>
+    <p:sldLayoutId id="2147483655" r:id="R69c3dfa00f7547da"/>
+    <p:sldLayoutId id="2147483656" r:id="R7867796469604cee"/>
+    <p:sldLayoutId id="2147483657" r:id="R6759f1ede99445ae"/>
+    <p:sldLayoutId id="2147483658" r:id="R5cd770e6e5204048"/>
+    <p:sldLayoutId id="2147483659" r:id="Ra8d91c65fc9a41d3"/>
   </p:sldLayoutIdLst>
   <p:txStyles>
     <p:titleStyle>
@@ -3279,7 +3279,7 @@
             </p:xfrm>
             <a:graphic>
               <a:graphicData uri="http://schemas.microsoft.com/office/webextensions/webextension/2010/11">
-                <we:webextensionref xmlns:we="http://schemas.microsoft.com/office/webextensions/webextension/2010/11" xmlns:r="http://schemas.openxmlformats.org/officeDocument/2006/relationships" r:id="R813e728f3e5b4ba5"/>
+                <we:webextensionref xmlns:we="http://schemas.microsoft.com/office/webextensions/webextension/2010/11" xmlns:r="http://schemas.openxmlformats.org/officeDocument/2006/relationships" r:id="Rcc1e66feb8834510"/>
               </a:graphicData>
             </a:graphic>
           </p:graphicFrame>
@@ -3291,7 +3291,7 @@
               <p:cNvPicPr/>
             </p:nvPicPr>
             <p:blipFill>
-              <a:blip xmlns:r="http://schemas.openxmlformats.org/officeDocument/2006/relationships" r:embed="Rd46d9b4e2ab147e9"/>
+              <a:blip xmlns:r="http://schemas.openxmlformats.org/officeDocument/2006/relationships" r:embed="R1684b77d991c4d62"/>
               <a:stretch>
                 <a:fillRect/>
               </a:stretch>
@@ -3322,11 +3322,11 @@
 </file>
 
 <file path=ppt/slides/udata/data.xml><?xml version="1.0" encoding="utf-8"?>
-<we:webextension xmlns:r="http://schemas.openxmlformats.org/officeDocument/2006/relationships" xmlns:we="http://schemas.microsoft.com/office/webextensions/webextension/2010/11" id="{2e4f462f-1cc3-4b7f-895a-8e60ef96a2a2}">
+<we:webextension xmlns:r="http://schemas.openxmlformats.org/officeDocument/2006/relationships" xmlns:we="http://schemas.microsoft.com/office/webextensions/webextension/2010/11" id="{2c9f8d40-4e64-4741-b1a1-bb127437c75c}">
   <we:reference id="695691ef-8f6e-4dc4-b6b9-c5a5f44499f7" version="1.0.0.0" store="developer" storeType="Registry"/>
   <we:alternateReferences/>
   <we:properties/>
   <we:bindings/>
-  <we:snapshot xmlns:r="http://schemas.openxmlformats.org/officeDocument/2006/relationships" r:embed="Rd46d9b4e2ab147e9"/>
+  <we:snapshot xmlns:r="http://schemas.openxmlformats.org/officeDocument/2006/relationships" r:embed="R1684b77d991c4d62"/>
 </we:webextension>
 </file>
--- a/PowerPoll/PowerPoll/bin/Debug/Presentation1.pptx
+++ b/PowerPoll/PowerPoll/bin/Debug/Presentation1.pptx
@@ -2,10 +2,10 @@
 <file path=ppt/presentation.xml><?xml version="1.0" encoding="utf-8"?>
 <p:presentation xmlns:a="http://schemas.openxmlformats.org/drawingml/2006/main" xmlns:r="http://schemas.openxmlformats.org/officeDocument/2006/relationships" xmlns:p="http://schemas.openxmlformats.org/presentationml/2006/main" saveSubsetFonts="1">
   <p:sldMasterIdLst>
-    <p:sldMasterId id="2147483648" r:id="R7447aa20c83f4f54"/>
+    <p:sldMasterId id="2147483648" r:id="R2c5d14b612854abd"/>
   </p:sldMasterIdLst>
   <p:sldIdLst>
-    <p:sldId id="256" r:id="Re094ff5d9fc54b41"/>
+    <p:sldId id="256" r:id="Rafe7f41f16b54c52"/>
   </p:sldIdLst>
   <p:sldSz cx="12192000" cy="6858000"/>
   <p:notesSz cx="6858000" cy="9144000"/>
@@ -2652,17 +2652,17 @@
   </p:cSld>
   <p:clrMap bg1="lt1" tx1="dk1" bg2="lt2" tx2="dk2" accent1="accent1" accent2="accent2" accent3="accent3" accent4="accent4" accent5="accent5" accent6="accent6" hlink="hlink" folHlink="folHlink"/>
   <p:sldLayoutIdLst>
-    <p:sldLayoutId id="2147483649" r:id="Rc521d358884a449c"/>
-    <p:sldLayoutId id="2147483650" r:id="R6fcf0ef4b0264fe5"/>
-    <p:sldLayoutId id="2147483651" r:id="R164a2c51751a44d6"/>
-    <p:sldLayoutId id="2147483652" r:id="Re4dd7bd21d254de5"/>
-    <p:sldLayoutId id="2147483653" r:id="Rd4fe3230de4b4a72"/>
-    <p:sldLayoutId id="2147483654" r:id="R2e1a6f2acf614686"/>
-    <p:sldLayoutId id="2147483655" r:id="R69c3dfa00f7547da"/>
-    <p:sldLayoutId id="2147483656" r:id="R7867796469604cee"/>
-    <p:sldLayoutId id="2147483657" r:id="R6759f1ede99445ae"/>
-    <p:sldLayoutId id="2147483658" r:id="R5cd770e6e5204048"/>
-    <p:sldLayoutId id="2147483659" r:id="Ra8d91c65fc9a41d3"/>
+    <p:sldLayoutId id="2147483649" r:id="R43c2c62cb24e4744"/>
+    <p:sldLayoutId id="2147483650" r:id="R45381ee4d3ce4602"/>
+    <p:sldLayoutId id="2147483651" r:id="Rb2a979d9b2164b05"/>
+    <p:sldLayoutId id="2147483652" r:id="Rfd99770584574144"/>
+    <p:sldLayoutId id="2147483653" r:id="R6e5af67e03674d42"/>
+    <p:sldLayoutId id="2147483654" r:id="R6299e4ebb9914389"/>
+    <p:sldLayoutId id="2147483655" r:id="Rac9711382169404f"/>
+    <p:sldLayoutId id="2147483656" r:id="R589abf95a1ca4e7e"/>
+    <p:sldLayoutId id="2147483657" r:id="Rb4167d788a654361"/>
+    <p:sldLayoutId id="2147483658" r:id="Rb9cea9d944884b73"/>
+    <p:sldLayoutId id="2147483659" r:id="R6ad7c81c9b8b45b0"/>
   </p:sldLayoutIdLst>
   <p:txStyles>
     <p:titleStyle>
@@ -3279,7 +3279,7 @@
             </p:xfrm>
             <a:graphic>
               <a:graphicData uri="http://schemas.microsoft.com/office/webextensions/webextension/2010/11">
-                <we:webextensionref xmlns:we="http://schemas.microsoft.com/office/webextensions/webextension/2010/11" xmlns:r="http://schemas.openxmlformats.org/officeDocument/2006/relationships" r:id="Rcc1e66feb8834510"/>
+                <we:webextensionref xmlns:we="http://schemas.microsoft.com/office/webextensions/webextension/2010/11" xmlns:r="http://schemas.openxmlformats.org/officeDocument/2006/relationships" r:id="Rc12775d2f3604134"/>
               </a:graphicData>
             </a:graphic>
           </p:graphicFrame>
@@ -3291,7 +3291,7 @@
               <p:cNvPicPr/>
             </p:nvPicPr>
             <p:blipFill>
-              <a:blip xmlns:r="http://schemas.openxmlformats.org/officeDocument/2006/relationships" r:embed="R1684b77d991c4d62"/>
+              <a:blip xmlns:r="http://schemas.openxmlformats.org/officeDocument/2006/relationships" r:embed="Re4588e1392d840aa"/>
               <a:stretch>
                 <a:fillRect/>
               </a:stretch>
@@ -3322,11 +3322,11 @@
 </file>
 
 <file path=ppt/slides/udata/data.xml><?xml version="1.0" encoding="utf-8"?>
-<we:webextension xmlns:r="http://schemas.openxmlformats.org/officeDocument/2006/relationships" xmlns:we="http://schemas.microsoft.com/office/webextensions/webextension/2010/11" id="{2c9f8d40-4e64-4741-b1a1-bb127437c75c}">
+<we:webextension xmlns:r="http://schemas.openxmlformats.org/officeDocument/2006/relationships" xmlns:we="http://schemas.microsoft.com/office/webextensions/webextension/2010/11" id="{e7fe8cd2-064e-42ec-990d-b51818c52ecc}">
   <we:reference id="695691ef-8f6e-4dc4-b6b9-c5a5f44499f7" version="1.0.0.0" store="developer" storeType="Registry"/>
   <we:alternateReferences/>
   <we:properties/>
   <we:bindings/>
-  <we:snapshot xmlns:r="http://schemas.openxmlformats.org/officeDocument/2006/relationships" r:embed="R1684b77d991c4d62"/>
+  <we:snapshot xmlns:r="http://schemas.openxmlformats.org/officeDocument/2006/relationships" r:embed="Re4588e1392d840aa"/>
 </we:webextension>
 </file>
--- a/PowerPoll/PowerPoll/bin/Debug/Presentation1.pptx
+++ b/PowerPoll/PowerPoll/bin/Debug/Presentation1.pptx
@@ -2,10 +2,10 @@
 <file path=ppt/presentation.xml><?xml version="1.0" encoding="utf-8"?>
 <p:presentation xmlns:a="http://schemas.openxmlformats.org/drawingml/2006/main" xmlns:r="http://schemas.openxmlformats.org/officeDocument/2006/relationships" xmlns:p="http://schemas.openxmlformats.org/presentationml/2006/main" saveSubsetFonts="1">
   <p:sldMasterIdLst>
-    <p:sldMasterId id="2147483648" r:id="R2c5d14b612854abd"/>
+    <p:sldMasterId id="2147483648" r:id="R5605444fb7d94ad1"/>
   </p:sldMasterIdLst>
   <p:sldIdLst>
-    <p:sldId id="256" r:id="Rafe7f41f16b54c52"/>
+    <p:sldId id="256" r:id="R821249228e0c458f"/>
   </p:sldIdLst>
   <p:sldSz cx="12192000" cy="6858000"/>
   <p:notesSz cx="6858000" cy="9144000"/>
@@ -2652,17 +2652,17 @@
   </p:cSld>
   <p:clrMap bg1="lt1" tx1="dk1" bg2="lt2" tx2="dk2" accent1="accent1" accent2="accent2" accent3="accent3" accent4="accent4" accent5="accent5" accent6="accent6" hlink="hlink" folHlink="folHlink"/>
   <p:sldLayoutIdLst>
-    <p:sldLayoutId id="2147483649" r:id="R43c2c62cb24e4744"/>
-    <p:sldLayoutId id="2147483650" r:id="R45381ee4d3ce4602"/>
-    <p:sldLayoutId id="2147483651" r:id="Rb2a979d9b2164b05"/>
-    <p:sldLayoutId id="2147483652" r:id="Rfd99770584574144"/>
-    <p:sldLayoutId id="2147483653" r:id="R6e5af67e03674d42"/>
-    <p:sldLayoutId id="2147483654" r:id="R6299e4ebb9914389"/>
-    <p:sldLayoutId id="2147483655" r:id="Rac9711382169404f"/>
-    <p:sldLayoutId id="2147483656" r:id="R589abf95a1ca4e7e"/>
-    <p:sldLayoutId id="2147483657" r:id="Rb4167d788a654361"/>
-    <p:sldLayoutId id="2147483658" r:id="Rb9cea9d944884b73"/>
-    <p:sldLayoutId id="2147483659" r:id="R6ad7c81c9b8b45b0"/>
+    <p:sldLayoutId id="2147483649" r:id="Rf079f2aa9ac14cbb"/>
+    <p:sldLayoutId id="2147483650" r:id="Rff503f550678495d"/>
+    <p:sldLayoutId id="2147483651" r:id="Re6451638025b4283"/>
+    <p:sldLayoutId id="2147483652" r:id="R18a608accae14547"/>
+    <p:sldLayoutId id="2147483653" r:id="R6df65ccaeb2849c0"/>
+    <p:sldLayoutId id="2147483654" r:id="R2859d0315bf34aae"/>
+    <p:sldLayoutId id="2147483655" r:id="R2e2374e8714846a0"/>
+    <p:sldLayoutId id="2147483656" r:id="Re06873b000f34e6e"/>
+    <p:sldLayoutId id="2147483657" r:id="Rac8b2a130a684112"/>
+    <p:sldLayoutId id="2147483658" r:id="Rc9b6b85b22284548"/>
+    <p:sldLayoutId id="2147483659" r:id="Re6d5f9857d4948f3"/>
   </p:sldLayoutIdLst>
   <p:txStyles>
     <p:titleStyle>
@@ -3279,7 +3279,7 @@
             </p:xfrm>
             <a:graphic>
               <a:graphicData uri="http://schemas.microsoft.com/office/webextensions/webextension/2010/11">
-                <we:webextensionref xmlns:we="http://schemas.microsoft.com/office/webextensions/webextension/2010/11" xmlns:r="http://schemas.openxmlformats.org/officeDocument/2006/relationships" r:id="Rc12775d2f3604134"/>
+                <we:webextensionref xmlns:we="http://schemas.microsoft.com/office/webextensions/webextension/2010/11" xmlns:r="http://schemas.openxmlformats.org/officeDocument/2006/relationships" r:id="Rf208c3364de3436a"/>
               </a:graphicData>
             </a:graphic>
           </p:graphicFrame>
@@ -3291,7 +3291,7 @@
               <p:cNvPicPr/>
             </p:nvPicPr>
             <p:blipFill>
-              <a:blip xmlns:r="http://schemas.openxmlformats.org/officeDocument/2006/relationships" r:embed="Re4588e1392d840aa"/>
+              <a:blip xmlns:r="http://schemas.openxmlformats.org/officeDocument/2006/relationships" r:embed="R575c3ce138f14cf3"/>
               <a:stretch>
                 <a:fillRect/>
               </a:stretch>
@@ -3322,11 +3322,11 @@
 </file>
 
 <file path=ppt/slides/udata/data.xml><?xml version="1.0" encoding="utf-8"?>
-<we:webextension xmlns:r="http://schemas.openxmlformats.org/officeDocument/2006/relationships" xmlns:we="http://schemas.microsoft.com/office/webextensions/webextension/2010/11" id="{e7fe8cd2-064e-42ec-990d-b51818c52ecc}">
+<we:webextension xmlns:r="http://schemas.openxmlformats.org/officeDocument/2006/relationships" xmlns:we="http://schemas.microsoft.com/office/webextensions/webextension/2010/11" id="{ea776b45-126d-4615-8971-73afb30dcb83}">
   <we:reference id="695691ef-8f6e-4dc4-b6b9-c5a5f44499f7" version="1.0.0.0" store="developer" storeType="Registry"/>
   <we:alternateReferences/>
   <we:properties/>
   <we:bindings/>
-  <we:snapshot xmlns:r="http://schemas.openxmlformats.org/officeDocument/2006/relationships" r:embed="Re4588e1392d840aa"/>
+  <we:snapshot xmlns:r="http://schemas.openxmlformats.org/officeDocument/2006/relationships" r:embed="R575c3ce138f14cf3"/>
 </we:webextension>
 </file>
--- a/PowerPoll/PowerPoll/bin/Debug/Presentation1.pptx
+++ b/PowerPoll/PowerPoll/bin/Debug/Presentation1.pptx
@@ -2,10 +2,10 @@
 <file path=ppt/presentation.xml><?xml version="1.0" encoding="utf-8"?>
 <p:presentation xmlns:a="http://schemas.openxmlformats.org/drawingml/2006/main" xmlns:r="http://schemas.openxmlformats.org/officeDocument/2006/relationships" xmlns:p="http://schemas.openxmlformats.org/presentationml/2006/main" saveSubsetFonts="1">
   <p:sldMasterIdLst>
-    <p:sldMasterId id="2147483648" r:id="R5605444fb7d94ad1"/>
+    <p:sldMasterId id="2147483648" r:id="R9f9e70ed4b3c43be"/>
   </p:sldMasterIdLst>
   <p:sldIdLst>
-    <p:sldId id="256" r:id="R821249228e0c458f"/>
+    <p:sldId id="256" r:id="R57b11059372441bf"/>
   </p:sldIdLst>
   <p:sldSz cx="12192000" cy="6858000"/>
   <p:notesSz cx="6858000" cy="9144000"/>
@@ -2652,17 +2652,17 @@
   </p:cSld>
   <p:clrMap bg1="lt1" tx1="dk1" bg2="lt2" tx2="dk2" accent1="accent1" accent2="accent2" accent3="accent3" accent4="accent4" accent5="accent5" accent6="accent6" hlink="hlink" folHlink="folHlink"/>
   <p:sldLayoutIdLst>
-    <p:sldLayoutId id="2147483649" r:id="Rf079f2aa9ac14cbb"/>
-    <p:sldLayoutId id="2147483650" r:id="Rff503f550678495d"/>
-    <p:sldLayoutId id="2147483651" r:id="Re6451638025b4283"/>
-    <p:sldLayoutId id="2147483652" r:id="R18a608accae14547"/>
-    <p:sldLayoutId id="2147483653" r:id="R6df65ccaeb2849c0"/>
-    <p:sldLayoutId id="2147483654" r:id="R2859d0315bf34aae"/>
-    <p:sldLayoutId id="2147483655" r:id="R2e2374e8714846a0"/>
-    <p:sldLayoutId id="2147483656" r:id="Re06873b000f34e6e"/>
-    <p:sldLayoutId id="2147483657" r:id="Rac8b2a130a684112"/>
-    <p:sldLayoutId id="2147483658" r:id="Rc9b6b85b22284548"/>
-    <p:sldLayoutId id="2147483659" r:id="Re6d5f9857d4948f3"/>
+    <p:sldLayoutId id="2147483649" r:id="Ra93af81770e642cb"/>
+    <p:sldLayoutId id="2147483650" r:id="R9bf53f019dd747b1"/>
+    <p:sldLayoutId id="2147483651" r:id="R3d97fa49e7fa482c"/>
+    <p:sldLayoutId id="2147483652" r:id="R50872389100041a1"/>
+    <p:sldLayoutId id="2147483653" r:id="R1c508378db7f425b"/>
+    <p:sldLayoutId id="2147483654" r:id="Rbbb84c42b2f744fd"/>
+    <p:sldLayoutId id="2147483655" r:id="R9f8e08f74d37482b"/>
+    <p:sldLayoutId id="2147483656" r:id="Re88dc108e0d247bd"/>
+    <p:sldLayoutId id="2147483657" r:id="R4ad6804fb48247a3"/>
+    <p:sldLayoutId id="2147483658" r:id="R2188e71c109e4471"/>
+    <p:sldLayoutId id="2147483659" r:id="R57dd054342d6496a"/>
   </p:sldLayoutIdLst>
   <p:txStyles>
     <p:titleStyle>
@@ -3279,7 +3279,7 @@
             </p:xfrm>
             <a:graphic>
               <a:graphicData uri="http://schemas.microsoft.com/office/webextensions/webextension/2010/11">
-                <we:webextensionref xmlns:we="http://schemas.microsoft.com/office/webextensions/webextension/2010/11" xmlns:r="http://schemas.openxmlformats.org/officeDocument/2006/relationships" r:id="Rf208c3364de3436a"/>
+                <we:webextensionref xmlns:we="http://schemas.microsoft.com/office/webextensions/webextension/2010/11" xmlns:r="http://schemas.openxmlformats.org/officeDocument/2006/relationships" r:id="R9d27122c243449ef"/>
               </a:graphicData>
             </a:graphic>
           </p:graphicFrame>
@@ -3291,7 +3291,7 @@
               <p:cNvPicPr/>
             </p:nvPicPr>
             <p:blipFill>
-              <a:blip xmlns:r="http://schemas.openxmlformats.org/officeDocument/2006/relationships" r:embed="R575c3ce138f14cf3"/>
+              <a:blip xmlns:r="http://schemas.openxmlformats.org/officeDocument/2006/relationships" r:embed="R1c6e2a23febd4642"/>
               <a:stretch>
                 <a:fillRect/>
               </a:stretch>
@@ -3322,11 +3322,11 @@
 </file>
 
 <file path=ppt/slides/udata/data.xml><?xml version="1.0" encoding="utf-8"?>
-<we:webextension xmlns:r="http://schemas.openxmlformats.org/officeDocument/2006/relationships" xmlns:we="http://schemas.microsoft.com/office/webextensions/webextension/2010/11" id="{ea776b45-126d-4615-8971-73afb30dcb83}">
+<we:webextension xmlns:r="http://schemas.openxmlformats.org/officeDocument/2006/relationships" xmlns:we="http://schemas.microsoft.com/office/webextensions/webextension/2010/11" id="{01a8c1fc-2685-4a7d-8ce5-8f5e5ba32464}">
   <we:reference id="695691ef-8f6e-4dc4-b6b9-c5a5f44499f7" version="1.0.0.0" store="developer" storeType="Registry"/>
   <we:alternateReferences/>
   <we:properties/>
   <we:bindings/>
-  <we:snapshot xmlns:r="http://schemas.openxmlformats.org/officeDocument/2006/relationships" r:embed="R575c3ce138f14cf3"/>
+  <we:snapshot xmlns:r="http://schemas.openxmlformats.org/officeDocument/2006/relationships" r:embed="R1c6e2a23febd4642"/>
 </we:webextension>
 </file>
--- a/PowerPoll/PowerPoll/bin/Debug/Presentation1.pptx
+++ b/PowerPoll/PowerPoll/bin/Debug/Presentation1.pptx
@@ -2,10 +2,10 @@
 <file path=ppt/presentation.xml><?xml version="1.0" encoding="utf-8"?>
 <p:presentation xmlns:a="http://schemas.openxmlformats.org/drawingml/2006/main" xmlns:r="http://schemas.openxmlformats.org/officeDocument/2006/relationships" xmlns:p="http://schemas.openxmlformats.org/presentationml/2006/main" saveSubsetFonts="1">
   <p:sldMasterIdLst>
-    <p:sldMasterId id="2147483648" r:id="R9f9e70ed4b3c43be"/>
+    <p:sldMasterId id="2147483648" r:id="Rb37d2a361c134a67"/>
   </p:sldMasterIdLst>
   <p:sldIdLst>
-    <p:sldId id="256" r:id="R57b11059372441bf"/>
+    <p:sldId id="256" r:id="Ra5f6a24aae614702"/>
   </p:sldIdLst>
   <p:sldSz cx="12192000" cy="6858000"/>
   <p:notesSz cx="6858000" cy="9144000"/>
@@ -2652,17 +2652,17 @@
   </p:cSld>
   <p:clrMap bg1="lt1" tx1="dk1" bg2="lt2" tx2="dk2" accent1="accent1" accent2="accent2" accent3="accent3" accent4="accent4" accent5="accent5" accent6="accent6" hlink="hlink" folHlink="folHlink"/>
   <p:sldLayoutIdLst>
-    <p:sldLayoutId id="2147483649" r:id="Ra93af81770e642cb"/>
-    <p:sldLayoutId id="2147483650" r:id="R9bf53f019dd747b1"/>
-    <p:sldLayoutId id="2147483651" r:id="R3d97fa49e7fa482c"/>
-    <p:sldLayoutId id="2147483652" r:id="R50872389100041a1"/>
-    <p:sldLayoutId id="2147483653" r:id="R1c508378db7f425b"/>
-    <p:sldLayoutId id="2147483654" r:id="Rbbb84c42b2f744fd"/>
-    <p:sldLayoutId id="2147483655" r:id="R9f8e08f74d37482b"/>
-    <p:sldLayoutId id="2147483656" r:id="Re88dc108e0d247bd"/>
-    <p:sldLayoutId id="2147483657" r:id="R4ad6804fb48247a3"/>
-    <p:sldLayoutId id="2147483658" r:id="R2188e71c109e4471"/>
-    <p:sldLayoutId id="2147483659" r:id="R57dd054342d6496a"/>
+    <p:sldLayoutId id="2147483649" r:id="R4d14846929cf48ce"/>
+    <p:sldLayoutId id="2147483650" r:id="R037c4bb6007b49d2"/>
+    <p:sldLayoutId id="2147483651" r:id="Rcb21d53f634440fc"/>
+    <p:sldLayoutId id="2147483652" r:id="Rda5b1fdbcc364d2b"/>
+    <p:sldLayoutId id="2147483653" r:id="Rd1746a1fc1ba404b"/>
+    <p:sldLayoutId id="2147483654" r:id="R8338dd0025e04746"/>
+    <p:sldLayoutId id="2147483655" r:id="Ra5fb0ec865724440"/>
+    <p:sldLayoutId id="2147483656" r:id="R184d13e1ad4544d2"/>
+    <p:sldLayoutId id="2147483657" r:id="R28373e27ca124e05"/>
+    <p:sldLayoutId id="2147483658" r:id="R51bc74dbf008446d"/>
+    <p:sldLayoutId id="2147483659" r:id="R9daff37bb7464051"/>
   </p:sldLayoutIdLst>
   <p:txStyles>
     <p:titleStyle>
@@ -3279,7 +3279,7 @@
             </p:xfrm>
             <a:graphic>
               <a:graphicData uri="http://schemas.microsoft.com/office/webextensions/webextension/2010/11">
-                <we:webextensionref xmlns:we="http://schemas.microsoft.com/office/webextensions/webextension/2010/11" xmlns:r="http://schemas.openxmlformats.org/officeDocument/2006/relationships" r:id="R9d27122c243449ef"/>
+                <we:webextensionref xmlns:we="http://schemas.microsoft.com/office/webextensions/webextension/2010/11" xmlns:r="http://schemas.openxmlformats.org/officeDocument/2006/relationships" r:id="R2c1a3141e2654ac0"/>
               </a:graphicData>
             </a:graphic>
           </p:graphicFrame>
@@ -3291,7 +3291,7 @@
               <p:cNvPicPr/>
             </p:nvPicPr>
             <p:blipFill>
-              <a:blip xmlns:r="http://schemas.openxmlformats.org/officeDocument/2006/relationships" r:embed="R1c6e2a23febd4642"/>
+              <a:blip xmlns:r="http://schemas.openxmlformats.org/officeDocument/2006/relationships" r:embed="Rb2b4cab207004b5d"/>
               <a:stretch>
                 <a:fillRect/>
               </a:stretch>
@@ -3322,11 +3322,11 @@
 </file>
 
 <file path=ppt/slides/udata/data.xml><?xml version="1.0" encoding="utf-8"?>
-<we:webextension xmlns:r="http://schemas.openxmlformats.org/officeDocument/2006/relationships" xmlns:we="http://schemas.microsoft.com/office/webextensions/webextension/2010/11" id="{01a8c1fc-2685-4a7d-8ce5-8f5e5ba32464}">
+<we:webextension xmlns:r="http://schemas.openxmlformats.org/officeDocument/2006/relationships" xmlns:we="http://schemas.microsoft.com/office/webextensions/webextension/2010/11" id="{aaecb928-08b2-4a68-a0a3-d8d3756d6663}">
   <we:reference id="695691ef-8f6e-4dc4-b6b9-c5a5f44499f7" version="1.0.0.0" store="developer" storeType="Registry"/>
   <we:alternateReferences/>
   <we:properties/>
   <we:bindings/>
-  <we:snapshot xmlns:r="http://schemas.openxmlformats.org/officeDocument/2006/relationships" r:embed="R1c6e2a23febd4642"/>
+  <we:snapshot xmlns:r="http://schemas.openxmlformats.org/officeDocument/2006/relationships" r:embed="Rb2b4cab207004b5d"/>
 </we:webextension>
 </file>
--- a/PowerPoll/PowerPoll/bin/Debug/Presentation1.pptx
+++ b/PowerPoll/PowerPoll/bin/Debug/Presentation1.pptx
@@ -2,10 +2,10 @@
 <file path=ppt/presentation.xml><?xml version="1.0" encoding="utf-8"?>
 <p:presentation xmlns:a="http://schemas.openxmlformats.org/drawingml/2006/main" xmlns:r="http://schemas.openxmlformats.org/officeDocument/2006/relationships" xmlns:p="http://schemas.openxmlformats.org/presentationml/2006/main" saveSubsetFonts="1">
   <p:sldMasterIdLst>
-    <p:sldMasterId id="2147483648" r:id="Rb37d2a361c134a67"/>
+    <p:sldMasterId id="2147483648" r:id="Rb047bb5ce9e04da4"/>
   </p:sldMasterIdLst>
   <p:sldIdLst>
-    <p:sldId id="256" r:id="Ra5f6a24aae614702"/>
+    <p:sldId id="256" r:id="R325aa8dd2a364408"/>
   </p:sldIdLst>
   <p:sldSz cx="12192000" cy="6858000"/>
   <p:notesSz cx="6858000" cy="9144000"/>
@@ -2652,17 +2652,17 @@
   </p:cSld>
   <p:clrMap bg1="lt1" tx1="dk1" bg2="lt2" tx2="dk2" accent1="accent1" accent2="accent2" accent3="accent3" accent4="accent4" accent5="accent5" accent6="accent6" hlink="hlink" folHlink="folHlink"/>
   <p:sldLayoutIdLst>
-    <p:sldLayoutId id="2147483649" r:id="R4d14846929cf48ce"/>
-    <p:sldLayoutId id="2147483650" r:id="R037c4bb6007b49d2"/>
-    <p:sldLayoutId id="2147483651" r:id="Rcb21d53f634440fc"/>
-    <p:sldLayoutId id="2147483652" r:id="Rda5b1fdbcc364d2b"/>
-    <p:sldLayoutId id="2147483653" r:id="Rd1746a1fc1ba404b"/>
-    <p:sldLayoutId id="2147483654" r:id="R8338dd0025e04746"/>
-    <p:sldLayoutId id="2147483655" r:id="Ra5fb0ec865724440"/>
-    <p:sldLayoutId id="2147483656" r:id="R184d13e1ad4544d2"/>
-    <p:sldLayoutId id="2147483657" r:id="R28373e27ca124e05"/>
-    <p:sldLayoutId id="2147483658" r:id="R51bc74dbf008446d"/>
-    <p:sldLayoutId id="2147483659" r:id="R9daff37bb7464051"/>
+    <p:sldLayoutId id="2147483649" r:id="Re3356b2e04df41b8"/>
+    <p:sldLayoutId id="2147483650" r:id="R34cd6b42b48040b4"/>
+    <p:sldLayoutId id="2147483651" r:id="R2962c6addba44639"/>
+    <p:sldLayoutId id="2147483652" r:id="R6476d3c8abd9438c"/>
+    <p:sldLayoutId id="2147483653" r:id="Rcc7f690a9c0b42dd"/>
+    <p:sldLayoutId id="2147483654" r:id="Rfaca9722272446bb"/>
+    <p:sldLayoutId id="2147483655" r:id="R22a9b3840eac4c65"/>
+    <p:sldLayoutId id="2147483656" r:id="R44f21f7169d84a7f"/>
+    <p:sldLayoutId id="2147483657" r:id="R676fc90fa686427f"/>
+    <p:sldLayoutId id="2147483658" r:id="R05c3cb9fae3144ea"/>
+    <p:sldLayoutId id="2147483659" r:id="Rfcb7afcdd8fa40f1"/>
   </p:sldLayoutIdLst>
   <p:txStyles>
     <p:titleStyle>
@@ -3279,7 +3279,7 @@
             </p:xfrm>
             <a:graphic>
               <a:graphicData uri="http://schemas.microsoft.com/office/webextensions/webextension/2010/11">
-                <we:webextensionref xmlns:we="http://schemas.microsoft.com/office/webextensions/webextension/2010/11" xmlns:r="http://schemas.openxmlformats.org/officeDocument/2006/relationships" r:id="R2c1a3141e2654ac0"/>
+                <we:webextensionref xmlns:we="http://schemas.microsoft.com/office/webextensions/webextension/2010/11" xmlns:r="http://schemas.openxmlformats.org/officeDocument/2006/relationships" r:id="R1c9e821b00ce4577"/>
               </a:graphicData>
             </a:graphic>
           </p:graphicFrame>
@@ -3291,7 +3291,7 @@
               <p:cNvPicPr/>
             </p:nvPicPr>
             <p:blipFill>
-              <a:blip xmlns:r="http://schemas.openxmlformats.org/officeDocument/2006/relationships" r:embed="Rb2b4cab207004b5d"/>
+              <a:blip xmlns:r="http://schemas.openxmlformats.org/officeDocument/2006/relationships" r:embed="Rfa81c280696a42ee"/>
               <a:stretch>
                 <a:fillRect/>
               </a:stretch>
@@ -3322,11 +3322,11 @@
 </file>
 
 <file path=ppt/slides/udata/data.xml><?xml version="1.0" encoding="utf-8"?>
-<we:webextension xmlns:r="http://schemas.openxmlformats.org/officeDocument/2006/relationships" xmlns:we="http://schemas.microsoft.com/office/webextensions/webextension/2010/11" id="{aaecb928-08b2-4a68-a0a3-d8d3756d6663}">
+<we:webextension xmlns:r="http://schemas.openxmlformats.org/officeDocument/2006/relationships" xmlns:we="http://schemas.microsoft.com/office/webextensions/webextension/2010/11" id="{fd6a6dfd-c954-46fa-9684-b86df559f51b}">
   <we:reference id="695691ef-8f6e-4dc4-b6b9-c5a5f44499f7" version="1.0.0.0" store="developer" storeType="Registry"/>
   <we:alternateReferences/>
   <we:properties/>
   <we:bindings/>
-  <we:snapshot xmlns:r="http://schemas.openxmlformats.org/officeDocument/2006/relationships" r:embed="Rb2b4cab207004b5d"/>
+  <we:snapshot xmlns:r="http://schemas.openxmlformats.org/officeDocument/2006/relationships" r:embed="Rfa81c280696a42ee"/>
 </we:webextension>
 </file>
--- a/PowerPoll/PowerPoll/bin/Debug/Presentation1.pptx
+++ b/PowerPoll/PowerPoll/bin/Debug/Presentation1.pptx
@@ -2,10 +2,10 @@
 <file path=ppt/presentation.xml><?xml version="1.0" encoding="utf-8"?>
 <p:presentation xmlns:a="http://schemas.openxmlformats.org/drawingml/2006/main" xmlns:r="http://schemas.openxmlformats.org/officeDocument/2006/relationships" xmlns:p="http://schemas.openxmlformats.org/presentationml/2006/main" saveSubsetFonts="1">
   <p:sldMasterIdLst>
-    <p:sldMasterId id="2147483648" r:id="Rb047bb5ce9e04da4"/>
+    <p:sldMasterId id="2147483648" r:id="Rcf88f6b750a54bd1"/>
   </p:sldMasterIdLst>
   <p:sldIdLst>
-    <p:sldId id="256" r:id="R325aa8dd2a364408"/>
+    <p:sldId id="256" r:id="R90240499e48047f9"/>
   </p:sldIdLst>
   <p:sldSz cx="12192000" cy="6858000"/>
   <p:notesSz cx="6858000" cy="9144000"/>
@@ -2652,17 +2652,17 @@
   </p:cSld>
   <p:clrMap bg1="lt1" tx1="dk1" bg2="lt2" tx2="dk2" accent1="accent1" accent2="accent2" accent3="accent3" accent4="accent4" accent5="accent5" accent6="accent6" hlink="hlink" folHlink="folHlink"/>
   <p:sldLayoutIdLst>
-    <p:sldLayoutId id="2147483649" r:id="Re3356b2e04df41b8"/>
-    <p:sldLayoutId id="2147483650" r:id="R34cd6b42b48040b4"/>
-    <p:sldLayoutId id="2147483651" r:id="R2962c6addba44639"/>
-    <p:sldLayoutId id="2147483652" r:id="R6476d3c8abd9438c"/>
-    <p:sldLayoutId id="2147483653" r:id="Rcc7f690a9c0b42dd"/>
-    <p:sldLayoutId id="2147483654" r:id="Rfaca9722272446bb"/>
-    <p:sldLayoutId id="2147483655" r:id="R22a9b3840eac4c65"/>
-    <p:sldLayoutId id="2147483656" r:id="R44f21f7169d84a7f"/>
-    <p:sldLayoutId id="2147483657" r:id="R676fc90fa686427f"/>
-    <p:sldLayoutId id="2147483658" r:id="R05c3cb9fae3144ea"/>
-    <p:sldLayoutId id="2147483659" r:id="Rfcb7afcdd8fa40f1"/>
+    <p:sldLayoutId id="2147483649" r:id="Rb085f3d6d94043f5"/>
+    <p:sldLayoutId id="2147483650" r:id="Rcf8fa13ddace4740"/>
+    <p:sldLayoutId id="2147483651" r:id="Rec1b689fb8294e81"/>
+    <p:sldLayoutId id="2147483652" r:id="Rbcd489217425456a"/>
+    <p:sldLayoutId id="2147483653" r:id="R0358d3cbfbd54497"/>
+    <p:sldLayoutId id="2147483654" r:id="Rd15c52ee741e4aad"/>
+    <p:sldLayoutId id="2147483655" r:id="R85e99dad270e45da"/>
+    <p:sldLayoutId id="2147483656" r:id="R9386c96f09d84f39"/>
+    <p:sldLayoutId id="2147483657" r:id="R29663cbe4bc0465a"/>
+    <p:sldLayoutId id="2147483658" r:id="Raec03538fbdf43d0"/>
+    <p:sldLayoutId id="2147483659" r:id="Rf8d15b9ebb0b4e00"/>
   </p:sldLayoutIdLst>
   <p:txStyles>
     <p:titleStyle>
@@ -3279,7 +3279,7 @@
             </p:xfrm>
             <a:graphic>
               <a:graphicData uri="http://schemas.microsoft.com/office/webextensions/webextension/2010/11">
-                <we:webextensionref xmlns:we="http://schemas.microsoft.com/office/webextensions/webextension/2010/11" xmlns:r="http://schemas.openxmlformats.org/officeDocument/2006/relationships" r:id="R1c9e821b00ce4577"/>
+                <we:webextensionref xmlns:we="http://schemas.microsoft.com/office/webextensions/webextension/2010/11" xmlns:r="http://schemas.openxmlformats.org/officeDocument/2006/relationships" r:id="R708144e380f44ee6"/>
               </a:graphicData>
             </a:graphic>
           </p:graphicFrame>
@@ -3291,7 +3291,7 @@
               <p:cNvPicPr/>
             </p:nvPicPr>
             <p:blipFill>
-              <a:blip xmlns:r="http://schemas.openxmlformats.org/officeDocument/2006/relationships" r:embed="Rfa81c280696a42ee"/>
+              <a:blip xmlns:r="http://schemas.openxmlformats.org/officeDocument/2006/relationships" r:embed="R78bd3828cc2947e7"/>
               <a:stretch>
                 <a:fillRect/>
               </a:stretch>
@@ -3322,11 +3322,11 @@
 </file>
 
 <file path=ppt/slides/udata/data.xml><?xml version="1.0" encoding="utf-8"?>
-<we:webextension xmlns:r="http://schemas.openxmlformats.org/officeDocument/2006/relationships" xmlns:we="http://schemas.microsoft.com/office/webextensions/webextension/2010/11" id="{fd6a6dfd-c954-46fa-9684-b86df559f51b}">
+<we:webextension xmlns:r="http://schemas.openxmlformats.org/officeDocument/2006/relationships" xmlns:we="http://schemas.microsoft.com/office/webextensions/webextension/2010/11" id="{4894da70-33f5-43a9-9b39-4b2ed7fd67bf}">
   <we:reference id="695691ef-8f6e-4dc4-b6b9-c5a5f44499f7" version="1.0.0.0" store="developer" storeType="Registry"/>
   <we:alternateReferences/>
   <we:properties/>
   <we:bindings/>
-  <we:snapshot xmlns:r="http://schemas.openxmlformats.org/officeDocument/2006/relationships" r:embed="Rfa81c280696a42ee"/>
+  <we:snapshot xmlns:r="http://schemas.openxmlformats.org/officeDocument/2006/relationships" r:embed="R78bd3828cc2947e7"/>
 </we:webextension>
 </file>
--- a/PowerPoll/PowerPoll/bin/Debug/Presentation1.pptx
+++ b/PowerPoll/PowerPoll/bin/Debug/Presentation1.pptx
@@ -2,10 +2,10 @@
 <file path=ppt/presentation.xml><?xml version="1.0" encoding="utf-8"?>
 <p:presentation xmlns:a="http://schemas.openxmlformats.org/drawingml/2006/main" xmlns:r="http://schemas.openxmlformats.org/officeDocument/2006/relationships" xmlns:p="http://schemas.openxmlformats.org/presentationml/2006/main" saveSubsetFonts="1">
   <p:sldMasterIdLst>
-    <p:sldMasterId id="2147483648" r:id="Rcf88f6b750a54bd1"/>
+    <p:sldMasterId id="2147483648" r:id="Re85aba054d044e13"/>
   </p:sldMasterIdLst>
   <p:sldIdLst>
-    <p:sldId id="256" r:id="R90240499e48047f9"/>
+    <p:sldId id="256" r:id="R7777e13cbeed417f"/>
   </p:sldIdLst>
   <p:sldSz cx="12192000" cy="6858000"/>
   <p:notesSz cx="6858000" cy="9144000"/>
@@ -2652,17 +2652,17 @@
   </p:cSld>
   <p:clrMap bg1="lt1" tx1="dk1" bg2="lt2" tx2="dk2" accent1="accent1" accent2="accent2" accent3="accent3" accent4="accent4" accent5="accent5" accent6="accent6" hlink="hlink" folHlink="folHlink"/>
   <p:sldLayoutIdLst>
-    <p:sldLayoutId id="2147483649" r:id="Rb085f3d6d94043f5"/>
-    <p:sldLayoutId id="2147483650" r:id="Rcf8fa13ddace4740"/>
-    <p:sldLayoutId id="2147483651" r:id="Rec1b689fb8294e81"/>
-    <p:sldLayoutId id="2147483652" r:id="Rbcd489217425456a"/>
-    <p:sldLayoutId id="2147483653" r:id="R0358d3cbfbd54497"/>
-    <p:sldLayoutId id="2147483654" r:id="Rd15c52ee741e4aad"/>
-    <p:sldLayoutId id="2147483655" r:id="R85e99dad270e45da"/>
-    <p:sldLayoutId id="2147483656" r:id="R9386c96f09d84f39"/>
-    <p:sldLayoutId id="2147483657" r:id="R29663cbe4bc0465a"/>
-    <p:sldLayoutId id="2147483658" r:id="Raec03538fbdf43d0"/>
-    <p:sldLayoutId id="2147483659" r:id="Rf8d15b9ebb0b4e00"/>
+    <p:sldLayoutId id="2147483649" r:id="Rcd0f62ac8cca4974"/>
+    <p:sldLayoutId id="2147483650" r:id="R7a9146445c9e4381"/>
+    <p:sldLayoutId id="2147483651" r:id="Rcb45612bba8348eb"/>
+    <p:sldLayoutId id="2147483652" r:id="R47258a439c0c4a25"/>
+    <p:sldLayoutId id="2147483653" r:id="R4fdfc5146ea4498e"/>
+    <p:sldLayoutId id="2147483654" r:id="R81b7a8db433b4fdf"/>
+    <p:sldLayoutId id="2147483655" r:id="Raa9e982d0df24beb"/>
+    <p:sldLayoutId id="2147483656" r:id="Rc3e7c6c90e184dec"/>
+    <p:sldLayoutId id="2147483657" r:id="Rd5e8d3e819ad4d34"/>
+    <p:sldLayoutId id="2147483658" r:id="Rd83a07fa2191448e"/>
+    <p:sldLayoutId id="2147483659" r:id="R7de2e06a861643c2"/>
   </p:sldLayoutIdLst>
   <p:txStyles>
     <p:titleStyle>
@@ -3279,7 +3279,7 @@
             </p:xfrm>
             <a:graphic>
               <a:graphicData uri="http://schemas.microsoft.com/office/webextensions/webextension/2010/11">
-                <we:webextensionref xmlns:we="http://schemas.microsoft.com/office/webextensions/webextension/2010/11" xmlns:r="http://schemas.openxmlformats.org/officeDocument/2006/relationships" r:id="R708144e380f44ee6"/>
+                <we:webextensionref xmlns:we="http://schemas.microsoft.com/office/webextensions/webextension/2010/11" xmlns:r="http://schemas.openxmlformats.org/officeDocument/2006/relationships" r:id="Rc8496b697b834e2c"/>
               </a:graphicData>
             </a:graphic>
           </p:graphicFrame>
@@ -3291,7 +3291,7 @@
               <p:cNvPicPr/>
             </p:nvPicPr>
             <p:blipFill>
-              <a:blip xmlns:r="http://schemas.openxmlformats.org/officeDocument/2006/relationships" r:embed="R78bd3828cc2947e7"/>
+              <a:blip xmlns:r="http://schemas.openxmlformats.org/officeDocument/2006/relationships" r:embed="Rcc461d43fddb4e45"/>
               <a:stretch>
                 <a:fillRect/>
               </a:stretch>
@@ -3322,11 +3322,11 @@
 </file>
 
 <file path=ppt/slides/udata/data.xml><?xml version="1.0" encoding="utf-8"?>
-<we:webextension xmlns:r="http://schemas.openxmlformats.org/officeDocument/2006/relationships" xmlns:we="http://schemas.microsoft.com/office/webextensions/webextension/2010/11" id="{4894da70-33f5-43a9-9b39-4b2ed7fd67bf}">
+<we:webextension xmlns:r="http://schemas.openxmlformats.org/officeDocument/2006/relationships" xmlns:we="http://schemas.microsoft.com/office/webextensions/webextension/2010/11" id="{b69c6e89-575a-4984-a762-422d664a4b04}">
   <we:reference id="695691ef-8f6e-4dc4-b6b9-c5a5f44499f7" version="1.0.0.0" store="developer" storeType="Registry"/>
   <we:alternateReferences/>
   <we:properties/>
   <we:bindings/>
-  <we:snapshot xmlns:r="http://schemas.openxmlformats.org/officeDocument/2006/relationships" r:embed="R78bd3828cc2947e7"/>
+  <we:snapshot xmlns:r="http://schemas.openxmlformats.org/officeDocument/2006/relationships" r:embed="Rcc461d43fddb4e45"/>
 </we:webextension>
 </file>
--- a/PowerPoll/PowerPoll/bin/Debug/Presentation1.pptx
+++ b/PowerPoll/PowerPoll/bin/Debug/Presentation1.pptx
@@ -2,10 +2,10 @@
 <file path=ppt/presentation.xml><?xml version="1.0" encoding="utf-8"?>
 <p:presentation xmlns:a="http://schemas.openxmlformats.org/drawingml/2006/main" xmlns:r="http://schemas.openxmlformats.org/officeDocument/2006/relationships" xmlns:p="http://schemas.openxmlformats.org/presentationml/2006/main" saveSubsetFonts="1">
   <p:sldMasterIdLst>
-    <p:sldMasterId id="2147483648" r:id="Re85aba054d044e13"/>
+    <p:sldMasterId id="2147483648" r:id="R43a98c0f2e414a7c"/>
   </p:sldMasterIdLst>
   <p:sldIdLst>
-    <p:sldId id="256" r:id="R7777e13cbeed417f"/>
+    <p:sldId id="256" r:id="R07b29f4c4e324b06"/>
   </p:sldIdLst>
   <p:sldSz cx="12192000" cy="6858000"/>
   <p:notesSz cx="6858000" cy="9144000"/>
@@ -2652,17 +2652,17 @@
   </p:cSld>
   <p:clrMap bg1="lt1" tx1="dk1" bg2="lt2" tx2="dk2" accent1="accent1" accent2="accent2" accent3="accent3" accent4="accent4" accent5="accent5" accent6="accent6" hlink="hlink" folHlink="folHlink"/>
   <p:sldLayoutIdLst>
-    <p:sldLayoutId id="2147483649" r:id="Rcd0f62ac8cca4974"/>
-    <p:sldLayoutId id="2147483650" r:id="R7a9146445c9e4381"/>
-    <p:sldLayoutId id="2147483651" r:id="Rcb45612bba8348eb"/>
-    <p:sldLayoutId id="2147483652" r:id="R47258a439c0c4a25"/>
-    <p:sldLayoutId id="2147483653" r:id="R4fdfc5146ea4498e"/>
-    <p:sldLayoutId id="2147483654" r:id="R81b7a8db433b4fdf"/>
-    <p:sldLayoutId id="2147483655" r:id="Raa9e982d0df24beb"/>
-    <p:sldLayoutId id="2147483656" r:id="Rc3e7c6c90e184dec"/>
-    <p:sldLayoutId id="2147483657" r:id="Rd5e8d3e819ad4d34"/>
-    <p:sldLayoutId id="2147483658" r:id="Rd83a07fa2191448e"/>
-    <p:sldLayoutId id="2147483659" r:id="R7de2e06a861643c2"/>
+    <p:sldLayoutId id="2147483649" r:id="R80c509687fe845b0"/>
+    <p:sldLayoutId id="2147483650" r:id="R2b530bcfb3c848ee"/>
+    <p:sldLayoutId id="2147483651" r:id="R8815e2908aec4e92"/>
+    <p:sldLayoutId id="2147483652" r:id="R26c9896cb7104977"/>
+    <p:sldLayoutId id="2147483653" r:id="R40d8643eb22245d8"/>
+    <p:sldLayoutId id="2147483654" r:id="R64dfe05cc0dc4f8c"/>
+    <p:sldLayoutId id="2147483655" r:id="Rf6ded71175cf49fb"/>
+    <p:sldLayoutId id="2147483656" r:id="Ra630042639e740c2"/>
+    <p:sldLayoutId id="2147483657" r:id="Rd2021a3cf0d045b2"/>
+    <p:sldLayoutId id="2147483658" r:id="R1565439a6cf64de2"/>
+    <p:sldLayoutId id="2147483659" r:id="R76bf0fd2b5d54ec6"/>
   </p:sldLayoutIdLst>
   <p:txStyles>
     <p:titleStyle>
@@ -3279,7 +3279,7 @@
             </p:xfrm>
             <a:graphic>
               <a:graphicData uri="http://schemas.microsoft.com/office/webextensions/webextension/2010/11">
-                <we:webextensionref xmlns:we="http://schemas.microsoft.com/office/webextensions/webextension/2010/11" xmlns:r="http://schemas.openxmlformats.org/officeDocument/2006/relationships" r:id="Rc8496b697b834e2c"/>
+                <we:webextensionref xmlns:we="http://schemas.microsoft.com/office/webextensions/webextension/2010/11" xmlns:r="http://schemas.openxmlformats.org/officeDocument/2006/relationships" r:id="Reb9c8551beff4efc"/>
               </a:graphicData>
             </a:graphic>
           </p:graphicFrame>
@@ -3291,7 +3291,7 @@
               <p:cNvPicPr/>
             </p:nvPicPr>
             <p:blipFill>
-              <a:blip xmlns:r="http://schemas.openxmlformats.org/officeDocument/2006/relationships" r:embed="Rcc461d43fddb4e45"/>
+              <a:blip xmlns:r="http://schemas.openxmlformats.org/officeDocument/2006/relationships" r:embed="R7813412b5f0243ed"/>
               <a:stretch>
                 <a:fillRect/>
               </a:stretch>
@@ -3322,11 +3322,11 @@
 </file>
 
 <file path=ppt/slides/udata/data.xml><?xml version="1.0" encoding="utf-8"?>
-<we:webextension xmlns:r="http://schemas.openxmlformats.org/officeDocument/2006/relationships" xmlns:we="http://schemas.microsoft.com/office/webextensions/webextension/2010/11" id="{b69c6e89-575a-4984-a762-422d664a4b04}">
+<we:webextension xmlns:r="http://schemas.openxmlformats.org/officeDocument/2006/relationships" xmlns:we="http://schemas.microsoft.com/office/webextensions/webextension/2010/11" id="{52204a67-a86c-41db-81a0-08175dccfe5e}">
   <we:reference id="695691ef-8f6e-4dc4-b6b9-c5a5f44499f7" version="1.0.0.0" store="developer" storeType="Registry"/>
   <we:alternateReferences/>
   <we:properties/>
   <we:bindings/>
-  <we:snapshot xmlns:r="http://schemas.openxmlformats.org/officeDocument/2006/relationships" r:embed="Rcc461d43fddb4e45"/>
+  <we:snapshot xmlns:r="http://schemas.openxmlformats.org/officeDocument/2006/relationships" r:embed="R7813412b5f0243ed"/>
 </we:webextension>
 </file>
--- a/PowerPoll/PowerPoll/bin/Debug/Presentation1.pptx
+++ b/PowerPoll/PowerPoll/bin/Debug/Presentation1.pptx
@@ -2,10 +2,10 @@
 <file path=ppt/presentation.xml><?xml version="1.0" encoding="utf-8"?>
 <p:presentation xmlns:a="http://schemas.openxmlformats.org/drawingml/2006/main" xmlns:r="http://schemas.openxmlformats.org/officeDocument/2006/relationships" xmlns:p="http://schemas.openxmlformats.org/presentationml/2006/main" saveSubsetFonts="1">
   <p:sldMasterIdLst>
-    <p:sldMasterId id="2147483648" r:id="R43a98c0f2e414a7c"/>
+    <p:sldMasterId id="2147483648" r:id="R5f306049bc62493e"/>
   </p:sldMasterIdLst>
   <p:sldIdLst>
-    <p:sldId id="256" r:id="R07b29f4c4e324b06"/>
+    <p:sldId id="256" r:id="R61b177e7e2e34870"/>
   </p:sldIdLst>
   <p:sldSz cx="12192000" cy="6858000"/>
   <p:notesSz cx="6858000" cy="9144000"/>
@@ -2652,17 +2652,17 @@
   </p:cSld>
   <p:clrMap bg1="lt1" tx1="dk1" bg2="lt2" tx2="dk2" accent1="accent1" accent2="accent2" accent3="accent3" accent4="accent4" accent5="accent5" accent6="accent6" hlink="hlink" folHlink="folHlink"/>
   <p:sldLayoutIdLst>
-    <p:sldLayoutId id="2147483649" r:id="R80c509687fe845b0"/>
-    <p:sldLayoutId id="2147483650" r:id="R2b530bcfb3c848ee"/>
-    <p:sldLayoutId id="2147483651" r:id="R8815e2908aec4e92"/>
-    <p:sldLayoutId id="2147483652" r:id="R26c9896cb7104977"/>
-    <p:sldLayoutId id="2147483653" r:id="R40d8643eb22245d8"/>
-    <p:sldLayoutId id="2147483654" r:id="R64dfe05cc0dc4f8c"/>
-    <p:sldLayoutId id="2147483655" r:id="Rf6ded71175cf49fb"/>
-    <p:sldLayoutId id="2147483656" r:id="Ra630042639e740c2"/>
-    <p:sldLayoutId id="2147483657" r:id="Rd2021a3cf0d045b2"/>
-    <p:sldLayoutId id="2147483658" r:id="R1565439a6cf64de2"/>
-    <p:sldLayoutId id="2147483659" r:id="R76bf0fd2b5d54ec6"/>
+    <p:sldLayoutId id="2147483649" r:id="R5aba93eb7d484a60"/>
+    <p:sldLayoutId id="2147483650" r:id="R5911464f7d964a48"/>
+    <p:sldLayoutId id="2147483651" r:id="Rd00c6b08032f44d9"/>
+    <p:sldLayoutId id="2147483652" r:id="R186dd7d3c26146ba"/>
+    <p:sldLayoutId id="2147483653" r:id="Ra532675d6b01439f"/>
+    <p:sldLayoutId id="2147483654" r:id="Re610fc51e84c4cb1"/>
+    <p:sldLayoutId id="2147483655" r:id="R884a6bff4d5e49bc"/>
+    <p:sldLayoutId id="2147483656" r:id="R596a2eaec1324050"/>
+    <p:sldLayoutId id="2147483657" r:id="R11b9b00202714490"/>
+    <p:sldLayoutId id="2147483658" r:id="R4277ef9539124ea6"/>
+    <p:sldLayoutId id="2147483659" r:id="Re3560e2c004e4b06"/>
   </p:sldLayoutIdLst>
   <p:txStyles>
     <p:titleStyle>
@@ -3279,7 +3279,7 @@
             </p:xfrm>
             <a:graphic>
               <a:graphicData uri="http://schemas.microsoft.com/office/webextensions/webextension/2010/11">
-                <we:webextensionref xmlns:we="http://schemas.microsoft.com/office/webextensions/webextension/2010/11" xmlns:r="http://schemas.openxmlformats.org/officeDocument/2006/relationships" r:id="Reb9c8551beff4efc"/>
+                <we:webextensionref xmlns:we="http://schemas.microsoft.com/office/webextensions/webextension/2010/11" xmlns:r="http://schemas.openxmlformats.org/officeDocument/2006/relationships" r:id="Rab27da160de149e8"/>
               </a:graphicData>
             </a:graphic>
           </p:graphicFrame>
@@ -3291,7 +3291,7 @@
               <p:cNvPicPr/>
             </p:nvPicPr>
             <p:blipFill>
-              <a:blip xmlns:r="http://schemas.openxmlformats.org/officeDocument/2006/relationships" r:embed="R7813412b5f0243ed"/>
+              <a:blip xmlns:r="http://schemas.openxmlformats.org/officeDocument/2006/relationships" r:embed="R595200dec51b40c3"/>
               <a:stretch>
                 <a:fillRect/>
               </a:stretch>
@@ -3322,11 +3322,11 @@
 </file>
 
 <file path=ppt/slides/udata/data.xml><?xml version="1.0" encoding="utf-8"?>
-<we:webextension xmlns:r="http://schemas.openxmlformats.org/officeDocument/2006/relationships" xmlns:we="http://schemas.microsoft.com/office/webextensions/webextension/2010/11" id="{52204a67-a86c-41db-81a0-08175dccfe5e}">
+<we:webextension xmlns:r="http://schemas.openxmlformats.org/officeDocument/2006/relationships" xmlns:we="http://schemas.microsoft.com/office/webextensions/webextension/2010/11" id="{252bd23d-aaf6-4e32-825e-e55d820bb3c4}">
   <we:reference id="695691ef-8f6e-4dc4-b6b9-c5a5f44499f7" version="1.0.0.0" store="developer" storeType="Registry"/>
   <we:alternateReferences/>
   <we:properties/>
   <we:bindings/>
-  <we:snapshot xmlns:r="http://schemas.openxmlformats.org/officeDocument/2006/relationships" r:embed="R7813412b5f0243ed"/>
+  <we:snapshot xmlns:r="http://schemas.openxmlformats.org/officeDocument/2006/relationships" r:embed="R595200dec51b40c3"/>
 </we:webextension>
 </file>
--- a/PowerPoll/PowerPoll/bin/Debug/Presentation1.pptx
+++ b/PowerPoll/PowerPoll/bin/Debug/Presentation1.pptx
@@ -2,10 +2,10 @@
 <file path=ppt/presentation.xml><?xml version="1.0" encoding="utf-8"?>
 <p:presentation xmlns:a="http://schemas.openxmlformats.org/drawingml/2006/main" xmlns:r="http://schemas.openxmlformats.org/officeDocument/2006/relationships" xmlns:p="http://schemas.openxmlformats.org/presentationml/2006/main" saveSubsetFonts="1">
   <p:sldMasterIdLst>
-    <p:sldMasterId id="2147483648" r:id="R5f306049bc62493e"/>
+    <p:sldMasterId id="2147483648" r:id="Raba2c119e70146f3"/>
   </p:sldMasterIdLst>
   <p:sldIdLst>
-    <p:sldId id="256" r:id="R61b177e7e2e34870"/>
+    <p:sldId id="256" r:id="R7c0dcff5bd574fb2"/>
   </p:sldIdLst>
   <p:sldSz cx="12192000" cy="6858000"/>
   <p:notesSz cx="6858000" cy="9144000"/>
@@ -2652,17 +2652,17 @@
   </p:cSld>
   <p:clrMap bg1="lt1" tx1="dk1" bg2="lt2" tx2="dk2" accent1="accent1" accent2="accent2" accent3="accent3" accent4="accent4" accent5="accent5" accent6="accent6" hlink="hlink" folHlink="folHlink"/>
   <p:sldLayoutIdLst>
-    <p:sldLayoutId id="2147483649" r:id="R5aba93eb7d484a60"/>
-    <p:sldLayoutId id="2147483650" r:id="R5911464f7d964a48"/>
-    <p:sldLayoutId id="2147483651" r:id="Rd00c6b08032f44d9"/>
-    <p:sldLayoutId id="2147483652" r:id="R186dd7d3c26146ba"/>
-    <p:sldLayoutId id="2147483653" r:id="Ra532675d6b01439f"/>
-    <p:sldLayoutId id="2147483654" r:id="Re610fc51e84c4cb1"/>
-    <p:sldLayoutId id="2147483655" r:id="R884a6bff4d5e49bc"/>
-    <p:sldLayoutId id="2147483656" r:id="R596a2eaec1324050"/>
-    <p:sldLayoutId id="2147483657" r:id="R11b9b00202714490"/>
-    <p:sldLayoutId id="2147483658" r:id="R4277ef9539124ea6"/>
-    <p:sldLayoutId id="2147483659" r:id="Re3560e2c004e4b06"/>
+    <p:sldLayoutId id="2147483649" r:id="R7fc1866bd8704db9"/>
+    <p:sldLayoutId id="2147483650" r:id="Raeacda9736474a07"/>
+    <p:sldLayoutId id="2147483651" r:id="R27661c52b13e4334"/>
+    <p:sldLayoutId id="2147483652" r:id="Rdd9c14f0063c43b9"/>
+    <p:sldLayoutId id="2147483653" r:id="R9a6fcb2db65c4719"/>
+    <p:sldLayoutId id="2147483654" r:id="Rff80d573797a43b9"/>
+    <p:sldLayoutId id="2147483655" r:id="Rcc7bfb193e7e4c63"/>
+    <p:sldLayoutId id="2147483656" r:id="R02468283213949d2"/>
+    <p:sldLayoutId id="2147483657" r:id="R7c4e177b7cc24b21"/>
+    <p:sldLayoutId id="2147483658" r:id="Re8b03a4d3f3a4b51"/>
+    <p:sldLayoutId id="2147483659" r:id="Rcba46b6e07e34fec"/>
   </p:sldLayoutIdLst>
   <p:txStyles>
     <p:titleStyle>
@@ -3279,7 +3279,7 @@
             </p:xfrm>
             <a:graphic>
               <a:graphicData uri="http://schemas.microsoft.com/office/webextensions/webextension/2010/11">
-                <we:webextensionref xmlns:we="http://schemas.microsoft.com/office/webextensions/webextension/2010/11" xmlns:r="http://schemas.openxmlformats.org/officeDocument/2006/relationships" r:id="Rab27da160de149e8"/>
+                <we:webextensionref xmlns:we="http://schemas.microsoft.com/office/webextensions/webextension/2010/11" xmlns:r="http://schemas.openxmlformats.org/officeDocument/2006/relationships" r:id="R7f78b2b0746148ca"/>
               </a:graphicData>
             </a:graphic>
           </p:graphicFrame>
@@ -3291,7 +3291,7 @@
               <p:cNvPicPr/>
             </p:nvPicPr>
             <p:blipFill>
-              <a:blip xmlns:r="http://schemas.openxmlformats.org/officeDocument/2006/relationships" r:embed="R595200dec51b40c3"/>
+              <a:blip xmlns:r="http://schemas.openxmlformats.org/officeDocument/2006/relationships" r:embed="R81811fb8bb44428b"/>
               <a:stretch>
                 <a:fillRect/>
               </a:stretch>
@@ -3322,11 +3322,11 @@
 </file>
 
 <file path=ppt/slides/udata/data.xml><?xml version="1.0" encoding="utf-8"?>
-<we:webextension xmlns:r="http://schemas.openxmlformats.org/officeDocument/2006/relationships" xmlns:we="http://schemas.microsoft.com/office/webextensions/webextension/2010/11" id="{252bd23d-aaf6-4e32-825e-e55d820bb3c4}">
+<we:webextension xmlns:r="http://schemas.openxmlformats.org/officeDocument/2006/relationships" xmlns:we="http://schemas.microsoft.com/office/webextensions/webextension/2010/11" id="{293a4d1c-3f15-4c64-8eb3-571ca6758fff}">
   <we:reference id="695691ef-8f6e-4dc4-b6b9-c5a5f44499f7" version="1.0.0.0" store="developer" storeType="Registry"/>
   <we:alternateReferences/>
   <we:properties/>
   <we:bindings/>
-  <we:snapshot xmlns:r="http://schemas.openxmlformats.org/officeDocument/2006/relationships" r:embed="R595200dec51b40c3"/>
+  <we:snapshot xmlns:r="http://schemas.openxmlformats.org/officeDocument/2006/relationships" r:embed="R81811fb8bb44428b"/>
 </we:webextension>
 </file>
--- a/PowerPoll/PowerPoll/bin/Debug/Presentation1.pptx
+++ b/PowerPoll/PowerPoll/bin/Debug/Presentation1.pptx
@@ -2,10 +2,10 @@
 <file path=ppt/presentation.xml><?xml version="1.0" encoding="utf-8"?>
 <p:presentation xmlns:a="http://schemas.openxmlformats.org/drawingml/2006/main" xmlns:r="http://schemas.openxmlformats.org/officeDocument/2006/relationships" xmlns:p="http://schemas.openxmlformats.org/presentationml/2006/main" saveSubsetFonts="1">
   <p:sldMasterIdLst>
-    <p:sldMasterId id="2147483648" r:id="Raba2c119e70146f3"/>
+    <p:sldMasterId id="2147483648" r:id="R1ff6bacf5c4543a1"/>
   </p:sldMasterIdLst>
   <p:sldIdLst>
-    <p:sldId id="256" r:id="R7c0dcff5bd574fb2"/>
+    <p:sldId id="256" r:id="R7162ce61d0f240d7"/>
   </p:sldIdLst>
   <p:sldSz cx="12192000" cy="6858000"/>
   <p:notesSz cx="6858000" cy="9144000"/>
@@ -2652,17 +2652,17 @@
   </p:cSld>
   <p:clrMap bg1="lt1" tx1="dk1" bg2="lt2" tx2="dk2" accent1="accent1" accent2="accent2" accent3="accent3" accent4="accent4" accent5="accent5" accent6="accent6" hlink="hlink" folHlink="folHlink"/>
   <p:sldLayoutIdLst>
-    <p:sldLayoutId id="2147483649" r:id="R7fc1866bd8704db9"/>
-    <p:sldLayoutId id="2147483650" r:id="Raeacda9736474a07"/>
-    <p:sldLayoutId id="2147483651" r:id="R27661c52b13e4334"/>
-    <p:sldLayoutId id="2147483652" r:id="Rdd9c14f0063c43b9"/>
-    <p:sldLayoutId id="2147483653" r:id="R9a6fcb2db65c4719"/>
-    <p:sldLayoutId id="2147483654" r:id="Rff80d573797a43b9"/>
-    <p:sldLayoutId id="2147483655" r:id="Rcc7bfb193e7e4c63"/>
-    <p:sldLayoutId id="2147483656" r:id="R02468283213949d2"/>
-    <p:sldLayoutId id="2147483657" r:id="R7c4e177b7cc24b21"/>
-    <p:sldLayoutId id="2147483658" r:id="Re8b03a4d3f3a4b51"/>
-    <p:sldLayoutId id="2147483659" r:id="Rcba46b6e07e34fec"/>
+    <p:sldLayoutId id="2147483649" r:id="R1313adc210e347d1"/>
+    <p:sldLayoutId id="2147483650" r:id="Re145de4d36a947d8"/>
+    <p:sldLayoutId id="2147483651" r:id="R71ffcbe770234152"/>
+    <p:sldLayoutId id="2147483652" r:id="R0783046668774e8d"/>
+    <p:sldLayoutId id="2147483653" r:id="Re242568107b7488b"/>
+    <p:sldLayoutId id="2147483654" r:id="Rad07e3404da44bef"/>
+    <p:sldLayoutId id="2147483655" r:id="R31a176adcc534817"/>
+    <p:sldLayoutId id="2147483656" r:id="R60a06a9c000a4f53"/>
+    <p:sldLayoutId id="2147483657" r:id="R1376edd3e4c949ad"/>
+    <p:sldLayoutId id="2147483658" r:id="R401b686025574ff1"/>
+    <p:sldLayoutId id="2147483659" r:id="R6b61ad3ac7604ba8"/>
   </p:sldLayoutIdLst>
   <p:txStyles>
     <p:titleStyle>
@@ -3275,11 +3275,11 @@
             </p:nvGraphicFramePr>
             <p:xfrm>
               <a:off x="0" y="0"/>
-              <a:ext cx="9144000" cy="6858000"/>
+              <a:ext cx="5715000" cy="5143500"/>
             </p:xfrm>
             <a:graphic>
               <a:graphicData uri="http://schemas.microsoft.com/office/webextensions/webextension/2010/11">
-                <we:webextensionref xmlns:we="http://schemas.microsoft.com/office/webextensions/webextension/2010/11" xmlns:r="http://schemas.openxmlformats.org/officeDocument/2006/relationships" r:id="R7f78b2b0746148ca"/>
+                <we:webextensionref xmlns:we="http://schemas.microsoft.com/office/webextensions/webextension/2010/11" xmlns:r="http://schemas.openxmlformats.org/officeDocument/2006/relationships" r:id="Rd275716e9cf948d8"/>
               </a:graphicData>
             </a:graphic>
           </p:graphicFrame>
@@ -3291,7 +3291,7 @@
               <p:cNvPicPr/>
             </p:nvPicPr>
             <p:blipFill>
-              <a:blip xmlns:r="http://schemas.openxmlformats.org/officeDocument/2006/relationships" r:embed="R81811fb8bb44428b"/>
+              <a:blip xmlns:r="http://schemas.openxmlformats.org/officeDocument/2006/relationships" r:embed="R8718cbcdf6ac49a6"/>
               <a:stretch>
                 <a:fillRect/>
               </a:stretch>
@@ -3299,7 +3299,7 @@
             <p:spPr>
               <a:xfrm>
                 <a:off x="0" y="0"/>
-                <a:ext cx="9144000" cy="6858000"/>
+                <a:ext cx="5715000" cy="5143500"/>
               </a:xfrm>
               <a:prstGeom prst="rect">
                 <a:avLst/>
@@ -3322,11 +3322,11 @@
 </file>
 
 <file path=ppt/slides/udata/data.xml><?xml version="1.0" encoding="utf-8"?>
-<we:webextension xmlns:r="http://schemas.openxmlformats.org/officeDocument/2006/relationships" xmlns:we="http://schemas.microsoft.com/office/webextensions/webextension/2010/11" id="{293a4d1c-3f15-4c64-8eb3-571ca6758fff}">
+<we:webextension xmlns:r="http://schemas.openxmlformats.org/officeDocument/2006/relationships" xmlns:we="http://schemas.microsoft.com/office/webextensions/webextension/2010/11" id="{02fe7e2b-b617-4faf-aa04-a0100be73428}">
   <we:reference id="695691ef-8f6e-4dc4-b6b9-c5a5f44499f7" version="1.0.0.0" store="developer" storeType="Registry"/>
   <we:alternateReferences/>
   <we:properties/>
   <we:bindings/>
-  <we:snapshot xmlns:r="http://schemas.openxmlformats.org/officeDocument/2006/relationships" r:embed="R81811fb8bb44428b"/>
+  <we:snapshot xmlns:r="http://schemas.openxmlformats.org/officeDocument/2006/relationships" r:embed="R8718cbcdf6ac49a6"/>
 </we:webextension>
 </file>
--- a/PowerPoll/PowerPoll/bin/Debug/Presentation1.pptx
+++ b/PowerPoll/PowerPoll/bin/Debug/Presentation1.pptx
@@ -2,10 +2,10 @@
 <file path=ppt/presentation.xml><?xml version="1.0" encoding="utf-8"?>
 <p:presentation xmlns:a="http://schemas.openxmlformats.org/drawingml/2006/main" xmlns:r="http://schemas.openxmlformats.org/officeDocument/2006/relationships" xmlns:p="http://schemas.openxmlformats.org/presentationml/2006/main" saveSubsetFonts="1">
   <p:sldMasterIdLst>
-    <p:sldMasterId id="2147483648" r:id="R1ff6bacf5c4543a1"/>
+    <p:sldMasterId id="2147483648" r:id="Ra0198551c64e4660"/>
   </p:sldMasterIdLst>
   <p:sldIdLst>
-    <p:sldId id="256" r:id="R7162ce61d0f240d7"/>
+    <p:sldId id="256" r:id="R5407b29f6c1745bc"/>
   </p:sldIdLst>
   <p:sldSz cx="12192000" cy="6858000"/>
   <p:notesSz cx="6858000" cy="9144000"/>
@@ -2652,17 +2652,17 @@
   </p:cSld>
   <p:clrMap bg1="lt1" tx1="dk1" bg2="lt2" tx2="dk2" accent1="accent1" accent2="accent2" accent3="accent3" accent4="accent4" accent5="accent5" accent6="accent6" hlink="hlink" folHlink="folHlink"/>
   <p:sldLayoutIdLst>
-    <p:sldLayoutId id="2147483649" r:id="R1313adc210e347d1"/>
-    <p:sldLayoutId id="2147483650" r:id="Re145de4d36a947d8"/>
-    <p:sldLayoutId id="2147483651" r:id="R71ffcbe770234152"/>
-    <p:sldLayoutId id="2147483652" r:id="R0783046668774e8d"/>
-    <p:sldLayoutId id="2147483653" r:id="Re242568107b7488b"/>
-    <p:sldLayoutId id="2147483654" r:id="Rad07e3404da44bef"/>
-    <p:sldLayoutId id="2147483655" r:id="R31a176adcc534817"/>
-    <p:sldLayoutId id="2147483656" r:id="R60a06a9c000a4f53"/>
-    <p:sldLayoutId id="2147483657" r:id="R1376edd3e4c949ad"/>
-    <p:sldLayoutId id="2147483658" r:id="R401b686025574ff1"/>
-    <p:sldLayoutId id="2147483659" r:id="R6b61ad3ac7604ba8"/>
+    <p:sldLayoutId id="2147483649" r:id="R0b53e279895c44fe"/>
+    <p:sldLayoutId id="2147483650" r:id="R1ac0170e836c4008"/>
+    <p:sldLayoutId id="2147483651" r:id="R1bdf9ab2d604413c"/>
+    <p:sldLayoutId id="2147483652" r:id="Re879815b9809478a"/>
+    <p:sldLayoutId id="2147483653" r:id="Re4fe50f2237e460f"/>
+    <p:sldLayoutId id="2147483654" r:id="Rb1723895d63946de"/>
+    <p:sldLayoutId id="2147483655" r:id="R2769d646fed14575"/>
+    <p:sldLayoutId id="2147483656" r:id="R9647034c261c4141"/>
+    <p:sldLayoutId id="2147483657" r:id="R68f3df87c4374879"/>
+    <p:sldLayoutId id="2147483658" r:id="R38a1589927824189"/>
+    <p:sldLayoutId id="2147483659" r:id="R258dd7d5f1e747e8"/>
   </p:sldLayoutIdLst>
   <p:txStyles>
     <p:titleStyle>
@@ -3279,7 +3279,7 @@
             </p:xfrm>
             <a:graphic>
               <a:graphicData uri="http://schemas.microsoft.com/office/webextensions/webextension/2010/11">
-                <we:webextensionref xmlns:we="http://schemas.microsoft.com/office/webextensions/webextension/2010/11" xmlns:r="http://schemas.openxmlformats.org/officeDocument/2006/relationships" r:id="Rd275716e9cf948d8"/>
+                <we:webextensionref xmlns:we="http://schemas.microsoft.com/office/webextensions/webextension/2010/11" xmlns:r="http://schemas.openxmlformats.org/officeDocument/2006/relationships" r:id="R2c3dc01758524619"/>
               </a:graphicData>
             </a:graphic>
           </p:graphicFrame>
@@ -3291,7 +3291,7 @@
               <p:cNvPicPr/>
             </p:nvPicPr>
             <p:blipFill>
-              <a:blip xmlns:r="http://schemas.openxmlformats.org/officeDocument/2006/relationships" r:embed="R8718cbcdf6ac49a6"/>
+              <a:blip xmlns:r="http://schemas.openxmlformats.org/officeDocument/2006/relationships" r:embed="Rd6242ea5ee334f4a"/>
               <a:stretch>
                 <a:fillRect/>
               </a:stretch>
@@ -3322,11 +3322,11 @@
 </file>
 
 <file path=ppt/slides/udata/data.xml><?xml version="1.0" encoding="utf-8"?>
-<we:webextension xmlns:r="http://schemas.openxmlformats.org/officeDocument/2006/relationships" xmlns:we="http://schemas.microsoft.com/office/webextensions/webextension/2010/11" id="{02fe7e2b-b617-4faf-aa04-a0100be73428}">
+<we:webextension xmlns:r="http://schemas.openxmlformats.org/officeDocument/2006/relationships" xmlns:we="http://schemas.microsoft.com/office/webextensions/webextension/2010/11" id="{ae5f6c37-d1c4-4174-9542-f56989ca6323}">
   <we:reference id="695691ef-8f6e-4dc4-b6b9-c5a5f44499f7" version="1.0.0.0" store="developer" storeType="Registry"/>
   <we:alternateReferences/>
   <we:properties/>
   <we:bindings/>
-  <we:snapshot xmlns:r="http://schemas.openxmlformats.org/officeDocument/2006/relationships" r:embed="R8718cbcdf6ac49a6"/>
+  <we:snapshot xmlns:r="http://schemas.openxmlformats.org/officeDocument/2006/relationships" r:embed="Rd6242ea5ee334f4a"/>
 </we:webextension>
 </file>
--- a/PowerPoll/PowerPoll/bin/Debug/Presentation1.pptx
+++ b/PowerPoll/PowerPoll/bin/Debug/Presentation1.pptx
@@ -2,10 +2,10 @@
 <file path=ppt/presentation.xml><?xml version="1.0" encoding="utf-8"?>
 <p:presentation xmlns:a="http://schemas.openxmlformats.org/drawingml/2006/main" xmlns:r="http://schemas.openxmlformats.org/officeDocument/2006/relationships" xmlns:p="http://schemas.openxmlformats.org/presentationml/2006/main" saveSubsetFonts="1">
   <p:sldMasterIdLst>
-    <p:sldMasterId id="2147483648" r:id="Ra0198551c64e4660"/>
+    <p:sldMasterId id="2147483648" r:id="R0b5f17dfa8cb4468"/>
   </p:sldMasterIdLst>
   <p:sldIdLst>
-    <p:sldId id="256" r:id="R5407b29f6c1745bc"/>
+    <p:sldId id="256" r:id="Ree3b7c5a94e1461b"/>
   </p:sldIdLst>
   <p:sldSz cx="12192000" cy="6858000"/>
   <p:notesSz cx="6858000" cy="9144000"/>
@@ -2652,17 +2652,17 @@
   </p:cSld>
   <p:clrMap bg1="lt1" tx1="dk1" bg2="lt2" tx2="dk2" accent1="accent1" accent2="accent2" accent3="accent3" accent4="accent4" accent5="accent5" accent6="accent6" hlink="hlink" folHlink="folHlink"/>
   <p:sldLayoutIdLst>
-    <p:sldLayoutId id="2147483649" r:id="R0b53e279895c44fe"/>
-    <p:sldLayoutId id="2147483650" r:id="R1ac0170e836c4008"/>
-    <p:sldLayoutId id="2147483651" r:id="R1bdf9ab2d604413c"/>
-    <p:sldLayoutId id="2147483652" r:id="Re879815b9809478a"/>
-    <p:sldLayoutId id="2147483653" r:id="Re4fe50f2237e460f"/>
-    <p:sldLayoutId id="2147483654" r:id="Rb1723895d63946de"/>
-    <p:sldLayoutId id="2147483655" r:id="R2769d646fed14575"/>
-    <p:sldLayoutId id="2147483656" r:id="R9647034c261c4141"/>
-    <p:sldLayoutId id="2147483657" r:id="R68f3df87c4374879"/>
-    <p:sldLayoutId id="2147483658" r:id="R38a1589927824189"/>
-    <p:sldLayoutId id="2147483659" r:id="R258dd7d5f1e747e8"/>
+    <p:sldLayoutId id="2147483649" r:id="R4895ed68b88b4edd"/>
+    <p:sldLayoutId id="2147483650" r:id="Rf11560db1a3a42a3"/>
+    <p:sldLayoutId id="2147483651" r:id="Rfd52e56dc5c74dbf"/>
+    <p:sldLayoutId id="2147483652" r:id="R4ab0a9aae1db470a"/>
+    <p:sldLayoutId id="2147483653" r:id="Rc7131e1110b04e10"/>
+    <p:sldLayoutId id="2147483654" r:id="Rb1192a8e63e344a6"/>
+    <p:sldLayoutId id="2147483655" r:id="R2404cb114202480d"/>
+    <p:sldLayoutId id="2147483656" r:id="Rde675a138a394e6a"/>
+    <p:sldLayoutId id="2147483657" r:id="Rf37e8d1dc98a426f"/>
+    <p:sldLayoutId id="2147483658" r:id="R75b3ebd472e240dc"/>
+    <p:sldLayoutId id="2147483659" r:id="Rb330f79e45614267"/>
   </p:sldLayoutIdLst>
   <p:txStyles>
     <p:titleStyle>
@@ -3275,11 +3275,11 @@
             </p:nvGraphicFramePr>
             <p:xfrm>
               <a:off x="0" y="0"/>
-              <a:ext cx="5715000" cy="5143500"/>
+              <a:ext cx="5715000" cy="5000625"/>
             </p:xfrm>
             <a:graphic>
               <a:graphicData uri="http://schemas.microsoft.com/office/webextensions/webextension/2010/11">
-                <we:webextensionref xmlns:we="http://schemas.microsoft.com/office/webextensions/webextension/2010/11" xmlns:r="http://schemas.openxmlformats.org/officeDocument/2006/relationships" r:id="R2c3dc01758524619"/>
+                <we:webextensionref xmlns:we="http://schemas.microsoft.com/office/webextensions/webextension/2010/11" xmlns:r="http://schemas.openxmlformats.org/officeDocument/2006/relationships" r:id="R49f5158b0eff4f6a"/>
               </a:graphicData>
             </a:graphic>
           </p:graphicFrame>
@@ -3291,7 +3291,7 @@
               <p:cNvPicPr/>
             </p:nvPicPr>
             <p:blipFill>
-              <a:blip xmlns:r="http://schemas.openxmlformats.org/officeDocument/2006/relationships" r:embed="Rd6242ea5ee334f4a"/>
+              <a:blip xmlns:r="http://schemas.openxmlformats.org/officeDocument/2006/relationships" r:embed="R471de333416e4fc9"/>
               <a:stretch>
                 <a:fillRect/>
               </a:stretch>
@@ -3299,7 +3299,7 @@
             <p:spPr>
               <a:xfrm>
                 <a:off x="0" y="0"/>
-                <a:ext cx="5715000" cy="5143500"/>
+                <a:ext cx="5715000" cy="5000625"/>
               </a:xfrm>
               <a:prstGeom prst="rect">
                 <a:avLst/>
@@ -3322,11 +3322,11 @@
 </file>
 
 <file path=ppt/slides/udata/data.xml><?xml version="1.0" encoding="utf-8"?>
-<we:webextension xmlns:r="http://schemas.openxmlformats.org/officeDocument/2006/relationships" xmlns:we="http://schemas.microsoft.com/office/webextensions/webextension/2010/11" id="{ae5f6c37-d1c4-4174-9542-f56989ca6323}">
+<we:webextension xmlns:r="http://schemas.openxmlformats.org/officeDocument/2006/relationships" xmlns:we="http://schemas.microsoft.com/office/webextensions/webextension/2010/11" id="{f30358e4-77db-400b-8d49-c4ef7c029a02}">
   <we:reference id="695691ef-8f6e-4dc4-b6b9-c5a5f44499f7" version="1.0.0.0" store="developer" storeType="Registry"/>
   <we:alternateReferences/>
   <we:properties/>
   <we:bindings/>
-  <we:snapshot xmlns:r="http://schemas.openxmlformats.org/officeDocument/2006/relationships" r:embed="Rd6242ea5ee334f4a"/>
+  <we:snapshot xmlns:r="http://schemas.openxmlformats.org/officeDocument/2006/relationships" r:embed="R471de333416e4fc9"/>
 </we:webextension>
 </file>
--- a/PowerPoll/PowerPoll/bin/Debug/Presentation1.pptx
+++ b/PowerPoll/PowerPoll/bin/Debug/Presentation1.pptx
@@ -2,10 +2,10 @@
 <file path=ppt/presentation.xml><?xml version="1.0" encoding="utf-8"?>
 <p:presentation xmlns:a="http://schemas.openxmlformats.org/drawingml/2006/main" xmlns:r="http://schemas.openxmlformats.org/officeDocument/2006/relationships" xmlns:p="http://schemas.openxmlformats.org/presentationml/2006/main" saveSubsetFonts="1">
   <p:sldMasterIdLst>
-    <p:sldMasterId id="2147483648" r:id="R0b5f17dfa8cb4468"/>
+    <p:sldMasterId id="2147483648" r:id="R338399dc76074a7f"/>
   </p:sldMasterIdLst>
   <p:sldIdLst>
-    <p:sldId id="256" r:id="Ree3b7c5a94e1461b"/>
+    <p:sldId id="256" r:id="R369ffdd2c38c47a7"/>
   </p:sldIdLst>
   <p:sldSz cx="12192000" cy="6858000"/>
   <p:notesSz cx="6858000" cy="9144000"/>
@@ -2652,17 +2652,17 @@
   </p:cSld>
   <p:clrMap bg1="lt1" tx1="dk1" bg2="lt2" tx2="dk2" accent1="accent1" accent2="accent2" accent3="accent3" accent4="accent4" accent5="accent5" accent6="accent6" hlink="hlink" folHlink="folHlink"/>
   <p:sldLayoutIdLst>
-    <p:sldLayoutId id="2147483649" r:id="R4895ed68b88b4edd"/>
-    <p:sldLayoutId id="2147483650" r:id="Rf11560db1a3a42a3"/>
-    <p:sldLayoutId id="2147483651" r:id="Rfd52e56dc5c74dbf"/>
-    <p:sldLayoutId id="2147483652" r:id="R4ab0a9aae1db470a"/>
-    <p:sldLayoutId id="2147483653" r:id="Rc7131e1110b04e10"/>
-    <p:sldLayoutId id="2147483654" r:id="Rb1192a8e63e344a6"/>
-    <p:sldLayoutId id="2147483655" r:id="R2404cb114202480d"/>
-    <p:sldLayoutId id="2147483656" r:id="Rde675a138a394e6a"/>
-    <p:sldLayoutId id="2147483657" r:id="Rf37e8d1dc98a426f"/>
-    <p:sldLayoutId id="2147483658" r:id="R75b3ebd472e240dc"/>
-    <p:sldLayoutId id="2147483659" r:id="Rb330f79e45614267"/>
+    <p:sldLayoutId id="2147483649" r:id="R9f305c3b1ac14d0c"/>
+    <p:sldLayoutId id="2147483650" r:id="R77e8fb66978043f5"/>
+    <p:sldLayoutId id="2147483651" r:id="Rd1bebe74ad884fa8"/>
+    <p:sldLayoutId id="2147483652" r:id="R642ac1101f154862"/>
+    <p:sldLayoutId id="2147483653" r:id="Rdde057b73fe24272"/>
+    <p:sldLayoutId id="2147483654" r:id="Rfaf4d3e6c7214601"/>
+    <p:sldLayoutId id="2147483655" r:id="Rdf48e56d26a04d85"/>
+    <p:sldLayoutId id="2147483656" r:id="R0600d0fb4c69407c"/>
+    <p:sldLayoutId id="2147483657" r:id="Rae22efbc3e014b25"/>
+    <p:sldLayoutId id="2147483658" r:id="R5e088cdce0b548b5"/>
+    <p:sldLayoutId id="2147483659" r:id="R486bac9fe24b4287"/>
   </p:sldLayoutIdLst>
   <p:txStyles>
     <p:titleStyle>
@@ -3279,7 +3279,7 @@
             </p:xfrm>
             <a:graphic>
               <a:graphicData uri="http://schemas.microsoft.com/office/webextensions/webextension/2010/11">
-                <we:webextensionref xmlns:we="http://schemas.microsoft.com/office/webextensions/webextension/2010/11" xmlns:r="http://schemas.openxmlformats.org/officeDocument/2006/relationships" r:id="R49f5158b0eff4f6a"/>
+                <we:webextensionref xmlns:we="http://schemas.microsoft.com/office/webextensions/webextension/2010/11" xmlns:r="http://schemas.openxmlformats.org/officeDocument/2006/relationships" r:id="R7187fe2fb07d4bd8"/>
               </a:graphicData>
             </a:graphic>
           </p:graphicFrame>
@@ -3291,7 +3291,7 @@
               <p:cNvPicPr/>
             </p:nvPicPr>
             <p:blipFill>
-              <a:blip xmlns:r="http://schemas.openxmlformats.org/officeDocument/2006/relationships" r:embed="R471de333416e4fc9"/>
+              <a:blip xmlns:r="http://schemas.openxmlformats.org/officeDocument/2006/relationships" r:embed="Rbddc1a59fda64c97"/>
               <a:stretch>
                 <a:fillRect/>
               </a:stretch>
@@ -3322,11 +3322,11 @@
 </file>
 
 <file path=ppt/slides/udata/data.xml><?xml version="1.0" encoding="utf-8"?>
-<we:webextension xmlns:r="http://schemas.openxmlformats.org/officeDocument/2006/relationships" xmlns:we="http://schemas.microsoft.com/office/webextensions/webextension/2010/11" id="{f30358e4-77db-400b-8d49-c4ef7c029a02}">
+<we:webextension xmlns:r="http://schemas.openxmlformats.org/officeDocument/2006/relationships" xmlns:we="http://schemas.microsoft.com/office/webextensions/webextension/2010/11" id="{cd7bf3b7-e303-4e27-95fc-99bc464d5401}">
   <we:reference id="695691ef-8f6e-4dc4-b6b9-c5a5f44499f7" version="1.0.0.0" store="developer" storeType="Registry"/>
   <we:alternateReferences/>
   <we:properties/>
   <we:bindings/>
-  <we:snapshot xmlns:r="http://schemas.openxmlformats.org/officeDocument/2006/relationships" r:embed="R471de333416e4fc9"/>
+  <we:snapshot xmlns:r="http://schemas.openxmlformats.org/officeDocument/2006/relationships" r:embed="Rbddc1a59fda64c97"/>
 </we:webextension>
 </file>
--- a/PowerPoll/PowerPoll/bin/Debug/Presentation1.pptx
+++ b/PowerPoll/PowerPoll/bin/Debug/Presentation1.pptx
@@ -2,10 +2,10 @@
 <file path=ppt/presentation.xml><?xml version="1.0" encoding="utf-8"?>
 <p:presentation xmlns:a="http://schemas.openxmlformats.org/drawingml/2006/main" xmlns:r="http://schemas.openxmlformats.org/officeDocument/2006/relationships" xmlns:p="http://schemas.openxmlformats.org/presentationml/2006/main" saveSubsetFonts="1">
   <p:sldMasterIdLst>
-    <p:sldMasterId id="2147483648" r:id="R338399dc76074a7f"/>
+    <p:sldMasterId id="2147483648" r:id="Rd72c7daa1664488b"/>
   </p:sldMasterIdLst>
   <p:sldIdLst>
-    <p:sldId id="256" r:id="R369ffdd2c38c47a7"/>
+    <p:sldId id="256" r:id="Rc07402072120497d"/>
   </p:sldIdLst>
   <p:sldSz cx="12192000" cy="6858000"/>
   <p:notesSz cx="6858000" cy="9144000"/>
@@ -2652,17 +2652,17 @@
   </p:cSld>
   <p:clrMap bg1="lt1" tx1="dk1" bg2="lt2" tx2="dk2" accent1="accent1" accent2="accent2" accent3="accent3" accent4="accent4" accent5="accent5" accent6="accent6" hlink="hlink" folHlink="folHlink"/>
   <p:sldLayoutIdLst>
-    <p:sldLayoutId id="2147483649" r:id="R9f305c3b1ac14d0c"/>
-    <p:sldLayoutId id="2147483650" r:id="R77e8fb66978043f5"/>
-    <p:sldLayoutId id="2147483651" r:id="Rd1bebe74ad884fa8"/>
-    <p:sldLayoutId id="2147483652" r:id="R642ac1101f154862"/>
-    <p:sldLayoutId id="2147483653" r:id="Rdde057b73fe24272"/>
-    <p:sldLayoutId id="2147483654" r:id="Rfaf4d3e6c7214601"/>
-    <p:sldLayoutId id="2147483655" r:id="Rdf48e56d26a04d85"/>
-    <p:sldLayoutId id="2147483656" r:id="R0600d0fb4c69407c"/>
-    <p:sldLayoutId id="2147483657" r:id="Rae22efbc3e014b25"/>
-    <p:sldLayoutId id="2147483658" r:id="R5e088cdce0b548b5"/>
-    <p:sldLayoutId id="2147483659" r:id="R486bac9fe24b4287"/>
+    <p:sldLayoutId id="2147483649" r:id="Rbf5dd5bcd7fb4001"/>
+    <p:sldLayoutId id="2147483650" r:id="Ra2083459616f4493"/>
+    <p:sldLayoutId id="2147483651" r:id="Ra4160617e5d14ba6"/>
+    <p:sldLayoutId id="2147483652" r:id="R0c425e480c464d31"/>
+    <p:sldLayoutId id="2147483653" r:id="R224c32cfcf384313"/>
+    <p:sldLayoutId id="2147483654" r:id="Rb15d2872627949d1"/>
+    <p:sldLayoutId id="2147483655" r:id="Rb176b81791164677"/>
+    <p:sldLayoutId id="2147483656" r:id="Rfde4e012ca9b486f"/>
+    <p:sldLayoutId id="2147483657" r:id="R0261cff4a1e04a36"/>
+    <p:sldLayoutId id="2147483658" r:id="R670bd243cae14ef9"/>
+    <p:sldLayoutId id="2147483659" r:id="Rc9db7f84368d4555"/>
   </p:sldLayoutIdLst>
   <p:txStyles>
     <p:titleStyle>
@@ -3279,7 +3279,7 @@
             </p:xfrm>
             <a:graphic>
               <a:graphicData uri="http://schemas.microsoft.com/office/webextensions/webextension/2010/11">
-                <we:webextensionref xmlns:we="http://schemas.microsoft.com/office/webextensions/webextension/2010/11" xmlns:r="http://schemas.openxmlformats.org/officeDocument/2006/relationships" r:id="R7187fe2fb07d4bd8"/>
+                <we:webextensionref xmlns:we="http://schemas.microsoft.com/office/webextensions/webextension/2010/11" xmlns:r="http://schemas.openxmlformats.org/officeDocument/2006/relationships" r:id="Rec45943006e747fe"/>
               </a:graphicData>
             </a:graphic>
           </p:graphicFrame>
@@ -3291,7 +3291,7 @@
               <p:cNvPicPr/>
             </p:nvPicPr>
             <p:blipFill>
-              <a:blip xmlns:r="http://schemas.openxmlformats.org/officeDocument/2006/relationships" r:embed="Rbddc1a59fda64c97"/>
+              <a:blip xmlns:r="http://schemas.openxmlformats.org/officeDocument/2006/relationships" r:embed="Rb999571480c94b93"/>
               <a:stretch>
                 <a:fillRect/>
               </a:stretch>
@@ -3322,11 +3322,11 @@
 </file>
 
 <file path=ppt/slides/udata/data.xml><?xml version="1.0" encoding="utf-8"?>
-<we:webextension xmlns:r="http://schemas.openxmlformats.org/officeDocument/2006/relationships" xmlns:we="http://schemas.microsoft.com/office/webextensions/webextension/2010/11" id="{cd7bf3b7-e303-4e27-95fc-99bc464d5401}">
+<we:webextension xmlns:r="http://schemas.openxmlformats.org/officeDocument/2006/relationships" xmlns:we="http://schemas.microsoft.com/office/webextensions/webextension/2010/11" id="{46864175-d13f-44c5-862f-f261be75698c}">
   <we:reference id="695691ef-8f6e-4dc4-b6b9-c5a5f44499f7" version="1.0.0.0" store="developer" storeType="Registry"/>
   <we:alternateReferences/>
   <we:properties/>
   <we:bindings/>
-  <we:snapshot xmlns:r="http://schemas.openxmlformats.org/officeDocument/2006/relationships" r:embed="Rbddc1a59fda64c97"/>
+  <we:snapshot xmlns:r="http://schemas.openxmlformats.org/officeDocument/2006/relationships" r:embed="Rb999571480c94b93"/>
 </we:webextension>
 </file>
--- a/PowerPoll/PowerPoll/bin/Debug/Presentation1.pptx
+++ b/PowerPoll/PowerPoll/bin/Debug/Presentation1.pptx
@@ -2,10 +2,10 @@
 <file path=ppt/presentation.xml><?xml version="1.0" encoding="utf-8"?>
 <p:presentation xmlns:a="http://schemas.openxmlformats.org/drawingml/2006/main" xmlns:r="http://schemas.openxmlformats.org/officeDocument/2006/relationships" xmlns:p="http://schemas.openxmlformats.org/presentationml/2006/main" saveSubsetFonts="1">
   <p:sldMasterIdLst>
-    <p:sldMasterId id="2147483648" r:id="Rd72c7daa1664488b"/>
+    <p:sldMasterId id="2147483648" r:id="R5e6c3376da7041f7"/>
   </p:sldMasterIdLst>
   <p:sldIdLst>
-    <p:sldId id="256" r:id="Rc07402072120497d"/>
+    <p:sldId id="256" r:id="Rcdef9deca5a04a3d"/>
   </p:sldIdLst>
   <p:sldSz cx="12192000" cy="6858000"/>
   <p:notesSz cx="6858000" cy="9144000"/>
@@ -2652,17 +2652,17 @@
   </p:cSld>
   <p:clrMap bg1="lt1" tx1="dk1" bg2="lt2" tx2="dk2" accent1="accent1" accent2="accent2" accent3="accent3" accent4="accent4" accent5="accent5" accent6="accent6" hlink="hlink" folHlink="folHlink"/>
   <p:sldLayoutIdLst>
-    <p:sldLayoutId id="2147483649" r:id="Rbf5dd5bcd7fb4001"/>
-    <p:sldLayoutId id="2147483650" r:id="Ra2083459616f4493"/>
-    <p:sldLayoutId id="2147483651" r:id="Ra4160617e5d14ba6"/>
-    <p:sldLayoutId id="2147483652" r:id="R0c425e480c464d31"/>
-    <p:sldLayoutId id="2147483653" r:id="R224c32cfcf384313"/>
-    <p:sldLayoutId id="2147483654" r:id="Rb15d2872627949d1"/>
-    <p:sldLayoutId id="2147483655" r:id="Rb176b81791164677"/>
-    <p:sldLayoutId id="2147483656" r:id="Rfde4e012ca9b486f"/>
-    <p:sldLayoutId id="2147483657" r:id="R0261cff4a1e04a36"/>
-    <p:sldLayoutId id="2147483658" r:id="R670bd243cae14ef9"/>
-    <p:sldLayoutId id="2147483659" r:id="Rc9db7f84368d4555"/>
+    <p:sldLayoutId id="2147483649" r:id="Rebc1d58bd67749a1"/>
+    <p:sldLayoutId id="2147483650" r:id="R15dc4133cd8e4020"/>
+    <p:sldLayoutId id="2147483651" r:id="Ra95a998b1cc34633"/>
+    <p:sldLayoutId id="2147483652" r:id="R48d0ca036e124289"/>
+    <p:sldLayoutId id="2147483653" r:id="R03db8c4aac4641b7"/>
+    <p:sldLayoutId id="2147483654" r:id="R149ad1d2a0114705"/>
+    <p:sldLayoutId id="2147483655" r:id="Reb0d1622f5284c08"/>
+    <p:sldLayoutId id="2147483656" r:id="Rcdd0a18d8e344865"/>
+    <p:sldLayoutId id="2147483657" r:id="Reaaabd789aea44e9"/>
+    <p:sldLayoutId id="2147483658" r:id="Rc93a369c5c914bc6"/>
+    <p:sldLayoutId id="2147483659" r:id="R96c3bf0316304ecd"/>
   </p:sldLayoutIdLst>
   <p:txStyles>
     <p:titleStyle>
@@ -3279,7 +3279,7 @@
             </p:xfrm>
             <a:graphic>
               <a:graphicData uri="http://schemas.microsoft.com/office/webextensions/webextension/2010/11">
-                <we:webextensionref xmlns:we="http://schemas.microsoft.com/office/webextensions/webextension/2010/11" xmlns:r="http://schemas.openxmlformats.org/officeDocument/2006/relationships" r:id="Rec45943006e747fe"/>
+                <we:webextensionref xmlns:we="http://schemas.microsoft.com/office/webextensions/webextension/2010/11" xmlns:r="http://schemas.openxmlformats.org/officeDocument/2006/relationships" r:id="R925144a14d764b12"/>
               </a:graphicData>
             </a:graphic>
           </p:graphicFrame>
@@ -3291,7 +3291,7 @@
               <p:cNvPicPr/>
             </p:nvPicPr>
             <p:blipFill>
-              <a:blip xmlns:r="http://schemas.openxmlformats.org/officeDocument/2006/relationships" r:embed="Rb999571480c94b93"/>
+              <a:blip xmlns:r="http://schemas.openxmlformats.org/officeDocument/2006/relationships" r:embed="Rec1c3ed0d80a46a7"/>
               <a:stretch>
                 <a:fillRect/>
               </a:stretch>
@@ -3322,11 +3322,11 @@
 </file>
 
 <file path=ppt/slides/udata/data.xml><?xml version="1.0" encoding="utf-8"?>
-<we:webextension xmlns:r="http://schemas.openxmlformats.org/officeDocument/2006/relationships" xmlns:we="http://schemas.microsoft.com/office/webextensions/webextension/2010/11" id="{46864175-d13f-44c5-862f-f261be75698c}">
+<we:webextension xmlns:r="http://schemas.openxmlformats.org/officeDocument/2006/relationships" xmlns:we="http://schemas.microsoft.com/office/webextensions/webextension/2010/11" id="{310c7a4b-75da-486c-8c5e-82d5df48a072}">
   <we:reference id="695691ef-8f6e-4dc4-b6b9-c5a5f44499f7" version="1.0.0.0" store="developer" storeType="Registry"/>
   <we:alternateReferences/>
   <we:properties/>
   <we:bindings/>
-  <we:snapshot xmlns:r="http://schemas.openxmlformats.org/officeDocument/2006/relationships" r:embed="Rb999571480c94b93"/>
+  <we:snapshot xmlns:r="http://schemas.openxmlformats.org/officeDocument/2006/relationships" r:embed="Rec1c3ed0d80a46a7"/>
 </we:webextension>
 </file>
--- a/PowerPoll/PowerPoll/bin/Debug/Presentation1.pptx
+++ b/PowerPoll/PowerPoll/bin/Debug/Presentation1.pptx
@@ -2,10 +2,10 @@
 <file path=ppt/presentation.xml><?xml version="1.0" encoding="utf-8"?>
 <p:presentation xmlns:a="http://schemas.openxmlformats.org/drawingml/2006/main" xmlns:r="http://schemas.openxmlformats.org/officeDocument/2006/relationships" xmlns:p="http://schemas.openxmlformats.org/presentationml/2006/main" saveSubsetFonts="1">
   <p:sldMasterIdLst>
-    <p:sldMasterId id="2147483648" r:id="R5e6c3376da7041f7"/>
+    <p:sldMasterId id="2147483648" r:id="R4942ab731d084bdf"/>
   </p:sldMasterIdLst>
   <p:sldIdLst>
-    <p:sldId id="256" r:id="Rcdef9deca5a04a3d"/>
+    <p:sldId id="256" r:id="Re77851ec60384a5c"/>
   </p:sldIdLst>
   <p:sldSz cx="12192000" cy="6858000"/>
   <p:notesSz cx="6858000" cy="9144000"/>
@@ -2652,17 +2652,17 @@
   </p:cSld>
   <p:clrMap bg1="lt1" tx1="dk1" bg2="lt2" tx2="dk2" accent1="accent1" accent2="accent2" accent3="accent3" accent4="accent4" accent5="accent5" accent6="accent6" hlink="hlink" folHlink="folHlink"/>
   <p:sldLayoutIdLst>
-    <p:sldLayoutId id="2147483649" r:id="Rebc1d58bd67749a1"/>
-    <p:sldLayoutId id="2147483650" r:id="R15dc4133cd8e4020"/>
-    <p:sldLayoutId id="2147483651" r:id="Ra95a998b1cc34633"/>
-    <p:sldLayoutId id="2147483652" r:id="R48d0ca036e124289"/>
-    <p:sldLayoutId id="2147483653" r:id="R03db8c4aac4641b7"/>
-    <p:sldLayoutId id="2147483654" r:id="R149ad1d2a0114705"/>
-    <p:sldLayoutId id="2147483655" r:id="Reb0d1622f5284c08"/>
-    <p:sldLayoutId id="2147483656" r:id="Rcdd0a18d8e344865"/>
-    <p:sldLayoutId id="2147483657" r:id="Reaaabd789aea44e9"/>
-    <p:sldLayoutId id="2147483658" r:id="Rc93a369c5c914bc6"/>
-    <p:sldLayoutId id="2147483659" r:id="R96c3bf0316304ecd"/>
+    <p:sldLayoutId id="2147483649" r:id="R55a026e85bf24d9f"/>
+    <p:sldLayoutId id="2147483650" r:id="Rb8c0c0e9ded34dba"/>
+    <p:sldLayoutId id="2147483651" r:id="Rea24d4e89f7b497a"/>
+    <p:sldLayoutId id="2147483652" r:id="Rcb4e357b37664968"/>
+    <p:sldLayoutId id="2147483653" r:id="Radb67cf3fd654408"/>
+    <p:sldLayoutId id="2147483654" r:id="Rf77faa883aea4e4d"/>
+    <p:sldLayoutId id="2147483655" r:id="R6d887feafc6649e4"/>
+    <p:sldLayoutId id="2147483656" r:id="R9af9678cbe94418f"/>
+    <p:sldLayoutId id="2147483657" r:id="R3a035915e8e94562"/>
+    <p:sldLayoutId id="2147483658" r:id="R7100181eb9ab41c8"/>
+    <p:sldLayoutId id="2147483659" r:id="Rfddf757b427044bf"/>
   </p:sldLayoutIdLst>
   <p:txStyles>
     <p:titleStyle>
@@ -3279,7 +3279,7 @@
             </p:xfrm>
             <a:graphic>
               <a:graphicData uri="http://schemas.microsoft.com/office/webextensions/webextension/2010/11">
-                <we:webextensionref xmlns:we="http://schemas.microsoft.com/office/webextensions/webextension/2010/11" xmlns:r="http://schemas.openxmlformats.org/officeDocument/2006/relationships" r:id="R925144a14d764b12"/>
+                <we:webextensionref xmlns:we="http://schemas.microsoft.com/office/webextensions/webextension/2010/11" xmlns:r="http://schemas.openxmlformats.org/officeDocument/2006/relationships" r:id="R9fe42b131aee49b4"/>
               </a:graphicData>
             </a:graphic>
           </p:graphicFrame>
@@ -3291,7 +3291,7 @@
               <p:cNvPicPr/>
             </p:nvPicPr>
             <p:blipFill>
-              <a:blip xmlns:r="http://schemas.openxmlformats.org/officeDocument/2006/relationships" r:embed="Rec1c3ed0d80a46a7"/>
+              <a:blip xmlns:r="http://schemas.openxmlformats.org/officeDocument/2006/relationships" r:embed="R2365eb24df5f4765"/>
               <a:stretch>
                 <a:fillRect/>
               </a:stretch>
@@ -3322,11 +3322,11 @@
 </file>
 
 <file path=ppt/slides/udata/data.xml><?xml version="1.0" encoding="utf-8"?>
-<we:webextension xmlns:r="http://schemas.openxmlformats.org/officeDocument/2006/relationships" xmlns:we="http://schemas.microsoft.com/office/webextensions/webextension/2010/11" id="{310c7a4b-75da-486c-8c5e-82d5df48a072}">
+<we:webextension xmlns:r="http://schemas.openxmlformats.org/officeDocument/2006/relationships" xmlns:we="http://schemas.microsoft.com/office/webextensions/webextension/2010/11" id="{dbbe26ed-e8f8-416f-968f-8f0607caf761}">
   <we:reference id="695691ef-8f6e-4dc4-b6b9-c5a5f44499f7" version="1.0.0.0" store="developer" storeType="Registry"/>
   <we:alternateReferences/>
   <we:properties/>
   <we:bindings/>
-  <we:snapshot xmlns:r="http://schemas.openxmlformats.org/officeDocument/2006/relationships" r:embed="Rec1c3ed0d80a46a7"/>
+  <we:snapshot xmlns:r="http://schemas.openxmlformats.org/officeDocument/2006/relationships" r:embed="R2365eb24df5f4765"/>
 </we:webextension>
 </file>
--- a/PowerPoll/PowerPoll/bin/Debug/Presentation1.pptx
+++ b/PowerPoll/PowerPoll/bin/Debug/Presentation1.pptx
@@ -2,10 +2,10 @@
 <file path=ppt/presentation.xml><?xml version="1.0" encoding="utf-8"?>
 <p:presentation xmlns:a="http://schemas.openxmlformats.org/drawingml/2006/main" xmlns:r="http://schemas.openxmlformats.org/officeDocument/2006/relationships" xmlns:p="http://schemas.openxmlformats.org/presentationml/2006/main" saveSubsetFonts="1">
   <p:sldMasterIdLst>
-    <p:sldMasterId id="2147483648" r:id="R4942ab731d084bdf"/>
+    <p:sldMasterId id="2147483648" r:id="R09e310e414dc46bd"/>
   </p:sldMasterIdLst>
   <p:sldIdLst>
-    <p:sldId id="256" r:id="Re77851ec60384a5c"/>
+    <p:sldId id="256" r:id="Rf09d43cf83d24810"/>
   </p:sldIdLst>
   <p:sldSz cx="12192000" cy="6858000"/>
   <p:notesSz cx="6858000" cy="9144000"/>
@@ -2652,17 +2652,17 @@
   </p:cSld>
   <p:clrMap bg1="lt1" tx1="dk1" bg2="lt2" tx2="dk2" accent1="accent1" accent2="accent2" accent3="accent3" accent4="accent4" accent5="accent5" accent6="accent6" hlink="hlink" folHlink="folHlink"/>
   <p:sldLayoutIdLst>
-    <p:sldLayoutId id="2147483649" r:id="R55a026e85bf24d9f"/>
-    <p:sldLayoutId id="2147483650" r:id="Rb8c0c0e9ded34dba"/>
-    <p:sldLayoutId id="2147483651" r:id="Rea24d4e89f7b497a"/>
-    <p:sldLayoutId id="2147483652" r:id="Rcb4e357b37664968"/>
-    <p:sldLayoutId id="2147483653" r:id="Radb67cf3fd654408"/>
-    <p:sldLayoutId id="2147483654" r:id="Rf77faa883aea4e4d"/>
-    <p:sldLayoutId id="2147483655" r:id="R6d887feafc6649e4"/>
-    <p:sldLayoutId id="2147483656" r:id="R9af9678cbe94418f"/>
-    <p:sldLayoutId id="2147483657" r:id="R3a035915e8e94562"/>
-    <p:sldLayoutId id="2147483658" r:id="R7100181eb9ab41c8"/>
-    <p:sldLayoutId id="2147483659" r:id="Rfddf757b427044bf"/>
+    <p:sldLayoutId id="2147483649" r:id="R00e44b7eedab4103"/>
+    <p:sldLayoutId id="2147483650" r:id="R96b7ab38a02f480a"/>
+    <p:sldLayoutId id="2147483651" r:id="Rb9228ca8e5a2491c"/>
+    <p:sldLayoutId id="2147483652" r:id="Ra7f99e473ac24166"/>
+    <p:sldLayoutId id="2147483653" r:id="R01f335ad4c51444b"/>
+    <p:sldLayoutId id="2147483654" r:id="R420a57a1ed9a44dd"/>
+    <p:sldLayoutId id="2147483655" r:id="R4557879f422a4576"/>
+    <p:sldLayoutId id="2147483656" r:id="R547535dd0bb344fd"/>
+    <p:sldLayoutId id="2147483657" r:id="R1e0bb99c80a14a02"/>
+    <p:sldLayoutId id="2147483658" r:id="R7f679dba29194af2"/>
+    <p:sldLayoutId id="2147483659" r:id="R910ab7d8ab2e4033"/>
   </p:sldLayoutIdLst>
   <p:txStyles>
     <p:titleStyle>
@@ -3279,7 +3279,7 @@
             </p:xfrm>
             <a:graphic>
               <a:graphicData uri="http://schemas.microsoft.com/office/webextensions/webextension/2010/11">
-                <we:webextensionref xmlns:we="http://schemas.microsoft.com/office/webextensions/webextension/2010/11" xmlns:r="http://schemas.openxmlformats.org/officeDocument/2006/relationships" r:id="R9fe42b131aee49b4"/>
+                <we:webextensionref xmlns:we="http://schemas.microsoft.com/office/webextensions/webextension/2010/11" xmlns:r="http://schemas.openxmlformats.org/officeDocument/2006/relationships" r:id="R97dcb41b46e84c54"/>
               </a:graphicData>
             </a:graphic>
           </p:graphicFrame>
@@ -3291,7 +3291,7 @@
               <p:cNvPicPr/>
             </p:nvPicPr>
             <p:blipFill>
-              <a:blip xmlns:r="http://schemas.openxmlformats.org/officeDocument/2006/relationships" r:embed="R2365eb24df5f4765"/>
+              <a:blip xmlns:r="http://schemas.openxmlformats.org/officeDocument/2006/relationships" r:embed="R99d2e14e441b44ba"/>
               <a:stretch>
                 <a:fillRect/>
               </a:stretch>
@@ -3322,11 +3322,11 @@
 </file>
 
 <file path=ppt/slides/udata/data.xml><?xml version="1.0" encoding="utf-8"?>
-<we:webextension xmlns:r="http://schemas.openxmlformats.org/officeDocument/2006/relationships" xmlns:we="http://schemas.microsoft.com/office/webextensions/webextension/2010/11" id="{dbbe26ed-e8f8-416f-968f-8f0607caf761}">
+<we:webextension xmlns:r="http://schemas.openxmlformats.org/officeDocument/2006/relationships" xmlns:we="http://schemas.microsoft.com/office/webextensions/webextension/2010/11" id="{b6a4104b-d20c-42f4-92a4-500b9531a3b1}">
   <we:reference id="695691ef-8f6e-4dc4-b6b9-c5a5f44499f7" version="1.0.0.0" store="developer" storeType="Registry"/>
   <we:alternateReferences/>
   <we:properties/>
   <we:bindings/>
-  <we:snapshot xmlns:r="http://schemas.openxmlformats.org/officeDocument/2006/relationships" r:embed="R2365eb24df5f4765"/>
+  <we:snapshot xmlns:r="http://schemas.openxmlformats.org/officeDocument/2006/relationships" r:embed="R99d2e14e441b44ba"/>
 </we:webextension>
 </file>
--- a/PowerPoll/PowerPoll/bin/Debug/Presentation1.pptx
+++ b/PowerPoll/PowerPoll/bin/Debug/Presentation1.pptx
@@ -2,10 +2,10 @@
 <file path=ppt/presentation.xml><?xml version="1.0" encoding="utf-8"?>
 <p:presentation xmlns:a="http://schemas.openxmlformats.org/drawingml/2006/main" xmlns:r="http://schemas.openxmlformats.org/officeDocument/2006/relationships" xmlns:p="http://schemas.openxmlformats.org/presentationml/2006/main" saveSubsetFonts="1">
   <p:sldMasterIdLst>
-    <p:sldMasterId id="2147483648" r:id="R09e310e414dc46bd"/>
+    <p:sldMasterId id="2147483648" r:id="Rb980210a609641f7"/>
   </p:sldMasterIdLst>
   <p:sldIdLst>
-    <p:sldId id="256" r:id="Rf09d43cf83d24810"/>
+    <p:sldId id="256" r:id="R13b5ab47f6b243fb"/>
   </p:sldIdLst>
   <p:sldSz cx="12192000" cy="6858000"/>
   <p:notesSz cx="6858000" cy="9144000"/>
@@ -2652,17 +2652,17 @@
   </p:cSld>
   <p:clrMap bg1="lt1" tx1="dk1" bg2="lt2" tx2="dk2" accent1="accent1" accent2="accent2" accent3="accent3" accent4="accent4" accent5="accent5" accent6="accent6" hlink="hlink" folHlink="folHlink"/>
   <p:sldLayoutIdLst>
-    <p:sldLayoutId id="2147483649" r:id="R00e44b7eedab4103"/>
-    <p:sldLayoutId id="2147483650" r:id="R96b7ab38a02f480a"/>
-    <p:sldLayoutId id="2147483651" r:id="Rb9228ca8e5a2491c"/>
-    <p:sldLayoutId id="2147483652" r:id="Ra7f99e473ac24166"/>
-    <p:sldLayoutId id="2147483653" r:id="R01f335ad4c51444b"/>
-    <p:sldLayoutId id="2147483654" r:id="R420a57a1ed9a44dd"/>
-    <p:sldLayoutId id="2147483655" r:id="R4557879f422a4576"/>
-    <p:sldLayoutId id="2147483656" r:id="R547535dd0bb344fd"/>
-    <p:sldLayoutId id="2147483657" r:id="R1e0bb99c80a14a02"/>
-    <p:sldLayoutId id="2147483658" r:id="R7f679dba29194af2"/>
-    <p:sldLayoutId id="2147483659" r:id="R910ab7d8ab2e4033"/>
+    <p:sldLayoutId id="2147483649" r:id="R6374713375924874"/>
+    <p:sldLayoutId id="2147483650" r:id="R273995706c634c7d"/>
+    <p:sldLayoutId id="2147483651" r:id="R68f34561c504426e"/>
+    <p:sldLayoutId id="2147483652" r:id="R3c41de3964c241ea"/>
+    <p:sldLayoutId id="2147483653" r:id="R42b5f03bedfb4737"/>
+    <p:sldLayoutId id="2147483654" r:id="Rd7a343cae17e48fa"/>
+    <p:sldLayoutId id="2147483655" r:id="R14632c69e7d643cd"/>
+    <p:sldLayoutId id="2147483656" r:id="R4904ff61acb848cd"/>
+    <p:sldLayoutId id="2147483657" r:id="R66fe4bde31ff4346"/>
+    <p:sldLayoutId id="2147483658" r:id="R4612676325414311"/>
+    <p:sldLayoutId id="2147483659" r:id="R13281149c021476f"/>
   </p:sldLayoutIdLst>
   <p:txStyles>
     <p:titleStyle>
@@ -3279,7 +3279,7 @@
             </p:xfrm>
             <a:graphic>
               <a:graphicData uri="http://schemas.microsoft.com/office/webextensions/webextension/2010/11">
-                <we:webextensionref xmlns:we="http://schemas.microsoft.com/office/webextensions/webextension/2010/11" xmlns:r="http://schemas.openxmlformats.org/officeDocument/2006/relationships" r:id="R97dcb41b46e84c54"/>
+                <we:webextensionref xmlns:we="http://schemas.microsoft.com/office/webextensions/webextension/2010/11" xmlns:r="http://schemas.openxmlformats.org/officeDocument/2006/relationships" r:id="R1843fae7d5a5494f"/>
               </a:graphicData>
             </a:graphic>
           </p:graphicFrame>
@@ -3291,7 +3291,7 @@
               <p:cNvPicPr/>
             </p:nvPicPr>
             <p:blipFill>
-              <a:blip xmlns:r="http://schemas.openxmlformats.org/officeDocument/2006/relationships" r:embed="R99d2e14e441b44ba"/>
+              <a:blip xmlns:r="http://schemas.openxmlformats.org/officeDocument/2006/relationships" r:embed="Rde4a4ab3614449cc"/>
               <a:stretch>
                 <a:fillRect/>
               </a:stretch>
@@ -3322,11 +3322,11 @@
 </file>
 
 <file path=ppt/slides/udata/data.xml><?xml version="1.0" encoding="utf-8"?>
-<we:webextension xmlns:r="http://schemas.openxmlformats.org/officeDocument/2006/relationships" xmlns:we="http://schemas.microsoft.com/office/webextensions/webextension/2010/11" id="{b6a4104b-d20c-42f4-92a4-500b9531a3b1}">
+<we:webextension xmlns:r="http://schemas.openxmlformats.org/officeDocument/2006/relationships" xmlns:we="http://schemas.microsoft.com/office/webextensions/webextension/2010/11" id="{6cd65b9a-e140-465d-9f3c-4d443c7c83c4}">
   <we:reference id="695691ef-8f6e-4dc4-b6b9-c5a5f44499f7" version="1.0.0.0" store="developer" storeType="Registry"/>
   <we:alternateReferences/>
   <we:properties/>
   <we:bindings/>
-  <we:snapshot xmlns:r="http://schemas.openxmlformats.org/officeDocument/2006/relationships" r:embed="R99d2e14e441b44ba"/>
+  <we:snapshot xmlns:r="http://schemas.openxmlformats.org/officeDocument/2006/relationships" r:embed="Rde4a4ab3614449cc"/>
 </we:webextension>
 </file>
--- a/PowerPoll/PowerPoll/bin/Debug/Presentation1.pptx
+++ b/PowerPoll/PowerPoll/bin/Debug/Presentation1.pptx
@@ -2,10 +2,10 @@
 <file path=ppt/presentation.xml><?xml version="1.0" encoding="utf-8"?>
 <p:presentation xmlns:a="http://schemas.openxmlformats.org/drawingml/2006/main" xmlns:r="http://schemas.openxmlformats.org/officeDocument/2006/relationships" xmlns:p="http://schemas.openxmlformats.org/presentationml/2006/main" saveSubsetFonts="1">
   <p:sldMasterIdLst>
-    <p:sldMasterId id="2147483648" r:id="Rb980210a609641f7"/>
+    <p:sldMasterId id="2147483648" r:id="R98059402dffe47ec"/>
   </p:sldMasterIdLst>
   <p:sldIdLst>
-    <p:sldId id="256" r:id="R13b5ab47f6b243fb"/>
+    <p:sldId id="256" r:id="R172e66274d37482a"/>
   </p:sldIdLst>
   <p:sldSz cx="12192000" cy="6858000"/>
   <p:notesSz cx="6858000" cy="9144000"/>
@@ -2652,17 +2652,17 @@
   </p:cSld>
   <p:clrMap bg1="lt1" tx1="dk1" bg2="lt2" tx2="dk2" accent1="accent1" accent2="accent2" accent3="accent3" accent4="accent4" accent5="accent5" accent6="accent6" hlink="hlink" folHlink="folHlink"/>
   <p:sldLayoutIdLst>
-    <p:sldLayoutId id="2147483649" r:id="R6374713375924874"/>
-    <p:sldLayoutId id="2147483650" r:id="R273995706c634c7d"/>
-    <p:sldLayoutId id="2147483651" r:id="R68f34561c504426e"/>
-    <p:sldLayoutId id="2147483652" r:id="R3c41de3964c241ea"/>
-    <p:sldLayoutId id="2147483653" r:id="R42b5f03bedfb4737"/>
-    <p:sldLayoutId id="2147483654" r:id="Rd7a343cae17e48fa"/>
-    <p:sldLayoutId id="2147483655" r:id="R14632c69e7d643cd"/>
-    <p:sldLayoutId id="2147483656" r:id="R4904ff61acb848cd"/>
-    <p:sldLayoutId id="2147483657" r:id="R66fe4bde31ff4346"/>
-    <p:sldLayoutId id="2147483658" r:id="R4612676325414311"/>
-    <p:sldLayoutId id="2147483659" r:id="R13281149c021476f"/>
+    <p:sldLayoutId id="2147483649" r:id="R5b48d42effd44b2d"/>
+    <p:sldLayoutId id="2147483650" r:id="Rb7884ff27a6b44fd"/>
+    <p:sldLayoutId id="2147483651" r:id="R0510837e309244ee"/>
+    <p:sldLayoutId id="2147483652" r:id="Rc67e43ef6a1842ac"/>
+    <p:sldLayoutId id="2147483653" r:id="R0dc281fabc334d93"/>
+    <p:sldLayoutId id="2147483654" r:id="R536fd32db0444e7d"/>
+    <p:sldLayoutId id="2147483655" r:id="R8d690ac30eb74c1e"/>
+    <p:sldLayoutId id="2147483656" r:id="Rb50956895f9b4531"/>
+    <p:sldLayoutId id="2147483657" r:id="R6b5ed3a890e54824"/>
+    <p:sldLayoutId id="2147483658" r:id="Rae00385d3590471f"/>
+    <p:sldLayoutId id="2147483659" r:id="R4b34097ab317400f"/>
   </p:sldLayoutIdLst>
   <p:txStyles>
     <p:titleStyle>
@@ -3279,7 +3279,7 @@
             </p:xfrm>
             <a:graphic>
               <a:graphicData uri="http://schemas.microsoft.com/office/webextensions/webextension/2010/11">
-                <we:webextensionref xmlns:we="http://schemas.microsoft.com/office/webextensions/webextension/2010/11" xmlns:r="http://schemas.openxmlformats.org/officeDocument/2006/relationships" r:id="R1843fae7d5a5494f"/>
+                <we:webextensionref xmlns:we="http://schemas.microsoft.com/office/webextensions/webextension/2010/11" xmlns:r="http://schemas.openxmlformats.org/officeDocument/2006/relationships" r:id="R82f0d8232f364cba"/>
               </a:graphicData>
             </a:graphic>
           </p:graphicFrame>
@@ -3291,7 +3291,7 @@
               <p:cNvPicPr/>
             </p:nvPicPr>
             <p:blipFill>
-              <a:blip xmlns:r="http://schemas.openxmlformats.org/officeDocument/2006/relationships" r:embed="Rde4a4ab3614449cc"/>
+              <a:blip xmlns:r="http://schemas.openxmlformats.org/officeDocument/2006/relationships" r:embed="R1e13ba3751cd4439"/>
               <a:stretch>
                 <a:fillRect/>
               </a:stretch>
@@ -3322,11 +3322,11 @@
 </file>
 
 <file path=ppt/slides/udata/data.xml><?xml version="1.0" encoding="utf-8"?>
-<we:webextension xmlns:r="http://schemas.openxmlformats.org/officeDocument/2006/relationships" xmlns:we="http://schemas.microsoft.com/office/webextensions/webextension/2010/11" id="{6cd65b9a-e140-465d-9f3c-4d443c7c83c4}">
+<we:webextension xmlns:r="http://schemas.openxmlformats.org/officeDocument/2006/relationships" xmlns:we="http://schemas.microsoft.com/office/webextensions/webextension/2010/11" id="{d1020b15-c8de-4b05-b613-4be09e63dea2}">
   <we:reference id="695691ef-8f6e-4dc4-b6b9-c5a5f44499f7" version="1.0.0.0" store="developer" storeType="Registry"/>
   <we:alternateReferences/>
   <we:properties/>
   <we:bindings/>
-  <we:snapshot xmlns:r="http://schemas.openxmlformats.org/officeDocument/2006/relationships" r:embed="Rde4a4ab3614449cc"/>
+  <we:snapshot xmlns:r="http://schemas.openxmlformats.org/officeDocument/2006/relationships" r:embed="R1e13ba3751cd4439"/>
 </we:webextension>
 </file>
--- a/PowerPoll/PowerPoll/bin/Debug/Presentation1.pptx
+++ b/PowerPoll/PowerPoll/bin/Debug/Presentation1.pptx
@@ -2,10 +2,10 @@
 <file path=ppt/presentation.xml><?xml version="1.0" encoding="utf-8"?>
 <p:presentation xmlns:a="http://schemas.openxmlformats.org/drawingml/2006/main" xmlns:r="http://schemas.openxmlformats.org/officeDocument/2006/relationships" xmlns:p="http://schemas.openxmlformats.org/presentationml/2006/main" saveSubsetFonts="1">
   <p:sldMasterIdLst>
-    <p:sldMasterId id="2147483648" r:id="R98059402dffe47ec"/>
+    <p:sldMasterId id="2147483648" r:id="Rebe7d18013da4564"/>
   </p:sldMasterIdLst>
   <p:sldIdLst>
-    <p:sldId id="256" r:id="R172e66274d37482a"/>
+    <p:sldId id="256" r:id="R9764ac4281a345e2"/>
   </p:sldIdLst>
   <p:sldSz cx="12192000" cy="6858000"/>
   <p:notesSz cx="6858000" cy="9144000"/>
@@ -2652,17 +2652,17 @@
   </p:cSld>
   <p:clrMap bg1="lt1" tx1="dk1" bg2="lt2" tx2="dk2" accent1="accent1" accent2="accent2" accent3="accent3" accent4="accent4" accent5="accent5" accent6="accent6" hlink="hlink" folHlink="folHlink"/>
   <p:sldLayoutIdLst>
-    <p:sldLayoutId id="2147483649" r:id="R5b48d42effd44b2d"/>
-    <p:sldLayoutId id="2147483650" r:id="Rb7884ff27a6b44fd"/>
-    <p:sldLayoutId id="2147483651" r:id="R0510837e309244ee"/>
-    <p:sldLayoutId id="2147483652" r:id="Rc67e43ef6a1842ac"/>
-    <p:sldLayoutId id="2147483653" r:id="R0dc281fabc334d93"/>
-    <p:sldLayoutId id="2147483654" r:id="R536fd32db0444e7d"/>
-    <p:sldLayoutId id="2147483655" r:id="R8d690ac30eb74c1e"/>
-    <p:sldLayoutId id="2147483656" r:id="Rb50956895f9b4531"/>
-    <p:sldLayoutId id="2147483657" r:id="R6b5ed3a890e54824"/>
-    <p:sldLayoutId id="2147483658" r:id="Rae00385d3590471f"/>
-    <p:sldLayoutId id="2147483659" r:id="R4b34097ab317400f"/>
+    <p:sldLayoutId id="2147483649" r:id="R4679573db3ab4160"/>
+    <p:sldLayoutId id="2147483650" r:id="R4f40c768936744be"/>
+    <p:sldLayoutId id="2147483651" r:id="Rfc47dda2a4534c15"/>
+    <p:sldLayoutId id="2147483652" r:id="Raa79e502904c4211"/>
+    <p:sldLayoutId id="2147483653" r:id="R273a5d4c161e4417"/>
+    <p:sldLayoutId id="2147483654" r:id="R17025f219c244003"/>
+    <p:sldLayoutId id="2147483655" r:id="Rdeb090958aaa4900"/>
+    <p:sldLayoutId id="2147483656" r:id="Rb0d381fb5586411a"/>
+    <p:sldLayoutId id="2147483657" r:id="R9ca1a48d59b94576"/>
+    <p:sldLayoutId id="2147483658" r:id="R926f226cdb794e05"/>
+    <p:sldLayoutId id="2147483659" r:id="R1e240f99ab4f466e"/>
   </p:sldLayoutIdLst>
   <p:txStyles>
     <p:titleStyle>
@@ -3279,7 +3279,7 @@
             </p:xfrm>
             <a:graphic>
               <a:graphicData uri="http://schemas.microsoft.com/office/webextensions/webextension/2010/11">
-                <we:webextensionref xmlns:we="http://schemas.microsoft.com/office/webextensions/webextension/2010/11" xmlns:r="http://schemas.openxmlformats.org/officeDocument/2006/relationships" r:id="R82f0d8232f364cba"/>
+                <we:webextensionref xmlns:we="http://schemas.microsoft.com/office/webextensions/webextension/2010/11" xmlns:r="http://schemas.openxmlformats.org/officeDocument/2006/relationships" r:id="R9a2242c7a6784fa7"/>
               </a:graphicData>
             </a:graphic>
           </p:graphicFrame>
@@ -3291,7 +3291,7 @@
               <p:cNvPicPr/>
             </p:nvPicPr>
             <p:blipFill>
-              <a:blip xmlns:r="http://schemas.openxmlformats.org/officeDocument/2006/relationships" r:embed="R1e13ba3751cd4439"/>
+              <a:blip xmlns:r="http://schemas.openxmlformats.org/officeDocument/2006/relationships" r:embed="R53e308e5a57d4d2c"/>
               <a:stretch>
                 <a:fillRect/>
               </a:stretch>
@@ -3322,11 +3322,11 @@
 </file>
 
 <file path=ppt/slides/udata/data.xml><?xml version="1.0" encoding="utf-8"?>
-<we:webextension xmlns:r="http://schemas.openxmlformats.org/officeDocument/2006/relationships" xmlns:we="http://schemas.microsoft.com/office/webextensions/webextension/2010/11" id="{d1020b15-c8de-4b05-b613-4be09e63dea2}">
+<we:webextension xmlns:r="http://schemas.openxmlformats.org/officeDocument/2006/relationships" xmlns:we="http://schemas.microsoft.com/office/webextensions/webextension/2010/11" id="{8c62e712-2625-4227-ad98-3b8147888a2a}">
   <we:reference id="695691ef-8f6e-4dc4-b6b9-c5a5f44499f7" version="1.0.0.0" store="developer" storeType="Registry"/>
   <we:alternateReferences/>
   <we:properties/>
   <we:bindings/>
-  <we:snapshot xmlns:r="http://schemas.openxmlformats.org/officeDocument/2006/relationships" r:embed="R1e13ba3751cd4439"/>
+  <we:snapshot xmlns:r="http://schemas.openxmlformats.org/officeDocument/2006/relationships" r:embed="R53e308e5a57d4d2c"/>
 </we:webextension>
 </file>
--- a/PowerPoll/PowerPoll/bin/Debug/Presentation1.pptx
+++ b/PowerPoll/PowerPoll/bin/Debug/Presentation1.pptx
@@ -2,10 +2,10 @@
 <file path=ppt/presentation.xml><?xml version="1.0" encoding="utf-8"?>
 <p:presentation xmlns:a="http://schemas.openxmlformats.org/drawingml/2006/main" xmlns:r="http://schemas.openxmlformats.org/officeDocument/2006/relationships" xmlns:p="http://schemas.openxmlformats.org/presentationml/2006/main" saveSubsetFonts="1">
   <p:sldMasterIdLst>
-    <p:sldMasterId id="2147483648" r:id="Rebe7d18013da4564"/>
+    <p:sldMasterId id="2147483648" r:id="R223357deb6944e9e"/>
   </p:sldMasterIdLst>
   <p:sldIdLst>
-    <p:sldId id="256" r:id="R9764ac4281a345e2"/>
+    <p:sldId id="256" r:id="R8bda2d6ef72a4397"/>
   </p:sldIdLst>
   <p:sldSz cx="12192000" cy="6858000"/>
   <p:notesSz cx="6858000" cy="9144000"/>
@@ -2652,17 +2652,17 @@
   </p:cSld>
   <p:clrMap bg1="lt1" tx1="dk1" bg2="lt2" tx2="dk2" accent1="accent1" accent2="accent2" accent3="accent3" accent4="accent4" accent5="accent5" accent6="accent6" hlink="hlink" folHlink="folHlink"/>
   <p:sldLayoutIdLst>
-    <p:sldLayoutId id="2147483649" r:id="R4679573db3ab4160"/>
-    <p:sldLayoutId id="2147483650" r:id="R4f40c768936744be"/>
-    <p:sldLayoutId id="2147483651" r:id="Rfc47dda2a4534c15"/>
-    <p:sldLayoutId id="2147483652" r:id="Raa79e502904c4211"/>
-    <p:sldLayoutId id="2147483653" r:id="R273a5d4c161e4417"/>
-    <p:sldLayoutId id="2147483654" r:id="R17025f219c244003"/>
-    <p:sldLayoutId id="2147483655" r:id="Rdeb090958aaa4900"/>
-    <p:sldLayoutId id="2147483656" r:id="Rb0d381fb5586411a"/>
-    <p:sldLayoutId id="2147483657" r:id="R9ca1a48d59b94576"/>
-    <p:sldLayoutId id="2147483658" r:id="R926f226cdb794e05"/>
-    <p:sldLayoutId id="2147483659" r:id="R1e240f99ab4f466e"/>
+    <p:sldLayoutId id="2147483649" r:id="R8b02d6933e684171"/>
+    <p:sldLayoutId id="2147483650" r:id="R3ac3f22c005c4398"/>
+    <p:sldLayoutId id="2147483651" r:id="Rc9c694f7a8b541dd"/>
+    <p:sldLayoutId id="2147483652" r:id="R6c544e644b7f42d1"/>
+    <p:sldLayoutId id="2147483653" r:id="Rd51d1b5a039c4225"/>
+    <p:sldLayoutId id="2147483654" r:id="R1e0a0efe7dae4ac0"/>
+    <p:sldLayoutId id="2147483655" r:id="Rca9005e32f194feb"/>
+    <p:sldLayoutId id="2147483656" r:id="Rff8d16598351443a"/>
+    <p:sldLayoutId id="2147483657" r:id="R13f289f1d8be49a5"/>
+    <p:sldLayoutId id="2147483658" r:id="R75128dad6e074de6"/>
+    <p:sldLayoutId id="2147483659" r:id="Rc73f01e786f8414e"/>
   </p:sldLayoutIdLst>
   <p:txStyles>
     <p:titleStyle>
@@ -3279,7 +3279,7 @@
             </p:xfrm>
             <a:graphic>
               <a:graphicData uri="http://schemas.microsoft.com/office/webextensions/webextension/2010/11">
-                <we:webextensionref xmlns:we="http://schemas.microsoft.com/office/webextensions/webextension/2010/11" xmlns:r="http://schemas.openxmlformats.org/officeDocument/2006/relationships" r:id="R9a2242c7a6784fa7"/>
+                <we:webextensionref xmlns:we="http://schemas.microsoft.com/office/webextensions/webextension/2010/11" xmlns:r="http://schemas.openxmlformats.org/officeDocument/2006/relationships" r:id="R874396e34c824453"/>
               </a:graphicData>
             </a:graphic>
           </p:graphicFrame>
@@ -3291,7 +3291,7 @@
               <p:cNvPicPr/>
             </p:nvPicPr>
             <p:blipFill>
-              <a:blip xmlns:r="http://schemas.openxmlformats.org/officeDocument/2006/relationships" r:embed="R53e308e5a57d4d2c"/>
+              <a:blip xmlns:r="http://schemas.openxmlformats.org/officeDocument/2006/relationships" r:embed="R78b0845464504b35"/>
               <a:stretch>
                 <a:fillRect/>
               </a:stretch>
@@ -3322,11 +3322,11 @@
 </file>
 
 <file path=ppt/slides/udata/data.xml><?xml version="1.0" encoding="utf-8"?>
-<we:webextension xmlns:r="http://schemas.openxmlformats.org/officeDocument/2006/relationships" xmlns:we="http://schemas.microsoft.com/office/webextensions/webextension/2010/11" id="{8c62e712-2625-4227-ad98-3b8147888a2a}">
+<we:webextension xmlns:r="http://schemas.openxmlformats.org/officeDocument/2006/relationships" xmlns:we="http://schemas.microsoft.com/office/webextensions/webextension/2010/11" id="{186f11b7-7e97-4496-adcb-d817cac881ee}">
   <we:reference id="695691ef-8f6e-4dc4-b6b9-c5a5f44499f7" version="1.0.0.0" store="developer" storeType="Registry"/>
   <we:alternateReferences/>
   <we:properties/>
   <we:bindings/>
-  <we:snapshot xmlns:r="http://schemas.openxmlformats.org/officeDocument/2006/relationships" r:embed="R53e308e5a57d4d2c"/>
+  <we:snapshot xmlns:r="http://schemas.openxmlformats.org/officeDocument/2006/relationships" r:embed="R78b0845464504b35"/>
 </we:webextension>
 </file>
--- a/PowerPoll/PowerPoll/bin/Debug/Presentation1.pptx
+++ b/PowerPoll/PowerPoll/bin/Debug/Presentation1.pptx
@@ -2,10 +2,10 @@
 <file path=ppt/presentation.xml><?xml version="1.0" encoding="utf-8"?>
 <p:presentation xmlns:a="http://schemas.openxmlformats.org/drawingml/2006/main" xmlns:r="http://schemas.openxmlformats.org/officeDocument/2006/relationships" xmlns:p="http://schemas.openxmlformats.org/presentationml/2006/main" saveSubsetFonts="1">
   <p:sldMasterIdLst>
-    <p:sldMasterId id="2147483648" r:id="R223357deb6944e9e"/>
+    <p:sldMasterId id="2147483648" r:id="R86271d5113da4678"/>
   </p:sldMasterIdLst>
   <p:sldIdLst>
-    <p:sldId id="256" r:id="R8bda2d6ef72a4397"/>
+    <p:sldId id="256" r:id="Rfd8980a0a0b24515"/>
   </p:sldIdLst>
   <p:sldSz cx="12192000" cy="6858000"/>
   <p:notesSz cx="6858000" cy="9144000"/>
@@ -2652,17 +2652,17 @@
   </p:cSld>
   <p:clrMap bg1="lt1" tx1="dk1" bg2="lt2" tx2="dk2" accent1="accent1" accent2="accent2" accent3="accent3" accent4="accent4" accent5="accent5" accent6="accent6" hlink="hlink" folHlink="folHlink"/>
   <p:sldLayoutIdLst>
-    <p:sldLayoutId id="2147483649" r:id="R8b02d6933e684171"/>
-    <p:sldLayoutId id="2147483650" r:id="R3ac3f22c005c4398"/>
-    <p:sldLayoutId id="2147483651" r:id="Rc9c694f7a8b541dd"/>
-    <p:sldLayoutId id="2147483652" r:id="R6c544e644b7f42d1"/>
-    <p:sldLayoutId id="2147483653" r:id="Rd51d1b5a039c4225"/>
-    <p:sldLayoutId id="2147483654" r:id="R1e0a0efe7dae4ac0"/>
-    <p:sldLayoutId id="2147483655" r:id="Rca9005e32f194feb"/>
-    <p:sldLayoutId id="2147483656" r:id="Rff8d16598351443a"/>
-    <p:sldLayoutId id="2147483657" r:id="R13f289f1d8be49a5"/>
-    <p:sldLayoutId id="2147483658" r:id="R75128dad6e074de6"/>
-    <p:sldLayoutId id="2147483659" r:id="Rc73f01e786f8414e"/>
+    <p:sldLayoutId id="2147483649" r:id="R3a126f01d0284b20"/>
+    <p:sldLayoutId id="2147483650" r:id="R3232db407ee04081"/>
+    <p:sldLayoutId id="2147483651" r:id="R133f9b6229534550"/>
+    <p:sldLayoutId id="2147483652" r:id="Rb7d424fab0a248c8"/>
+    <p:sldLayoutId id="2147483653" r:id="Rbc3569383ae34203"/>
+    <p:sldLayoutId id="2147483654" r:id="R0dd82e07be344ef0"/>
+    <p:sldLayoutId id="2147483655" r:id="Rfb9cd33e658d49cd"/>
+    <p:sldLayoutId id="2147483656" r:id="R505e4fe0331546cc"/>
+    <p:sldLayoutId id="2147483657" r:id="R06eb69577e0d436e"/>
+    <p:sldLayoutId id="2147483658" r:id="Rb00e366a53784f32"/>
+    <p:sldLayoutId id="2147483659" r:id="R66d37a82e8d54981"/>
   </p:sldLayoutIdLst>
   <p:txStyles>
     <p:titleStyle>
@@ -3279,7 +3279,7 @@
             </p:xfrm>
             <a:graphic>
               <a:graphicData uri="http://schemas.microsoft.com/office/webextensions/webextension/2010/11">
-                <we:webextensionref xmlns:we="http://schemas.microsoft.com/office/webextensions/webextension/2010/11" xmlns:r="http://schemas.openxmlformats.org/officeDocument/2006/relationships" r:id="R874396e34c824453"/>
+                <we:webextensionref xmlns:we="http://schemas.microsoft.com/office/webextensions/webextension/2010/11" xmlns:r="http://schemas.openxmlformats.org/officeDocument/2006/relationships" r:id="Rcf9f8abf0eac4e46"/>
               </a:graphicData>
             </a:graphic>
           </p:graphicFrame>
@@ -3291,7 +3291,7 @@
               <p:cNvPicPr/>
             </p:nvPicPr>
             <p:blipFill>
-              <a:blip xmlns:r="http://schemas.openxmlformats.org/officeDocument/2006/relationships" r:embed="R78b0845464504b35"/>
+              <a:blip xmlns:r="http://schemas.openxmlformats.org/officeDocument/2006/relationships" r:embed="Rdbd2f3cc962540d4"/>
               <a:stretch>
                 <a:fillRect/>
               </a:stretch>
@@ -3322,11 +3322,11 @@
 </file>
 
 <file path=ppt/slides/udata/data.xml><?xml version="1.0" encoding="utf-8"?>
-<we:webextension xmlns:r="http://schemas.openxmlformats.org/officeDocument/2006/relationships" xmlns:we="http://schemas.microsoft.com/office/webextensions/webextension/2010/11" id="{186f11b7-7e97-4496-adcb-d817cac881ee}">
+<we:webextension xmlns:r="http://schemas.openxmlformats.org/officeDocument/2006/relationships" xmlns:we="http://schemas.microsoft.com/office/webextensions/webextension/2010/11" id="{986b0177-65bb-48a5-9d3d-66909d0c08bf}">
   <we:reference id="695691ef-8f6e-4dc4-b6b9-c5a5f44499f7" version="1.0.0.0" store="developer" storeType="Registry"/>
   <we:alternateReferences/>
   <we:properties/>
   <we:bindings/>
-  <we:snapshot xmlns:r="http://schemas.openxmlformats.org/officeDocument/2006/relationships" r:embed="R78b0845464504b35"/>
+  <we:snapshot xmlns:r="http://schemas.openxmlformats.org/officeDocument/2006/relationships" r:embed="Rdbd2f3cc962540d4"/>
 </we:webextension>
 </file>
--- a/PowerPoll/PowerPoll/bin/Debug/Presentation1.pptx
+++ b/PowerPoll/PowerPoll/bin/Debug/Presentation1.pptx
@@ -2,10 +2,10 @@
 <file path=ppt/presentation.xml><?xml version="1.0" encoding="utf-8"?>
 <p:presentation xmlns:a="http://schemas.openxmlformats.org/drawingml/2006/main" xmlns:r="http://schemas.openxmlformats.org/officeDocument/2006/relationships" xmlns:p="http://schemas.openxmlformats.org/presentationml/2006/main" saveSubsetFonts="1">
   <p:sldMasterIdLst>
-    <p:sldMasterId id="2147483648" r:id="R86271d5113da4678"/>
+    <p:sldMasterId id="2147483648" r:id="R2cf55c273a6f4a2a"/>
   </p:sldMasterIdLst>
   <p:sldIdLst>
-    <p:sldId id="256" r:id="Rfd8980a0a0b24515"/>
+    <p:sldId id="256" r:id="R620ab067978a4454"/>
   </p:sldIdLst>
   <p:sldSz cx="12192000" cy="6858000"/>
   <p:notesSz cx="6858000" cy="9144000"/>
@@ -2652,17 +2652,17 @@
   </p:cSld>
   <p:clrMap bg1="lt1" tx1="dk1" bg2="lt2" tx2="dk2" accent1="accent1" accent2="accent2" accent3="accent3" accent4="accent4" accent5="accent5" accent6="accent6" hlink="hlink" folHlink="folHlink"/>
   <p:sldLayoutIdLst>
-    <p:sldLayoutId id="2147483649" r:id="R3a126f01d0284b20"/>
-    <p:sldLayoutId id="2147483650" r:id="R3232db407ee04081"/>
-    <p:sldLayoutId id="2147483651" r:id="R133f9b6229534550"/>
-    <p:sldLayoutId id="2147483652" r:id="Rb7d424fab0a248c8"/>
-    <p:sldLayoutId id="2147483653" r:id="Rbc3569383ae34203"/>
-    <p:sldLayoutId id="2147483654" r:id="R0dd82e07be344ef0"/>
-    <p:sldLayoutId id="2147483655" r:id="Rfb9cd33e658d49cd"/>
-    <p:sldLayoutId id="2147483656" r:id="R505e4fe0331546cc"/>
-    <p:sldLayoutId id="2147483657" r:id="R06eb69577e0d436e"/>
-    <p:sldLayoutId id="2147483658" r:id="Rb00e366a53784f32"/>
-    <p:sldLayoutId id="2147483659" r:id="R66d37a82e8d54981"/>
+    <p:sldLayoutId id="2147483649" r:id="R0c013618ad484c20"/>
+    <p:sldLayoutId id="2147483650" r:id="R27c1675e83964d5e"/>
+    <p:sldLayoutId id="2147483651" r:id="Rac2a8e21fd7e4e46"/>
+    <p:sldLayoutId id="2147483652" r:id="Rc80a2b85a2864c09"/>
+    <p:sldLayoutId id="2147483653" r:id="R4328b944fd794fe9"/>
+    <p:sldLayoutId id="2147483654" r:id="Rdbdc68bde8cc4871"/>
+    <p:sldLayoutId id="2147483655" r:id="R43890d6211dd491c"/>
+    <p:sldLayoutId id="2147483656" r:id="Raf1b72926a9543a6"/>
+    <p:sldLayoutId id="2147483657" r:id="R742054156e1c4ce5"/>
+    <p:sldLayoutId id="2147483658" r:id="R3244c603d6d74600"/>
+    <p:sldLayoutId id="2147483659" r:id="R766fe9c7f1ef4d71"/>
   </p:sldLayoutIdLst>
   <p:txStyles>
     <p:titleStyle>
@@ -3279,7 +3279,7 @@
             </p:xfrm>
             <a:graphic>
               <a:graphicData uri="http://schemas.microsoft.com/office/webextensions/webextension/2010/11">
-                <we:webextensionref xmlns:we="http://schemas.microsoft.com/office/webextensions/webextension/2010/11" xmlns:r="http://schemas.openxmlformats.org/officeDocument/2006/relationships" r:id="Rcf9f8abf0eac4e46"/>
+                <we:webextensionref xmlns:we="http://schemas.microsoft.com/office/webextensions/webextension/2010/11" xmlns:r="http://schemas.openxmlformats.org/officeDocument/2006/relationships" r:id="R33603deb1cef43f4"/>
               </a:graphicData>
             </a:graphic>
           </p:graphicFrame>
@@ -3291,7 +3291,7 @@
               <p:cNvPicPr/>
             </p:nvPicPr>
             <p:blipFill>
-              <a:blip xmlns:r="http://schemas.openxmlformats.org/officeDocument/2006/relationships" r:embed="Rdbd2f3cc962540d4"/>
+              <a:blip xmlns:r="http://schemas.openxmlformats.org/officeDocument/2006/relationships" r:embed="Re60a6ae3b3bf4344"/>
               <a:stretch>
                 <a:fillRect/>
               </a:stretch>
@@ -3322,11 +3322,11 @@
 </file>
 
 <file path=ppt/slides/udata/data.xml><?xml version="1.0" encoding="utf-8"?>
-<we:webextension xmlns:r="http://schemas.openxmlformats.org/officeDocument/2006/relationships" xmlns:we="http://schemas.microsoft.com/office/webextensions/webextension/2010/11" id="{986b0177-65bb-48a5-9d3d-66909d0c08bf}">
+<we:webextension xmlns:r="http://schemas.openxmlformats.org/officeDocument/2006/relationships" xmlns:we="http://schemas.microsoft.com/office/webextensions/webextension/2010/11" id="{a9923b64-8eea-4101-ac6f-b628d99c6a45}">
   <we:reference id="695691ef-8f6e-4dc4-b6b9-c5a5f44499f7" version="1.0.0.0" store="developer" storeType="Registry"/>
   <we:alternateReferences/>
   <we:properties/>
   <we:bindings/>
-  <we:snapshot xmlns:r="http://schemas.openxmlformats.org/officeDocument/2006/relationships" r:embed="Rdbd2f3cc962540d4"/>
+  <we:snapshot xmlns:r="http://schemas.openxmlformats.org/officeDocument/2006/relationships" r:embed="Re60a6ae3b3bf4344"/>
 </we:webextension>
 </file>
--- a/PowerPoll/PowerPoll/bin/Debug/Presentation1.pptx
+++ b/PowerPoll/PowerPoll/bin/Debug/Presentation1.pptx
@@ -2,10 +2,10 @@
 <file path=ppt/presentation.xml><?xml version="1.0" encoding="utf-8"?>
 <p:presentation xmlns:a="http://schemas.openxmlformats.org/drawingml/2006/main" xmlns:r="http://schemas.openxmlformats.org/officeDocument/2006/relationships" xmlns:p="http://schemas.openxmlformats.org/presentationml/2006/main" saveSubsetFonts="1">
   <p:sldMasterIdLst>
-    <p:sldMasterId id="2147483648" r:id="R2cf55c273a6f4a2a"/>
+    <p:sldMasterId id="2147483648" r:id="R26ccb2442acf4668"/>
   </p:sldMasterIdLst>
   <p:sldIdLst>
-    <p:sldId id="256" r:id="R620ab067978a4454"/>
+    <p:sldId id="256" r:id="Rdac389d17b324532"/>
   </p:sldIdLst>
   <p:sldSz cx="12192000" cy="6858000"/>
   <p:notesSz cx="6858000" cy="9144000"/>
@@ -2652,17 +2652,17 @@
   </p:cSld>
   <p:clrMap bg1="lt1" tx1="dk1" bg2="lt2" tx2="dk2" accent1="accent1" accent2="accent2" accent3="accent3" accent4="accent4" accent5="accent5" accent6="accent6" hlink="hlink" folHlink="folHlink"/>
   <p:sldLayoutIdLst>
-    <p:sldLayoutId id="2147483649" r:id="R0c013618ad484c20"/>
-    <p:sldLayoutId id="2147483650" r:id="R27c1675e83964d5e"/>
-    <p:sldLayoutId id="2147483651" r:id="Rac2a8e21fd7e4e46"/>
-    <p:sldLayoutId id="2147483652" r:id="Rc80a2b85a2864c09"/>
-    <p:sldLayoutId id="2147483653" r:id="R4328b944fd794fe9"/>
-    <p:sldLayoutId id="2147483654" r:id="Rdbdc68bde8cc4871"/>
-    <p:sldLayoutId id="2147483655" r:id="R43890d6211dd491c"/>
-    <p:sldLayoutId id="2147483656" r:id="Raf1b72926a9543a6"/>
-    <p:sldLayoutId id="2147483657" r:id="R742054156e1c4ce5"/>
-    <p:sldLayoutId id="2147483658" r:id="R3244c603d6d74600"/>
-    <p:sldLayoutId id="2147483659" r:id="R766fe9c7f1ef4d71"/>
+    <p:sldLayoutId id="2147483649" r:id="R5da7e91f6e524783"/>
+    <p:sldLayoutId id="2147483650" r:id="Rc846372c303b4bca"/>
+    <p:sldLayoutId id="2147483651" r:id="R7bf6a32d0a9a4049"/>
+    <p:sldLayoutId id="2147483652" r:id="R4134e3b2ba6e4141"/>
+    <p:sldLayoutId id="2147483653" r:id="R92b04812012143dc"/>
+    <p:sldLayoutId id="2147483654" r:id="R3de289eb22c44633"/>
+    <p:sldLayoutId id="2147483655" r:id="R500250452616441b"/>
+    <p:sldLayoutId id="2147483656" r:id="R6b9ce554f7fc4676"/>
+    <p:sldLayoutId id="2147483657" r:id="Rd1a79698161a4d00"/>
+    <p:sldLayoutId id="2147483658" r:id="R1860d1c0476c4e0e"/>
+    <p:sldLayoutId id="2147483659" r:id="R418776688bd14e9a"/>
   </p:sldLayoutIdLst>
   <p:txStyles>
     <p:titleStyle>
@@ -3279,7 +3279,7 @@
             </p:xfrm>
             <a:graphic>
               <a:graphicData uri="http://schemas.microsoft.com/office/webextensions/webextension/2010/11">
-                <we:webextensionref xmlns:we="http://schemas.microsoft.com/office/webextensions/webextension/2010/11" xmlns:r="http://schemas.openxmlformats.org/officeDocument/2006/relationships" r:id="R33603deb1cef43f4"/>
+                <we:webextensionref xmlns:we="http://schemas.microsoft.com/office/webextensions/webextension/2010/11" xmlns:r="http://schemas.openxmlformats.org/officeDocument/2006/relationships" r:id="Rb828feb7957b478b"/>
               </a:graphicData>
             </a:graphic>
           </p:graphicFrame>
@@ -3291,7 +3291,7 @@
               <p:cNvPicPr/>
             </p:nvPicPr>
             <p:blipFill>
-              <a:blip xmlns:r="http://schemas.openxmlformats.org/officeDocument/2006/relationships" r:embed="Re60a6ae3b3bf4344"/>
+              <a:blip xmlns:r="http://schemas.openxmlformats.org/officeDocument/2006/relationships" r:embed="R54206cc7476f44ec"/>
               <a:stretch>
                 <a:fillRect/>
               </a:stretch>
@@ -3322,11 +3322,11 @@
 </file>
 
 <file path=ppt/slides/udata/data.xml><?xml version="1.0" encoding="utf-8"?>
-<we:webextension xmlns:r="http://schemas.openxmlformats.org/officeDocument/2006/relationships" xmlns:we="http://schemas.microsoft.com/office/webextensions/webextension/2010/11" id="{a9923b64-8eea-4101-ac6f-b628d99c6a45}">
+<we:webextension xmlns:r="http://schemas.openxmlformats.org/officeDocument/2006/relationships" xmlns:we="http://schemas.microsoft.com/office/webextensions/webextension/2010/11" id="{893e55dc-fcd9-4d8f-9dde-2e5f4c137fec}">
   <we:reference id="695691ef-8f6e-4dc4-b6b9-c5a5f44499f7" version="1.0.0.0" store="developer" storeType="Registry"/>
   <we:alternateReferences/>
   <we:properties/>
   <we:bindings/>
-  <we:snapshot xmlns:r="http://schemas.openxmlformats.org/officeDocument/2006/relationships" r:embed="Re60a6ae3b3bf4344"/>
+  <we:snapshot xmlns:r="http://schemas.openxmlformats.org/officeDocument/2006/relationships" r:embed="R54206cc7476f44ec"/>
 </we:webextension>
 </file>
--- a/PowerPoll/PowerPoll/bin/Debug/Presentation1.pptx
+++ b/PowerPoll/PowerPoll/bin/Debug/Presentation1.pptx
@@ -2,10 +2,10 @@
 <file path=ppt/presentation.xml><?xml version="1.0" encoding="utf-8"?>
 <p:presentation xmlns:a="http://schemas.openxmlformats.org/drawingml/2006/main" xmlns:r="http://schemas.openxmlformats.org/officeDocument/2006/relationships" xmlns:p="http://schemas.openxmlformats.org/presentationml/2006/main" saveSubsetFonts="1">
   <p:sldMasterIdLst>
-    <p:sldMasterId id="2147483648" r:id="R26ccb2442acf4668"/>
+    <p:sldMasterId id="2147483648" r:id="Rf600940a0abf421c"/>
   </p:sldMasterIdLst>
   <p:sldIdLst>
-    <p:sldId id="256" r:id="Rdac389d17b324532"/>
+    <p:sldId id="256" r:id="Rfcb2de61dcdb40c3"/>
   </p:sldIdLst>
   <p:sldSz cx="12192000" cy="6858000"/>
   <p:notesSz cx="6858000" cy="9144000"/>
@@ -2652,17 +2652,17 @@
   </p:cSld>
   <p:clrMap bg1="lt1" tx1="dk1" bg2="lt2" tx2="dk2" accent1="accent1" accent2="accent2" accent3="accent3" accent4="accent4" accent5="accent5" accent6="accent6" hlink="hlink" folHlink="folHlink"/>
   <p:sldLayoutIdLst>
-    <p:sldLayoutId id="2147483649" r:id="R5da7e91f6e524783"/>
-    <p:sldLayoutId id="2147483650" r:id="Rc846372c303b4bca"/>
-    <p:sldLayoutId id="2147483651" r:id="R7bf6a32d0a9a4049"/>
-    <p:sldLayoutId id="2147483652" r:id="R4134e3b2ba6e4141"/>
-    <p:sldLayoutId id="2147483653" r:id="R92b04812012143dc"/>
-    <p:sldLayoutId id="2147483654" r:id="R3de289eb22c44633"/>
-    <p:sldLayoutId id="2147483655" r:id="R500250452616441b"/>
-    <p:sldLayoutId id="2147483656" r:id="R6b9ce554f7fc4676"/>
-    <p:sldLayoutId id="2147483657" r:id="Rd1a79698161a4d00"/>
-    <p:sldLayoutId id="2147483658" r:id="R1860d1c0476c4e0e"/>
-    <p:sldLayoutId id="2147483659" r:id="R418776688bd14e9a"/>
+    <p:sldLayoutId id="2147483649" r:id="R4b660e2848764c91"/>
+    <p:sldLayoutId id="2147483650" r:id="R2434fea4741449d3"/>
+    <p:sldLayoutId id="2147483651" r:id="R93d336b6b4354e9b"/>
+    <p:sldLayoutId id="2147483652" r:id="R71a3c748cf054de0"/>
+    <p:sldLayoutId id="2147483653" r:id="R8003edd2a5f74cfb"/>
+    <p:sldLayoutId id="2147483654" r:id="Rdd9f76268ec54a61"/>
+    <p:sldLayoutId id="2147483655" r:id="R879acf287b7c45ff"/>
+    <p:sldLayoutId id="2147483656" r:id="Rc510a52e7cb148dd"/>
+    <p:sldLayoutId id="2147483657" r:id="R81ae7f74275448cb"/>
+    <p:sldLayoutId id="2147483658" r:id="Rbfbb884d09954331"/>
+    <p:sldLayoutId id="2147483659" r:id="Rb6b79e08c4404ec5"/>
   </p:sldLayoutIdLst>
   <p:txStyles>
     <p:titleStyle>
@@ -3279,7 +3279,7 @@
             </p:xfrm>
             <a:graphic>
               <a:graphicData uri="http://schemas.microsoft.com/office/webextensions/webextension/2010/11">
-                <we:webextensionref xmlns:we="http://schemas.microsoft.com/office/webextensions/webextension/2010/11" xmlns:r="http://schemas.openxmlformats.org/officeDocument/2006/relationships" r:id="Rb828feb7957b478b"/>
+                <we:webextensionref xmlns:we="http://schemas.microsoft.com/office/webextensions/webextension/2010/11" xmlns:r="http://schemas.openxmlformats.org/officeDocument/2006/relationships" r:id="Rc80424d283634e73"/>
               </a:graphicData>
             </a:graphic>
           </p:graphicFrame>
@@ -3291,7 +3291,7 @@
               <p:cNvPicPr/>
             </p:nvPicPr>
             <p:blipFill>
-              <a:blip xmlns:r="http://schemas.openxmlformats.org/officeDocument/2006/relationships" r:embed="R54206cc7476f44ec"/>
+              <a:blip xmlns:r="http://schemas.openxmlformats.org/officeDocument/2006/relationships" r:embed="R1b1f48b35e73447f"/>
               <a:stretch>
                 <a:fillRect/>
               </a:stretch>
@@ -3322,11 +3322,11 @@
 </file>
 
 <file path=ppt/slides/udata/data.xml><?xml version="1.0" encoding="utf-8"?>
-<we:webextension xmlns:r="http://schemas.openxmlformats.org/officeDocument/2006/relationships" xmlns:we="http://schemas.microsoft.com/office/webextensions/webextension/2010/11" id="{893e55dc-fcd9-4d8f-9dde-2e5f4c137fec}">
+<we:webextension xmlns:r="http://schemas.openxmlformats.org/officeDocument/2006/relationships" xmlns:we="http://schemas.microsoft.com/office/webextensions/webextension/2010/11" id="{152d2005-37a4-4bf9-853c-545ed2953f81}">
   <we:reference id="695691ef-8f6e-4dc4-b6b9-c5a5f44499f7" version="1.0.0.0" store="developer" storeType="Registry"/>
   <we:alternateReferences/>
   <we:properties/>
   <we:bindings/>
-  <we:snapshot xmlns:r="http://schemas.openxmlformats.org/officeDocument/2006/relationships" r:embed="R54206cc7476f44ec"/>
+  <we:snapshot xmlns:r="http://schemas.openxmlformats.org/officeDocument/2006/relationships" r:embed="R1b1f48b35e73447f"/>
 </we:webextension>
 </file>
--- a/PowerPoll/PowerPoll/bin/Debug/Presentation1.pptx
+++ b/PowerPoll/PowerPoll/bin/Debug/Presentation1.pptx
@@ -2,10 +2,10 @@
 <file path=ppt/presentation.xml><?xml version="1.0" encoding="utf-8"?>
 <p:presentation xmlns:a="http://schemas.openxmlformats.org/drawingml/2006/main" xmlns:r="http://schemas.openxmlformats.org/officeDocument/2006/relationships" xmlns:p="http://schemas.openxmlformats.org/presentationml/2006/main" saveSubsetFonts="1">
   <p:sldMasterIdLst>
-    <p:sldMasterId id="2147483648" r:id="Rf600940a0abf421c"/>
+    <p:sldMasterId id="2147483648" r:id="R88fddba1e8124ac3"/>
   </p:sldMasterIdLst>
   <p:sldIdLst>
-    <p:sldId id="256" r:id="Rfcb2de61dcdb40c3"/>
+    <p:sldId id="256" r:id="R5b850cb677584ca6"/>
   </p:sldIdLst>
   <p:sldSz cx="12192000" cy="6858000"/>
   <p:notesSz cx="6858000" cy="9144000"/>
@@ -2652,17 +2652,17 @@
   </p:cSld>
   <p:clrMap bg1="lt1" tx1="dk1" bg2="lt2" tx2="dk2" accent1="accent1" accent2="accent2" accent3="accent3" accent4="accent4" accent5="accent5" accent6="accent6" hlink="hlink" folHlink="folHlink"/>
   <p:sldLayoutIdLst>
-    <p:sldLayoutId id="2147483649" r:id="R4b660e2848764c91"/>
-    <p:sldLayoutId id="2147483650" r:id="R2434fea4741449d3"/>
-    <p:sldLayoutId id="2147483651" r:id="R93d336b6b4354e9b"/>
-    <p:sldLayoutId id="2147483652" r:id="R71a3c748cf054de0"/>
-    <p:sldLayoutId id="2147483653" r:id="R8003edd2a5f74cfb"/>
-    <p:sldLayoutId id="2147483654" r:id="Rdd9f76268ec54a61"/>
-    <p:sldLayoutId id="2147483655" r:id="R879acf287b7c45ff"/>
-    <p:sldLayoutId id="2147483656" r:id="Rc510a52e7cb148dd"/>
-    <p:sldLayoutId id="2147483657" r:id="R81ae7f74275448cb"/>
-    <p:sldLayoutId id="2147483658" r:id="Rbfbb884d09954331"/>
-    <p:sldLayoutId id="2147483659" r:id="Rb6b79e08c4404ec5"/>
+    <p:sldLayoutId id="2147483649" r:id="Rdc7cb562e42e4270"/>
+    <p:sldLayoutId id="2147483650" r:id="Ra5df7032b9f24fbd"/>
+    <p:sldLayoutId id="2147483651" r:id="R6b63a0928a944828"/>
+    <p:sldLayoutId id="2147483652" r:id="R2ba3f627f9f54305"/>
+    <p:sldLayoutId id="2147483653" r:id="R27deed7cb2bf4bc8"/>
+    <p:sldLayoutId id="2147483654" r:id="R5bbde401c5ef491d"/>
+    <p:sldLayoutId id="2147483655" r:id="R1cc2b3819f43454d"/>
+    <p:sldLayoutId id="2147483656" r:id="Rdbd0f2ec39bb472c"/>
+    <p:sldLayoutId id="2147483657" r:id="Rb3022bad05a44d2e"/>
+    <p:sldLayoutId id="2147483658" r:id="Red07c3c379e24fbf"/>
+    <p:sldLayoutId id="2147483659" r:id="Ree879f2c782140fc"/>
   </p:sldLayoutIdLst>
   <p:txStyles>
     <p:titleStyle>
@@ -3279,7 +3279,7 @@
             </p:xfrm>
             <a:graphic>
               <a:graphicData uri="http://schemas.microsoft.com/office/webextensions/webextension/2010/11">
-                <we:webextensionref xmlns:we="http://schemas.microsoft.com/office/webextensions/webextension/2010/11" xmlns:r="http://schemas.openxmlformats.org/officeDocument/2006/relationships" r:id="Rc80424d283634e73"/>
+                <we:webextensionref xmlns:we="http://schemas.microsoft.com/office/webextensions/webextension/2010/11" xmlns:r="http://schemas.openxmlformats.org/officeDocument/2006/relationships" r:id="R22b7972666674d8e"/>
               </a:graphicData>
             </a:graphic>
           </p:graphicFrame>
@@ -3291,7 +3291,7 @@
               <p:cNvPicPr/>
             </p:nvPicPr>
             <p:blipFill>
-              <a:blip xmlns:r="http://schemas.openxmlformats.org/officeDocument/2006/relationships" r:embed="R1b1f48b35e73447f"/>
+              <a:blip xmlns:r="http://schemas.openxmlformats.org/officeDocument/2006/relationships" r:embed="Rff7b3456e25f4f22"/>
               <a:stretch>
                 <a:fillRect/>
               </a:stretch>
@@ -3322,11 +3322,11 @@
 </file>
 
 <file path=ppt/slides/udata/data.xml><?xml version="1.0" encoding="utf-8"?>
-<we:webextension xmlns:r="http://schemas.openxmlformats.org/officeDocument/2006/relationships" xmlns:we="http://schemas.microsoft.com/office/webextensions/webextension/2010/11" id="{152d2005-37a4-4bf9-853c-545ed2953f81}">
+<we:webextension xmlns:r="http://schemas.openxmlformats.org/officeDocument/2006/relationships" xmlns:we="http://schemas.microsoft.com/office/webextensions/webextension/2010/11" id="{fecd3c64-9029-4112-a6f2-e0fc18eba378}">
   <we:reference id="695691ef-8f6e-4dc4-b6b9-c5a5f44499f7" version="1.0.0.0" store="developer" storeType="Registry"/>
   <we:alternateReferences/>
   <we:properties/>
   <we:bindings/>
-  <we:snapshot xmlns:r="http://schemas.openxmlformats.org/officeDocument/2006/relationships" r:embed="R1b1f48b35e73447f"/>
+  <we:snapshot xmlns:r="http://schemas.openxmlformats.org/officeDocument/2006/relationships" r:embed="Rff7b3456e25f4f22"/>
 </we:webextension>
 </file>
--- a/PowerPoll/PowerPoll/bin/Debug/Presentation1.pptx
+++ b/PowerPoll/PowerPoll/bin/Debug/Presentation1.pptx
@@ -2,10 +2,10 @@
 <file path=ppt/presentation.xml><?xml version="1.0" encoding="utf-8"?>
 <p:presentation xmlns:a="http://schemas.openxmlformats.org/drawingml/2006/main" xmlns:r="http://schemas.openxmlformats.org/officeDocument/2006/relationships" xmlns:p="http://schemas.openxmlformats.org/presentationml/2006/main" saveSubsetFonts="1">
   <p:sldMasterIdLst>
-    <p:sldMasterId id="2147483648" r:id="R88fddba1e8124ac3"/>
+    <p:sldMasterId id="2147483648" r:id="Rf377995730794c1a"/>
   </p:sldMasterIdLst>
   <p:sldIdLst>
-    <p:sldId id="256" r:id="R5b850cb677584ca6"/>
+    <p:sldId id="256" r:id="Rc8baf01b4e6e4ad6"/>
   </p:sldIdLst>
   <p:sldSz cx="12192000" cy="6858000"/>
   <p:notesSz cx="6858000" cy="9144000"/>
@@ -2652,17 +2652,17 @@
   </p:cSld>
   <p:clrMap bg1="lt1" tx1="dk1" bg2="lt2" tx2="dk2" accent1="accent1" accent2="accent2" accent3="accent3" accent4="accent4" accent5="accent5" accent6="accent6" hlink="hlink" folHlink="folHlink"/>
   <p:sldLayoutIdLst>
-    <p:sldLayoutId id="2147483649" r:id="Rdc7cb562e42e4270"/>
-    <p:sldLayoutId id="2147483650" r:id="Ra5df7032b9f24fbd"/>
-    <p:sldLayoutId id="2147483651" r:id="R6b63a0928a944828"/>
-    <p:sldLayoutId id="2147483652" r:id="R2ba3f627f9f54305"/>
-    <p:sldLayoutId id="2147483653" r:id="R27deed7cb2bf4bc8"/>
-    <p:sldLayoutId id="2147483654" r:id="R5bbde401c5ef491d"/>
-    <p:sldLayoutId id="2147483655" r:id="R1cc2b3819f43454d"/>
-    <p:sldLayoutId id="2147483656" r:id="Rdbd0f2ec39bb472c"/>
-    <p:sldLayoutId id="2147483657" r:id="Rb3022bad05a44d2e"/>
-    <p:sldLayoutId id="2147483658" r:id="Red07c3c379e24fbf"/>
-    <p:sldLayoutId id="2147483659" r:id="Ree879f2c782140fc"/>
+    <p:sldLayoutId id="2147483649" r:id="R1a671709f1db487c"/>
+    <p:sldLayoutId id="2147483650" r:id="R671dbad2f39c454d"/>
+    <p:sldLayoutId id="2147483651" r:id="R318b64db78964423"/>
+    <p:sldLayoutId id="2147483652" r:id="R44a7f2d5c86d456a"/>
+    <p:sldLayoutId id="2147483653" r:id="R2fa1a638264145f4"/>
+    <p:sldLayoutId id="2147483654" r:id="Re01f87b33e224db6"/>
+    <p:sldLayoutId id="2147483655" r:id="Re591db3154494c2a"/>
+    <p:sldLayoutId id="2147483656" r:id="R10b479ea1b244f8f"/>
+    <p:sldLayoutId id="2147483657" r:id="Rfff14c82bcab4d69"/>
+    <p:sldLayoutId id="2147483658" r:id="Raf302cca0ad7430b"/>
+    <p:sldLayoutId id="2147483659" r:id="R14d508903e5e48f7"/>
   </p:sldLayoutIdLst>
   <p:txStyles>
     <p:titleStyle>
@@ -3279,7 +3279,7 @@
             </p:xfrm>
             <a:graphic>
               <a:graphicData uri="http://schemas.microsoft.com/office/webextensions/webextension/2010/11">
-                <we:webextensionref xmlns:we="http://schemas.microsoft.com/office/webextensions/webextension/2010/11" xmlns:r="http://schemas.openxmlformats.org/officeDocument/2006/relationships" r:id="R22b7972666674d8e"/>
+                <we:webextensionref xmlns:we="http://schemas.microsoft.com/office/webextensions/webextension/2010/11" xmlns:r="http://schemas.openxmlformats.org/officeDocument/2006/relationships" r:id="R4760f22987eb4782"/>
               </a:graphicData>
             </a:graphic>
           </p:graphicFrame>
@@ -3291,7 +3291,7 @@
               <p:cNvPicPr/>
             </p:nvPicPr>
             <p:blipFill>
-              <a:blip xmlns:r="http://schemas.openxmlformats.org/officeDocument/2006/relationships" r:embed="Rff7b3456e25f4f22"/>
+              <a:blip xmlns:r="http://schemas.openxmlformats.org/officeDocument/2006/relationships" r:embed="Rf2209148af364fbc"/>
               <a:stretch>
                 <a:fillRect/>
               </a:stretch>
@@ -3322,11 +3322,11 @@
 </file>
 
 <file path=ppt/slides/udata/data.xml><?xml version="1.0" encoding="utf-8"?>
-<we:webextension xmlns:r="http://schemas.openxmlformats.org/officeDocument/2006/relationships" xmlns:we="http://schemas.microsoft.com/office/webextensions/webextension/2010/11" id="{fecd3c64-9029-4112-a6f2-e0fc18eba378}">
+<we:webextension xmlns:r="http://schemas.openxmlformats.org/officeDocument/2006/relationships" xmlns:we="http://schemas.microsoft.com/office/webextensions/webextension/2010/11" id="{4c228ca0-c681-4989-a6af-2e92eec94346}">
   <we:reference id="695691ef-8f6e-4dc4-b6b9-c5a5f44499f7" version="1.0.0.0" store="developer" storeType="Registry"/>
   <we:alternateReferences/>
   <we:properties/>
   <we:bindings/>
-  <we:snapshot xmlns:r="http://schemas.openxmlformats.org/officeDocument/2006/relationships" r:embed="Rff7b3456e25f4f22"/>
+  <we:snapshot xmlns:r="http://schemas.openxmlformats.org/officeDocument/2006/relationships" r:embed="Rf2209148af364fbc"/>
 </we:webextension>
 </file>
--- a/PowerPoll/PowerPoll/bin/Debug/Presentation1.pptx
+++ b/PowerPoll/PowerPoll/bin/Debug/Presentation1.pptx
@@ -2,10 +2,10 @@
 <file path=ppt/presentation.xml><?xml version="1.0" encoding="utf-8"?>
 <p:presentation xmlns:a="http://schemas.openxmlformats.org/drawingml/2006/main" xmlns:r="http://schemas.openxmlformats.org/officeDocument/2006/relationships" xmlns:p="http://schemas.openxmlformats.org/presentationml/2006/main" saveSubsetFonts="1">
   <p:sldMasterIdLst>
-    <p:sldMasterId id="2147483648" r:id="Rf377995730794c1a"/>
+    <p:sldMasterId id="2147483648" r:id="R68d87b352ca54604"/>
   </p:sldMasterIdLst>
   <p:sldIdLst>
-    <p:sldId id="256" r:id="Rc8baf01b4e6e4ad6"/>
+    <p:sldId id="256" r:id="Rfdd4f2b5422f43ae"/>
   </p:sldIdLst>
   <p:sldSz cx="12192000" cy="6858000"/>
   <p:notesSz cx="6858000" cy="9144000"/>
@@ -2652,17 +2652,17 @@
   </p:cSld>
   <p:clrMap bg1="lt1" tx1="dk1" bg2="lt2" tx2="dk2" accent1="accent1" accent2="accent2" accent3="accent3" accent4="accent4" accent5="accent5" accent6="accent6" hlink="hlink" folHlink="folHlink"/>
   <p:sldLayoutIdLst>
-    <p:sldLayoutId id="2147483649" r:id="R1a671709f1db487c"/>
-    <p:sldLayoutId id="2147483650" r:id="R671dbad2f39c454d"/>
-    <p:sldLayoutId id="2147483651" r:id="R318b64db78964423"/>
-    <p:sldLayoutId id="2147483652" r:id="R44a7f2d5c86d456a"/>
-    <p:sldLayoutId id="2147483653" r:id="R2fa1a638264145f4"/>
-    <p:sldLayoutId id="2147483654" r:id="Re01f87b33e224db6"/>
-    <p:sldLayoutId id="2147483655" r:id="Re591db3154494c2a"/>
-    <p:sldLayoutId id="2147483656" r:id="R10b479ea1b244f8f"/>
-    <p:sldLayoutId id="2147483657" r:id="Rfff14c82bcab4d69"/>
-    <p:sldLayoutId id="2147483658" r:id="Raf302cca0ad7430b"/>
-    <p:sldLayoutId id="2147483659" r:id="R14d508903e5e48f7"/>
+    <p:sldLayoutId id="2147483649" r:id="R3c784b2f59964fea"/>
+    <p:sldLayoutId id="2147483650" r:id="R3d759c14d6f540ea"/>
+    <p:sldLayoutId id="2147483651" r:id="R4ad7cf17dd4a48a0"/>
+    <p:sldLayoutId id="2147483652" r:id="R4c81ac3ac5c94a2b"/>
+    <p:sldLayoutId id="2147483653" r:id="R009f4f7d63ef4375"/>
+    <p:sldLayoutId id="2147483654" r:id="Rb2fd4c866f5745cf"/>
+    <p:sldLayoutId id="2147483655" r:id="R447cf1d7b3c946bd"/>
+    <p:sldLayoutId id="2147483656" r:id="R2d0517f6eeaa43d4"/>
+    <p:sldLayoutId id="2147483657" r:id="Rc14cba992cde4094"/>
+    <p:sldLayoutId id="2147483658" r:id="R3f7c57bec78d4a95"/>
+    <p:sldLayoutId id="2147483659" r:id="R79b5c7d12d754c26"/>
   </p:sldLayoutIdLst>
   <p:txStyles>
     <p:titleStyle>
@@ -3279,7 +3279,7 @@
             </p:xfrm>
             <a:graphic>
               <a:graphicData uri="http://schemas.microsoft.com/office/webextensions/webextension/2010/11">
-                <we:webextensionref xmlns:we="http://schemas.microsoft.com/office/webextensions/webextension/2010/11" xmlns:r="http://schemas.openxmlformats.org/officeDocument/2006/relationships" r:id="R4760f22987eb4782"/>
+                <we:webextensionref xmlns:we="http://schemas.microsoft.com/office/webextensions/webextension/2010/11" xmlns:r="http://schemas.openxmlformats.org/officeDocument/2006/relationships" r:id="Ra64e6052ac14492d"/>
               </a:graphicData>
             </a:graphic>
           </p:graphicFrame>
@@ -3291,7 +3291,7 @@
               <p:cNvPicPr/>
             </p:nvPicPr>
             <p:blipFill>
-              <a:blip xmlns:r="http://schemas.openxmlformats.org/officeDocument/2006/relationships" r:embed="Rf2209148af364fbc"/>
+              <a:blip xmlns:r="http://schemas.openxmlformats.org/officeDocument/2006/relationships" r:embed="R1ac346a603904c0a"/>
               <a:stretch>
                 <a:fillRect/>
               </a:stretch>
@@ -3322,11 +3322,11 @@
 </file>
 
 <file path=ppt/slides/udata/data.xml><?xml version="1.0" encoding="utf-8"?>
-<we:webextension xmlns:r="http://schemas.openxmlformats.org/officeDocument/2006/relationships" xmlns:we="http://schemas.microsoft.com/office/webextensions/webextension/2010/11" id="{4c228ca0-c681-4989-a6af-2e92eec94346}">
+<we:webextension xmlns:r="http://schemas.openxmlformats.org/officeDocument/2006/relationships" xmlns:we="http://schemas.microsoft.com/office/webextensions/webextension/2010/11" id="{4d450e0c-d374-4eb7-ab18-c3c2b6d3d350}">
   <we:reference id="695691ef-8f6e-4dc4-b6b9-c5a5f44499f7" version="1.0.0.0" store="developer" storeType="Registry"/>
   <we:alternateReferences/>
   <we:properties/>
   <we:bindings/>
-  <we:snapshot xmlns:r="http://schemas.openxmlformats.org/officeDocument/2006/relationships" r:embed="Rf2209148af364fbc"/>
+  <we:snapshot xmlns:r="http://schemas.openxmlformats.org/officeDocument/2006/relationships" r:embed="R1ac346a603904c0a"/>
 </we:webextension>
 </file>
--- a/PowerPoll/PowerPoll/bin/Debug/Presentation1.pptx
+++ b/PowerPoll/PowerPoll/bin/Debug/Presentation1.pptx
@@ -2,10 +2,10 @@
 <file path=ppt/presentation.xml><?xml version="1.0" encoding="utf-8"?>
 <p:presentation xmlns:a="http://schemas.openxmlformats.org/drawingml/2006/main" xmlns:r="http://schemas.openxmlformats.org/officeDocument/2006/relationships" xmlns:p="http://schemas.openxmlformats.org/presentationml/2006/main" saveSubsetFonts="1">
   <p:sldMasterIdLst>
-    <p:sldMasterId id="2147483648" r:id="R68d87b352ca54604"/>
+    <p:sldMasterId id="2147483648" r:id="Rf52f87faae594d6d"/>
   </p:sldMasterIdLst>
   <p:sldIdLst>
-    <p:sldId id="256" r:id="Rfdd4f2b5422f43ae"/>
+    <p:sldId id="256" r:id="R0ba8d0c3ca624ab4"/>
   </p:sldIdLst>
   <p:sldSz cx="12192000" cy="6858000"/>
   <p:notesSz cx="6858000" cy="9144000"/>
@@ -2652,17 +2652,17 @@
   </p:cSld>
   <p:clrMap bg1="lt1" tx1="dk1" bg2="lt2" tx2="dk2" accent1="accent1" accent2="accent2" accent3="accent3" accent4="accent4" accent5="accent5" accent6="accent6" hlink="hlink" folHlink="folHlink"/>
   <p:sldLayoutIdLst>
-    <p:sldLayoutId id="2147483649" r:id="R3c784b2f59964fea"/>
-    <p:sldLayoutId id="2147483650" r:id="R3d759c14d6f540ea"/>
-    <p:sldLayoutId id="2147483651" r:id="R4ad7cf17dd4a48a0"/>
-    <p:sldLayoutId id="2147483652" r:id="R4c81ac3ac5c94a2b"/>
-    <p:sldLayoutId id="2147483653" r:id="R009f4f7d63ef4375"/>
-    <p:sldLayoutId id="2147483654" r:id="Rb2fd4c866f5745cf"/>
-    <p:sldLayoutId id="2147483655" r:id="R447cf1d7b3c946bd"/>
-    <p:sldLayoutId id="2147483656" r:id="R2d0517f6eeaa43d4"/>
-    <p:sldLayoutId id="2147483657" r:id="Rc14cba992cde4094"/>
-    <p:sldLayoutId id="2147483658" r:id="R3f7c57bec78d4a95"/>
-    <p:sldLayoutId id="2147483659" r:id="R79b5c7d12d754c26"/>
+    <p:sldLayoutId id="2147483649" r:id="Rd72a28a560464a30"/>
+    <p:sldLayoutId id="2147483650" r:id="Rf51314c99ad34db7"/>
+    <p:sldLayoutId id="2147483651" r:id="R929bbc7d1ece4b68"/>
+    <p:sldLayoutId id="2147483652" r:id="R4924a3840a494534"/>
+    <p:sldLayoutId id="2147483653" r:id="R49f891a353ab4608"/>
+    <p:sldLayoutId id="2147483654" r:id="Rf7bbb58632494ecf"/>
+    <p:sldLayoutId id="2147483655" r:id="R4c9d2056ff664b2a"/>
+    <p:sldLayoutId id="2147483656" r:id="R0d298ac41be141f2"/>
+    <p:sldLayoutId id="2147483657" r:id="Rbd9df7412e05461c"/>
+    <p:sldLayoutId id="2147483658" r:id="R364b8a179eea4437"/>
+    <p:sldLayoutId id="2147483659" r:id="R111c592bcd3940c6"/>
   </p:sldLayoutIdLst>
   <p:txStyles>
     <p:titleStyle>
@@ -3279,7 +3279,7 @@
             </p:xfrm>
             <a:graphic>
               <a:graphicData uri="http://schemas.microsoft.com/office/webextensions/webextension/2010/11">
-                <we:webextensionref xmlns:we="http://schemas.microsoft.com/office/webextensions/webextension/2010/11" xmlns:r="http://schemas.openxmlformats.org/officeDocument/2006/relationships" r:id="Ra64e6052ac14492d"/>
+                <we:webextensionref xmlns:we="http://schemas.microsoft.com/office/webextensions/webextension/2010/11" xmlns:r="http://schemas.openxmlformats.org/officeDocument/2006/relationships" r:id="Ra647aa8c1ec341d2"/>
               </a:graphicData>
             </a:graphic>
           </p:graphicFrame>
@@ -3291,7 +3291,7 @@
               <p:cNvPicPr/>
             </p:nvPicPr>
             <p:blipFill>
-              <a:blip xmlns:r="http://schemas.openxmlformats.org/officeDocument/2006/relationships" r:embed="R1ac346a603904c0a"/>
+              <a:blip xmlns:r="http://schemas.openxmlformats.org/officeDocument/2006/relationships" r:embed="Rcbccbb633906408e"/>
               <a:stretch>
                 <a:fillRect/>
               </a:stretch>
@@ -3322,11 +3322,11 @@
 </file>
 
 <file path=ppt/slides/udata/data.xml><?xml version="1.0" encoding="utf-8"?>
-<we:webextension xmlns:r="http://schemas.openxmlformats.org/officeDocument/2006/relationships" xmlns:we="http://schemas.microsoft.com/office/webextensions/webextension/2010/11" id="{4d450e0c-d374-4eb7-ab18-c3c2b6d3d350}">
+<we:webextension xmlns:r="http://schemas.openxmlformats.org/officeDocument/2006/relationships" xmlns:we="http://schemas.microsoft.com/office/webextensions/webextension/2010/11" id="{26fb3e51-1ea4-4269-ba77-b7894b710d94}">
   <we:reference id="695691ef-8f6e-4dc4-b6b9-c5a5f44499f7" version="1.0.0.0" store="developer" storeType="Registry"/>
   <we:alternateReferences/>
   <we:properties/>
   <we:bindings/>
-  <we:snapshot xmlns:r="http://schemas.openxmlformats.org/officeDocument/2006/relationships" r:embed="R1ac346a603904c0a"/>
+  <we:snapshot xmlns:r="http://schemas.openxmlformats.org/officeDocument/2006/relationships" r:embed="Rcbccbb633906408e"/>
 </we:webextension>
 </file>
--- a/PowerPoll/PowerPoll/bin/Debug/Presentation1.pptx
+++ b/PowerPoll/PowerPoll/bin/Debug/Presentation1.pptx
@@ -2,10 +2,10 @@
 <file path=ppt/presentation.xml><?xml version="1.0" encoding="utf-8"?>
 <p:presentation xmlns:a="http://schemas.openxmlformats.org/drawingml/2006/main" xmlns:r="http://schemas.openxmlformats.org/officeDocument/2006/relationships" xmlns:p="http://schemas.openxmlformats.org/presentationml/2006/main" saveSubsetFonts="1">
   <p:sldMasterIdLst>
-    <p:sldMasterId id="2147483648" r:id="Rf52f87faae594d6d"/>
+    <p:sldMasterId id="2147483648" r:id="R8541875a6aa14612"/>
   </p:sldMasterIdLst>
   <p:sldIdLst>
-    <p:sldId id="256" r:id="R0ba8d0c3ca624ab4"/>
+    <p:sldId id="256" r:id="R2034f67ec608479c"/>
   </p:sldIdLst>
   <p:sldSz cx="12192000" cy="6858000"/>
   <p:notesSz cx="6858000" cy="9144000"/>
@@ -2652,17 +2652,17 @@
   </p:cSld>
   <p:clrMap bg1="lt1" tx1="dk1" bg2="lt2" tx2="dk2" accent1="accent1" accent2="accent2" accent3="accent3" accent4="accent4" accent5="accent5" accent6="accent6" hlink="hlink" folHlink="folHlink"/>
   <p:sldLayoutIdLst>
-    <p:sldLayoutId id="2147483649" r:id="Rd72a28a560464a30"/>
-    <p:sldLayoutId id="2147483650" r:id="Rf51314c99ad34db7"/>
-    <p:sldLayoutId id="2147483651" r:id="R929bbc7d1ece4b68"/>
-    <p:sldLayoutId id="2147483652" r:id="R4924a3840a494534"/>
-    <p:sldLayoutId id="2147483653" r:id="R49f891a353ab4608"/>
-    <p:sldLayoutId id="2147483654" r:id="Rf7bbb58632494ecf"/>
-    <p:sldLayoutId id="2147483655" r:id="R4c9d2056ff664b2a"/>
-    <p:sldLayoutId id="2147483656" r:id="R0d298ac41be141f2"/>
-    <p:sldLayoutId id="2147483657" r:id="Rbd9df7412e05461c"/>
-    <p:sldLayoutId id="2147483658" r:id="R364b8a179eea4437"/>
-    <p:sldLayoutId id="2147483659" r:id="R111c592bcd3940c6"/>
+    <p:sldLayoutId id="2147483649" r:id="Ra9df9c7d1ad944c0"/>
+    <p:sldLayoutId id="2147483650" r:id="R612b8900f0f04382"/>
+    <p:sldLayoutId id="2147483651" r:id="Rae1342efbf454ae7"/>
+    <p:sldLayoutId id="2147483652" r:id="R592ed01a076f4821"/>
+    <p:sldLayoutId id="2147483653" r:id="Ref55edb257b847f0"/>
+    <p:sldLayoutId id="2147483654" r:id="R03f46ef9dff4497a"/>
+    <p:sldLayoutId id="2147483655" r:id="Rf7566999ee274b38"/>
+    <p:sldLayoutId id="2147483656" r:id="R3ffce4d6e5794fd9"/>
+    <p:sldLayoutId id="2147483657" r:id="Rd71cddfe88774047"/>
+    <p:sldLayoutId id="2147483658" r:id="Rd6306b1241cf4bf9"/>
+    <p:sldLayoutId id="2147483659" r:id="R0207c096e0c24fb3"/>
   </p:sldLayoutIdLst>
   <p:txStyles>
     <p:titleStyle>
@@ -3279,7 +3279,7 @@
             </p:xfrm>
             <a:graphic>
               <a:graphicData uri="http://schemas.microsoft.com/office/webextensions/webextension/2010/11">
-                <we:webextensionref xmlns:we="http://schemas.microsoft.com/office/webextensions/webextension/2010/11" xmlns:r="http://schemas.openxmlformats.org/officeDocument/2006/relationships" r:id="Ra647aa8c1ec341d2"/>
+                <we:webextensionref xmlns:we="http://schemas.microsoft.com/office/webextensions/webextension/2010/11" xmlns:r="http://schemas.openxmlformats.org/officeDocument/2006/relationships" r:id="Rb7e09d370d1e4040"/>
               </a:graphicData>
             </a:graphic>
           </p:graphicFrame>
@@ -3291,7 +3291,7 @@
               <p:cNvPicPr/>
             </p:nvPicPr>
             <p:blipFill>
-              <a:blip xmlns:r="http://schemas.openxmlformats.org/officeDocument/2006/relationships" r:embed="Rcbccbb633906408e"/>
+              <a:blip xmlns:r="http://schemas.openxmlformats.org/officeDocument/2006/relationships" r:embed="R29adc014f0e34604"/>
               <a:stretch>
                 <a:fillRect/>
               </a:stretch>
@@ -3322,11 +3322,11 @@
 </file>
 
 <file path=ppt/slides/udata/data.xml><?xml version="1.0" encoding="utf-8"?>
-<we:webextension xmlns:r="http://schemas.openxmlformats.org/officeDocument/2006/relationships" xmlns:we="http://schemas.microsoft.com/office/webextensions/webextension/2010/11" id="{26fb3e51-1ea4-4269-ba77-b7894b710d94}">
+<we:webextension xmlns:r="http://schemas.openxmlformats.org/officeDocument/2006/relationships" xmlns:we="http://schemas.microsoft.com/office/webextensions/webextension/2010/11" id="{23a6934e-2ac2-44e8-9c5a-efe4ef03fade}">
   <we:reference id="695691ef-8f6e-4dc4-b6b9-c5a5f44499f7" version="1.0.0.0" store="developer" storeType="Registry"/>
   <we:alternateReferences/>
   <we:properties/>
   <we:bindings/>
-  <we:snapshot xmlns:r="http://schemas.openxmlformats.org/officeDocument/2006/relationships" r:embed="Rcbccbb633906408e"/>
+  <we:snapshot xmlns:r="http://schemas.openxmlformats.org/officeDocument/2006/relationships" r:embed="R29adc014f0e34604"/>
 </we:webextension>
 </file>
--- a/PowerPoll/PowerPoll/bin/Debug/Presentation1.pptx
+++ b/PowerPoll/PowerPoll/bin/Debug/Presentation1.pptx
@@ -2,10 +2,10 @@
 <file path=ppt/presentation.xml><?xml version="1.0" encoding="utf-8"?>
 <p:presentation xmlns:a="http://schemas.openxmlformats.org/drawingml/2006/main" xmlns:r="http://schemas.openxmlformats.org/officeDocument/2006/relationships" xmlns:p="http://schemas.openxmlformats.org/presentationml/2006/main" saveSubsetFonts="1">
   <p:sldMasterIdLst>
-    <p:sldMasterId id="2147483648" r:id="R8541875a6aa14612"/>
+    <p:sldMasterId id="2147483648" r:id="Raeda2ede69ca4ae5"/>
   </p:sldMasterIdLst>
   <p:sldIdLst>
-    <p:sldId id="256" r:id="R2034f67ec608479c"/>
+    <p:sldId id="256" r:id="Rc13439559419405c"/>
   </p:sldIdLst>
   <p:sldSz cx="12192000" cy="6858000"/>
   <p:notesSz cx="6858000" cy="9144000"/>
@@ -2652,17 +2652,17 @@
   </p:cSld>
   <p:clrMap bg1="lt1" tx1="dk1" bg2="lt2" tx2="dk2" accent1="accent1" accent2="accent2" accent3="accent3" accent4="accent4" accent5="accent5" accent6="accent6" hlink="hlink" folHlink="folHlink"/>
   <p:sldLayoutIdLst>
-    <p:sldLayoutId id="2147483649" r:id="Ra9df9c7d1ad944c0"/>
-    <p:sldLayoutId id="2147483650" r:id="R612b8900f0f04382"/>
-    <p:sldLayoutId id="2147483651" r:id="Rae1342efbf454ae7"/>
-    <p:sldLayoutId id="2147483652" r:id="R592ed01a076f4821"/>
-    <p:sldLayoutId id="2147483653" r:id="Ref55edb257b847f0"/>
-    <p:sldLayoutId id="2147483654" r:id="R03f46ef9dff4497a"/>
-    <p:sldLayoutId id="2147483655" r:id="Rf7566999ee274b38"/>
-    <p:sldLayoutId id="2147483656" r:id="R3ffce4d6e5794fd9"/>
-    <p:sldLayoutId id="2147483657" r:id="Rd71cddfe88774047"/>
-    <p:sldLayoutId id="2147483658" r:id="Rd6306b1241cf4bf9"/>
-    <p:sldLayoutId id="2147483659" r:id="R0207c096e0c24fb3"/>
+    <p:sldLayoutId id="2147483649" r:id="R2f72bcd7f7b046c1"/>
+    <p:sldLayoutId id="2147483650" r:id="Rf2850496702941ab"/>
+    <p:sldLayoutId id="2147483651" r:id="Ra51308f58784413a"/>
+    <p:sldLayoutId id="2147483652" r:id="R0103bd2d57fa498a"/>
+    <p:sldLayoutId id="2147483653" r:id="R809fbd8f15c24059"/>
+    <p:sldLayoutId id="2147483654" r:id="Re13bd9fb4ef84864"/>
+    <p:sldLayoutId id="2147483655" r:id="R7e286199099b4290"/>
+    <p:sldLayoutId id="2147483656" r:id="R109c26159d164d00"/>
+    <p:sldLayoutId id="2147483657" r:id="Rca456b31e94649ce"/>
+    <p:sldLayoutId id="2147483658" r:id="R7f4980b149e54c4a"/>
+    <p:sldLayoutId id="2147483659" r:id="Ra13f33b34f214bfc"/>
   </p:sldLayoutIdLst>
   <p:txStyles>
     <p:titleStyle>
@@ -3279,7 +3279,7 @@
             </p:xfrm>
             <a:graphic>
               <a:graphicData uri="http://schemas.microsoft.com/office/webextensions/webextension/2010/11">
-                <we:webextensionref xmlns:we="http://schemas.microsoft.com/office/webextensions/webextension/2010/11" xmlns:r="http://schemas.openxmlformats.org/officeDocument/2006/relationships" r:id="Rb7e09d370d1e4040"/>
+                <we:webextensionref xmlns:we="http://schemas.microsoft.com/office/webextensions/webextension/2010/11" xmlns:r="http://schemas.openxmlformats.org/officeDocument/2006/relationships" r:id="Rdbfebca68580445c"/>
               </a:graphicData>
             </a:graphic>
           </p:graphicFrame>
@@ -3291,7 +3291,7 @@
               <p:cNvPicPr/>
             </p:nvPicPr>
             <p:blipFill>
-              <a:blip xmlns:r="http://schemas.openxmlformats.org/officeDocument/2006/relationships" r:embed="R29adc014f0e34604"/>
+              <a:blip xmlns:r="http://schemas.openxmlformats.org/officeDocument/2006/relationships" r:embed="R9885ac3281c140c1"/>
               <a:stretch>
                 <a:fillRect/>
               </a:stretch>
@@ -3322,11 +3322,11 @@
 </file>
 
 <file path=ppt/slides/udata/data.xml><?xml version="1.0" encoding="utf-8"?>
-<we:webextension xmlns:r="http://schemas.openxmlformats.org/officeDocument/2006/relationships" xmlns:we="http://schemas.microsoft.com/office/webextensions/webextension/2010/11" id="{23a6934e-2ac2-44e8-9c5a-efe4ef03fade}">
+<we:webextension xmlns:r="http://schemas.openxmlformats.org/officeDocument/2006/relationships" xmlns:we="http://schemas.microsoft.com/office/webextensions/webextension/2010/11" id="{c8afd194-6543-446f-83ff-14ffe7434739}">
   <we:reference id="695691ef-8f6e-4dc4-b6b9-c5a5f44499f7" version="1.0.0.0" store="developer" storeType="Registry"/>
   <we:alternateReferences/>
   <we:properties/>
   <we:bindings/>
-  <we:snapshot xmlns:r="http://schemas.openxmlformats.org/officeDocument/2006/relationships" r:embed="R29adc014f0e34604"/>
+  <we:snapshot xmlns:r="http://schemas.openxmlformats.org/officeDocument/2006/relationships" r:embed="R9885ac3281c140c1"/>
 </we:webextension>
 </file>
--- a/PowerPoll/PowerPoll/bin/Debug/Presentation1.pptx
+++ b/PowerPoll/PowerPoll/bin/Debug/Presentation1.pptx
@@ -2,10 +2,10 @@
 <file path=ppt/presentation.xml><?xml version="1.0" encoding="utf-8"?>
 <p:presentation xmlns:a="http://schemas.openxmlformats.org/drawingml/2006/main" xmlns:r="http://schemas.openxmlformats.org/officeDocument/2006/relationships" xmlns:p="http://schemas.openxmlformats.org/presentationml/2006/main" saveSubsetFonts="1">
   <p:sldMasterIdLst>
-    <p:sldMasterId id="2147483648" r:id="Raeda2ede69ca4ae5"/>
+    <p:sldMasterId id="2147483648" r:id="R1894ac9d286042cd"/>
   </p:sldMasterIdLst>
   <p:sldIdLst>
-    <p:sldId id="256" r:id="Rc13439559419405c"/>
+    <p:sldId id="256" r:id="R612098f787624db8"/>
   </p:sldIdLst>
   <p:sldSz cx="12192000" cy="6858000"/>
   <p:notesSz cx="6858000" cy="9144000"/>
@@ -2652,17 +2652,17 @@
   </p:cSld>
   <p:clrMap bg1="lt1" tx1="dk1" bg2="lt2" tx2="dk2" accent1="accent1" accent2="accent2" accent3="accent3" accent4="accent4" accent5="accent5" accent6="accent6" hlink="hlink" folHlink="folHlink"/>
   <p:sldLayoutIdLst>
-    <p:sldLayoutId id="2147483649" r:id="R2f72bcd7f7b046c1"/>
-    <p:sldLayoutId id="2147483650" r:id="Rf2850496702941ab"/>
-    <p:sldLayoutId id="2147483651" r:id="Ra51308f58784413a"/>
-    <p:sldLayoutId id="2147483652" r:id="R0103bd2d57fa498a"/>
-    <p:sldLayoutId id="2147483653" r:id="R809fbd8f15c24059"/>
-    <p:sldLayoutId id="2147483654" r:id="Re13bd9fb4ef84864"/>
-    <p:sldLayoutId id="2147483655" r:id="R7e286199099b4290"/>
-    <p:sldLayoutId id="2147483656" r:id="R109c26159d164d00"/>
-    <p:sldLayoutId id="2147483657" r:id="Rca456b31e94649ce"/>
-    <p:sldLayoutId id="2147483658" r:id="R7f4980b149e54c4a"/>
-    <p:sldLayoutId id="2147483659" r:id="Ra13f33b34f214bfc"/>
+    <p:sldLayoutId id="2147483649" r:id="R1a5a884796464f02"/>
+    <p:sldLayoutId id="2147483650" r:id="R03e668351e2b4dad"/>
+    <p:sldLayoutId id="2147483651" r:id="R22d4cdf966fe436b"/>
+    <p:sldLayoutId id="2147483652" r:id="R777593913e8b4dc0"/>
+    <p:sldLayoutId id="2147483653" r:id="R9e42ce29b0ea4777"/>
+    <p:sldLayoutId id="2147483654" r:id="Rd7fc58753c0e4e66"/>
+    <p:sldLayoutId id="2147483655" r:id="R4de06d56a11140d4"/>
+    <p:sldLayoutId id="2147483656" r:id="R99d2fdf83f6d4258"/>
+    <p:sldLayoutId id="2147483657" r:id="Ra99cf2feee664149"/>
+    <p:sldLayoutId id="2147483658" r:id="R588f986b7d3240bf"/>
+    <p:sldLayoutId id="2147483659" r:id="R3676e0eb57a6461a"/>
   </p:sldLayoutIdLst>
   <p:txStyles>
     <p:titleStyle>
@@ -3279,7 +3279,7 @@
             </p:xfrm>
             <a:graphic>
               <a:graphicData uri="http://schemas.microsoft.com/office/webextensions/webextension/2010/11">
-                <we:webextensionref xmlns:we="http://schemas.microsoft.com/office/webextensions/webextension/2010/11" xmlns:r="http://schemas.openxmlformats.org/officeDocument/2006/relationships" r:id="Rdbfebca68580445c"/>
+                <we:webextensionref xmlns:we="http://schemas.microsoft.com/office/webextensions/webextension/2010/11" xmlns:r="http://schemas.openxmlformats.org/officeDocument/2006/relationships" r:id="R2ae74f3e10334458"/>
               </a:graphicData>
             </a:graphic>
           </p:graphicFrame>
@@ -3291,7 +3291,7 @@
               <p:cNvPicPr/>
             </p:nvPicPr>
             <p:blipFill>
-              <a:blip xmlns:r="http://schemas.openxmlformats.org/officeDocument/2006/relationships" r:embed="R9885ac3281c140c1"/>
+              <a:blip xmlns:r="http://schemas.openxmlformats.org/officeDocument/2006/relationships" r:embed="R7a9eefa1c8534354"/>
               <a:stretch>
                 <a:fillRect/>
               </a:stretch>
@@ -3322,11 +3322,11 @@
 </file>
 
 <file path=ppt/slides/udata/data.xml><?xml version="1.0" encoding="utf-8"?>
-<we:webextension xmlns:r="http://schemas.openxmlformats.org/officeDocument/2006/relationships" xmlns:we="http://schemas.microsoft.com/office/webextensions/webextension/2010/11" id="{c8afd194-6543-446f-83ff-14ffe7434739}">
+<we:webextension xmlns:r="http://schemas.openxmlformats.org/officeDocument/2006/relationships" xmlns:we="http://schemas.microsoft.com/office/webextensions/webextension/2010/11" id="{8289992f-4420-42ef-9b2f-c86449189b5e}">
   <we:reference id="695691ef-8f6e-4dc4-b6b9-c5a5f44499f7" version="1.0.0.0" store="developer" storeType="Registry"/>
   <we:alternateReferences/>
   <we:properties/>
   <we:bindings/>
-  <we:snapshot xmlns:r="http://schemas.openxmlformats.org/officeDocument/2006/relationships" r:embed="R9885ac3281c140c1"/>
+  <we:snapshot xmlns:r="http://schemas.openxmlformats.org/officeDocument/2006/relationships" r:embed="R7a9eefa1c8534354"/>
 </we:webextension>
 </file>